--- a/主你是我力量.pptx
+++ b/主你是我力量.pptx
@@ -2,7 +2,7 @@
 <file path=ppt/presentation.xml><?xml version="1.0" encoding="utf-8"?>
 <p:presentation xmlns:a="http://schemas.openxmlformats.org/drawingml/2006/main" xmlns:r="http://schemas.openxmlformats.org/officeDocument/2006/relationships" xmlns:p="http://schemas.openxmlformats.org/presentationml/2006/main" saveSubsetFonts="1">
   <p:sldMasterIdLst>
-    <p:sldMasterId id="2147483648" r:id="rId1"/>
+    <p:sldMasterId id="2147483660" r:id="rId1"/>
   </p:sldMasterIdLst>
   <p:sldIdLst>
     <p:sldId id="257" r:id="rId2"/>
@@ -147,8 +147,8 @@
           <a:lstStyle/>
           <a:p>
             <a:r>
-              <a:rPr lang="zh-TW" altLang="en-US" smtClean="0"/>
-              <a:t>按一下以編輯母片標題樣式</a:t>
+              <a:rPr lang="en-US" altLang="zh-TW" smtClean="0"/>
+              <a:t>Click to edit Master title style</a:t>
             </a:r>
             <a:endParaRPr lang="zh-TW" altLang="en-US"/>
           </a:p>
@@ -266,8 +266,8 @@
           </a:lstStyle>
           <a:p>
             <a:r>
-              <a:rPr lang="zh-TW" altLang="en-US" smtClean="0"/>
-              <a:t>按一下以編輯母片副標題樣式</a:t>
+              <a:rPr lang="en-US" altLang="zh-TW" smtClean="0"/>
+              <a:t>Click to edit Master subtitle style</a:t>
             </a:r>
             <a:endParaRPr lang="zh-TW" altLang="en-US"/>
           </a:p>
@@ -290,7 +290,7 @@
           <a:p>
             <a:fld id="{38FCA8AB-F74D-4403-8245-3473F9D77712}" type="datetimeFigureOut">
               <a:rPr lang="zh-TW" altLang="en-US" smtClean="0"/>
-              <a:t>2018/1/30</a:t>
+              <a:t>2019/6/15</a:t>
             </a:fld>
             <a:endParaRPr lang="zh-TW" altLang="en-US"/>
           </a:p>
@@ -379,8 +379,8 @@
           <a:lstStyle/>
           <a:p>
             <a:r>
-              <a:rPr lang="zh-TW" altLang="en-US" smtClean="0"/>
-              <a:t>按一下以編輯母片標題樣式</a:t>
+              <a:rPr lang="en-US" altLang="zh-TW" smtClean="0"/>
+              <a:t>Click to edit Master title style</a:t>
             </a:r>
             <a:endParaRPr lang="zh-TW" altLang="en-US"/>
           </a:p>
@@ -403,36 +403,36 @@
           <a:p>
             <a:pPr lvl="0"/>
             <a:r>
-              <a:rPr lang="zh-TW" altLang="en-US" smtClean="0"/>
-              <a:t>按一下以編輯母片文字樣式</a:t>
+              <a:rPr lang="en-US" altLang="zh-TW" smtClean="0"/>
+              <a:t>Click to edit Master text styles</a:t>
             </a:r>
           </a:p>
           <a:p>
             <a:pPr lvl="1"/>
             <a:r>
-              <a:rPr lang="zh-TW" altLang="en-US" smtClean="0"/>
-              <a:t>第二層</a:t>
+              <a:rPr lang="en-US" altLang="zh-TW" smtClean="0"/>
+              <a:t>Second level</a:t>
             </a:r>
           </a:p>
           <a:p>
             <a:pPr lvl="2"/>
             <a:r>
-              <a:rPr lang="zh-TW" altLang="en-US" smtClean="0"/>
-              <a:t>第三層</a:t>
+              <a:rPr lang="en-US" altLang="zh-TW" smtClean="0"/>
+              <a:t>Third level</a:t>
             </a:r>
           </a:p>
           <a:p>
             <a:pPr lvl="3"/>
             <a:r>
-              <a:rPr lang="zh-TW" altLang="en-US" smtClean="0"/>
-              <a:t>第四層</a:t>
+              <a:rPr lang="en-US" altLang="zh-TW" smtClean="0"/>
+              <a:t>Fourth level</a:t>
             </a:r>
           </a:p>
           <a:p>
             <a:pPr lvl="4"/>
             <a:r>
-              <a:rPr lang="zh-TW" altLang="en-US" smtClean="0"/>
-              <a:t>第五層</a:t>
+              <a:rPr lang="en-US" altLang="zh-TW" smtClean="0"/>
+              <a:t>Fifth level</a:t>
             </a:r>
             <a:endParaRPr lang="zh-TW" altLang="en-US"/>
           </a:p>
@@ -455,7 +455,7 @@
           <a:p>
             <a:fld id="{38FCA8AB-F74D-4403-8245-3473F9D77712}" type="datetimeFigureOut">
               <a:rPr lang="zh-TW" altLang="en-US" smtClean="0"/>
-              <a:t>2018/1/30</a:t>
+              <a:t>2019/6/15</a:t>
             </a:fld>
             <a:endParaRPr lang="zh-TW" altLang="en-US"/>
           </a:p>
@@ -549,8 +549,8 @@
           <a:lstStyle/>
           <a:p>
             <a:r>
-              <a:rPr lang="zh-TW" altLang="en-US" smtClean="0"/>
-              <a:t>按一下以編輯母片標題樣式</a:t>
+              <a:rPr lang="en-US" altLang="zh-TW" smtClean="0"/>
+              <a:t>Click to edit Master title style</a:t>
             </a:r>
             <a:endParaRPr lang="zh-TW" altLang="en-US"/>
           </a:p>
@@ -578,36 +578,36 @@
           <a:p>
             <a:pPr lvl="0"/>
             <a:r>
-              <a:rPr lang="zh-TW" altLang="en-US" smtClean="0"/>
-              <a:t>按一下以編輯母片文字樣式</a:t>
+              <a:rPr lang="en-US" altLang="zh-TW" smtClean="0"/>
+              <a:t>Click to edit Master text styles</a:t>
             </a:r>
           </a:p>
           <a:p>
             <a:pPr lvl="1"/>
             <a:r>
-              <a:rPr lang="zh-TW" altLang="en-US" smtClean="0"/>
-              <a:t>第二層</a:t>
+              <a:rPr lang="en-US" altLang="zh-TW" smtClean="0"/>
+              <a:t>Second level</a:t>
             </a:r>
           </a:p>
           <a:p>
             <a:pPr lvl="2"/>
             <a:r>
-              <a:rPr lang="zh-TW" altLang="en-US" smtClean="0"/>
-              <a:t>第三層</a:t>
+              <a:rPr lang="en-US" altLang="zh-TW" smtClean="0"/>
+              <a:t>Third level</a:t>
             </a:r>
           </a:p>
           <a:p>
             <a:pPr lvl="3"/>
             <a:r>
-              <a:rPr lang="zh-TW" altLang="en-US" smtClean="0"/>
-              <a:t>第四層</a:t>
+              <a:rPr lang="en-US" altLang="zh-TW" smtClean="0"/>
+              <a:t>Fourth level</a:t>
             </a:r>
           </a:p>
           <a:p>
             <a:pPr lvl="4"/>
             <a:r>
-              <a:rPr lang="zh-TW" altLang="en-US" smtClean="0"/>
-              <a:t>第五層</a:t>
+              <a:rPr lang="en-US" altLang="zh-TW" smtClean="0"/>
+              <a:t>Fifth level</a:t>
             </a:r>
             <a:endParaRPr lang="zh-TW" altLang="en-US"/>
           </a:p>
@@ -630,7 +630,7 @@
           <a:p>
             <a:fld id="{38FCA8AB-F74D-4403-8245-3473F9D77712}" type="datetimeFigureOut">
               <a:rPr lang="zh-TW" altLang="en-US" smtClean="0"/>
-              <a:t>2018/1/30</a:t>
+              <a:t>2019/6/15</a:t>
             </a:fld>
             <a:endParaRPr lang="zh-TW" altLang="en-US"/>
           </a:p>
@@ -719,8 +719,8 @@
           <a:lstStyle/>
           <a:p>
             <a:r>
-              <a:rPr lang="zh-TW" altLang="en-US" smtClean="0"/>
-              <a:t>按一下以編輯母片標題樣式</a:t>
+              <a:rPr lang="en-US" altLang="zh-TW" smtClean="0"/>
+              <a:t>Click to edit Master title style</a:t>
             </a:r>
             <a:endParaRPr lang="zh-TW" altLang="en-US"/>
           </a:p>
@@ -743,36 +743,36 @@
           <a:p>
             <a:pPr lvl="0"/>
             <a:r>
-              <a:rPr lang="zh-TW" altLang="en-US" smtClean="0"/>
-              <a:t>按一下以編輯母片文字樣式</a:t>
+              <a:rPr lang="en-US" altLang="zh-TW" smtClean="0"/>
+              <a:t>Click to edit Master text styles</a:t>
             </a:r>
           </a:p>
           <a:p>
             <a:pPr lvl="1"/>
             <a:r>
-              <a:rPr lang="zh-TW" altLang="en-US" smtClean="0"/>
-              <a:t>第二層</a:t>
+              <a:rPr lang="en-US" altLang="zh-TW" smtClean="0"/>
+              <a:t>Second level</a:t>
             </a:r>
           </a:p>
           <a:p>
             <a:pPr lvl="2"/>
             <a:r>
-              <a:rPr lang="zh-TW" altLang="en-US" smtClean="0"/>
-              <a:t>第三層</a:t>
+              <a:rPr lang="en-US" altLang="zh-TW" smtClean="0"/>
+              <a:t>Third level</a:t>
             </a:r>
           </a:p>
           <a:p>
             <a:pPr lvl="3"/>
             <a:r>
-              <a:rPr lang="zh-TW" altLang="en-US" smtClean="0"/>
-              <a:t>第四層</a:t>
+              <a:rPr lang="en-US" altLang="zh-TW" smtClean="0"/>
+              <a:t>Fourth level</a:t>
             </a:r>
           </a:p>
           <a:p>
             <a:pPr lvl="4"/>
             <a:r>
-              <a:rPr lang="zh-TW" altLang="en-US" smtClean="0"/>
-              <a:t>第五層</a:t>
+              <a:rPr lang="en-US" altLang="zh-TW" smtClean="0"/>
+              <a:t>Fifth level</a:t>
             </a:r>
             <a:endParaRPr lang="zh-TW" altLang="en-US"/>
           </a:p>
@@ -795,7 +795,7 @@
           <a:p>
             <a:fld id="{38FCA8AB-F74D-4403-8245-3473F9D77712}" type="datetimeFigureOut">
               <a:rPr lang="zh-TW" altLang="en-US" smtClean="0"/>
-              <a:t>2018/1/30</a:t>
+              <a:t>2019/6/15</a:t>
             </a:fld>
             <a:endParaRPr lang="zh-TW" altLang="en-US"/>
           </a:p>
@@ -893,8 +893,8 @@
           </a:lstStyle>
           <a:p>
             <a:r>
-              <a:rPr lang="zh-TW" altLang="en-US" smtClean="0"/>
-              <a:t>按一下以編輯母片標題樣式</a:t>
+              <a:rPr lang="en-US" altLang="zh-TW" smtClean="0"/>
+              <a:t>Click to edit Master title style</a:t>
             </a:r>
             <a:endParaRPr lang="zh-TW" altLang="en-US"/>
           </a:p>
@@ -1013,8 +1013,8 @@
           <a:p>
             <a:pPr lvl="0"/>
             <a:r>
-              <a:rPr lang="zh-TW" altLang="en-US" smtClean="0"/>
-              <a:t>按一下以編輯母片文字樣式</a:t>
+              <a:rPr lang="en-US" altLang="zh-TW" smtClean="0"/>
+              <a:t>Click to edit Master text styles</a:t>
             </a:r>
           </a:p>
         </p:txBody>
@@ -1036,7 +1036,7 @@
           <a:p>
             <a:fld id="{38FCA8AB-F74D-4403-8245-3473F9D77712}" type="datetimeFigureOut">
               <a:rPr lang="zh-TW" altLang="en-US" smtClean="0"/>
-              <a:t>2018/1/30</a:t>
+              <a:t>2019/6/15</a:t>
             </a:fld>
             <a:endParaRPr lang="zh-TW" altLang="en-US"/>
           </a:p>
@@ -1125,8 +1125,8 @@
           <a:lstStyle/>
           <a:p>
             <a:r>
-              <a:rPr lang="zh-TW" altLang="en-US" smtClean="0"/>
-              <a:t>按一下以編輯母片標題樣式</a:t>
+              <a:rPr lang="en-US" altLang="zh-TW" smtClean="0"/>
+              <a:t>Click to edit Master title style</a:t>
             </a:r>
             <a:endParaRPr lang="zh-TW" altLang="en-US"/>
           </a:p>
@@ -1182,36 +1182,36 @@
           <a:p>
             <a:pPr lvl="0"/>
             <a:r>
-              <a:rPr lang="zh-TW" altLang="en-US" smtClean="0"/>
-              <a:t>按一下以編輯母片文字樣式</a:t>
+              <a:rPr lang="en-US" altLang="zh-TW" smtClean="0"/>
+              <a:t>Click to edit Master text styles</a:t>
             </a:r>
           </a:p>
           <a:p>
             <a:pPr lvl="1"/>
             <a:r>
-              <a:rPr lang="zh-TW" altLang="en-US" smtClean="0"/>
-              <a:t>第二層</a:t>
+              <a:rPr lang="en-US" altLang="zh-TW" smtClean="0"/>
+              <a:t>Second level</a:t>
             </a:r>
           </a:p>
           <a:p>
             <a:pPr lvl="2"/>
             <a:r>
-              <a:rPr lang="zh-TW" altLang="en-US" smtClean="0"/>
-              <a:t>第三層</a:t>
+              <a:rPr lang="en-US" altLang="zh-TW" smtClean="0"/>
+              <a:t>Third level</a:t>
             </a:r>
           </a:p>
           <a:p>
             <a:pPr lvl="3"/>
             <a:r>
-              <a:rPr lang="zh-TW" altLang="en-US" smtClean="0"/>
-              <a:t>第四層</a:t>
+              <a:rPr lang="en-US" altLang="zh-TW" smtClean="0"/>
+              <a:t>Fourth level</a:t>
             </a:r>
           </a:p>
           <a:p>
             <a:pPr lvl="4"/>
             <a:r>
-              <a:rPr lang="zh-TW" altLang="en-US" smtClean="0"/>
-              <a:t>第五層</a:t>
+              <a:rPr lang="en-US" altLang="zh-TW" smtClean="0"/>
+              <a:t>Fifth level</a:t>
             </a:r>
             <a:endParaRPr lang="zh-TW" altLang="en-US"/>
           </a:p>
@@ -1267,36 +1267,36 @@
           <a:p>
             <a:pPr lvl="0"/>
             <a:r>
-              <a:rPr lang="zh-TW" altLang="en-US" smtClean="0"/>
-              <a:t>按一下以編輯母片文字樣式</a:t>
+              <a:rPr lang="en-US" altLang="zh-TW" smtClean="0"/>
+              <a:t>Click to edit Master text styles</a:t>
             </a:r>
           </a:p>
           <a:p>
             <a:pPr lvl="1"/>
             <a:r>
-              <a:rPr lang="zh-TW" altLang="en-US" smtClean="0"/>
-              <a:t>第二層</a:t>
+              <a:rPr lang="en-US" altLang="zh-TW" smtClean="0"/>
+              <a:t>Second level</a:t>
             </a:r>
           </a:p>
           <a:p>
             <a:pPr lvl="2"/>
             <a:r>
-              <a:rPr lang="zh-TW" altLang="en-US" smtClean="0"/>
-              <a:t>第三層</a:t>
+              <a:rPr lang="en-US" altLang="zh-TW" smtClean="0"/>
+              <a:t>Third level</a:t>
             </a:r>
           </a:p>
           <a:p>
             <a:pPr lvl="3"/>
             <a:r>
-              <a:rPr lang="zh-TW" altLang="en-US" smtClean="0"/>
-              <a:t>第四層</a:t>
+              <a:rPr lang="en-US" altLang="zh-TW" smtClean="0"/>
+              <a:t>Fourth level</a:t>
             </a:r>
           </a:p>
           <a:p>
             <a:pPr lvl="4"/>
             <a:r>
-              <a:rPr lang="zh-TW" altLang="en-US" smtClean="0"/>
-              <a:t>第五層</a:t>
+              <a:rPr lang="en-US" altLang="zh-TW" smtClean="0"/>
+              <a:t>Fifth level</a:t>
             </a:r>
             <a:endParaRPr lang="zh-TW" altLang="en-US"/>
           </a:p>
@@ -1319,7 +1319,7 @@
           <a:p>
             <a:fld id="{38FCA8AB-F74D-4403-8245-3473F9D77712}" type="datetimeFigureOut">
               <a:rPr lang="zh-TW" altLang="en-US" smtClean="0"/>
-              <a:t>2018/1/30</a:t>
+              <a:t>2019/6/15</a:t>
             </a:fld>
             <a:endParaRPr lang="zh-TW" altLang="en-US"/>
           </a:p>
@@ -1412,8 +1412,8 @@
           </a:lstStyle>
           <a:p>
             <a:r>
-              <a:rPr lang="zh-TW" altLang="en-US" smtClean="0"/>
-              <a:t>按一下以編輯母片標題樣式</a:t>
+              <a:rPr lang="en-US" altLang="zh-TW" smtClean="0"/>
+              <a:t>Click to edit Master title style</a:t>
             </a:r>
             <a:endParaRPr lang="zh-TW" altLang="en-US"/>
           </a:p>
@@ -1478,8 +1478,8 @@
           <a:p>
             <a:pPr lvl="0"/>
             <a:r>
-              <a:rPr lang="zh-TW" altLang="en-US" smtClean="0"/>
-              <a:t>按一下以編輯母片文字樣式</a:t>
+              <a:rPr lang="en-US" altLang="zh-TW" smtClean="0"/>
+              <a:t>Click to edit Master text styles</a:t>
             </a:r>
           </a:p>
         </p:txBody>
@@ -1534,36 +1534,36 @@
           <a:p>
             <a:pPr lvl="0"/>
             <a:r>
-              <a:rPr lang="zh-TW" altLang="en-US" smtClean="0"/>
-              <a:t>按一下以編輯母片文字樣式</a:t>
+              <a:rPr lang="en-US" altLang="zh-TW" smtClean="0"/>
+              <a:t>Click to edit Master text styles</a:t>
             </a:r>
           </a:p>
           <a:p>
             <a:pPr lvl="1"/>
             <a:r>
-              <a:rPr lang="zh-TW" altLang="en-US" smtClean="0"/>
-              <a:t>第二層</a:t>
+              <a:rPr lang="en-US" altLang="zh-TW" smtClean="0"/>
+              <a:t>Second level</a:t>
             </a:r>
           </a:p>
           <a:p>
             <a:pPr lvl="2"/>
             <a:r>
-              <a:rPr lang="zh-TW" altLang="en-US" smtClean="0"/>
-              <a:t>第三層</a:t>
+              <a:rPr lang="en-US" altLang="zh-TW" smtClean="0"/>
+              <a:t>Third level</a:t>
             </a:r>
           </a:p>
           <a:p>
             <a:pPr lvl="3"/>
             <a:r>
-              <a:rPr lang="zh-TW" altLang="en-US" smtClean="0"/>
-              <a:t>第四層</a:t>
+              <a:rPr lang="en-US" altLang="zh-TW" smtClean="0"/>
+              <a:t>Fourth level</a:t>
             </a:r>
           </a:p>
           <a:p>
             <a:pPr lvl="4"/>
             <a:r>
-              <a:rPr lang="zh-TW" altLang="en-US" smtClean="0"/>
-              <a:t>第五層</a:t>
+              <a:rPr lang="en-US" altLang="zh-TW" smtClean="0"/>
+              <a:t>Fifth level</a:t>
             </a:r>
             <a:endParaRPr lang="zh-TW" altLang="en-US"/>
           </a:p>
@@ -1628,8 +1628,8 @@
           <a:p>
             <a:pPr lvl="0"/>
             <a:r>
-              <a:rPr lang="zh-TW" altLang="en-US" smtClean="0"/>
-              <a:t>按一下以編輯母片文字樣式</a:t>
+              <a:rPr lang="en-US" altLang="zh-TW" smtClean="0"/>
+              <a:t>Click to edit Master text styles</a:t>
             </a:r>
           </a:p>
         </p:txBody>
@@ -1684,36 +1684,36 @@
           <a:p>
             <a:pPr lvl="0"/>
             <a:r>
-              <a:rPr lang="zh-TW" altLang="en-US" smtClean="0"/>
-              <a:t>按一下以編輯母片文字樣式</a:t>
+              <a:rPr lang="en-US" altLang="zh-TW" smtClean="0"/>
+              <a:t>Click to edit Master text styles</a:t>
             </a:r>
           </a:p>
           <a:p>
             <a:pPr lvl="1"/>
             <a:r>
-              <a:rPr lang="zh-TW" altLang="en-US" smtClean="0"/>
-              <a:t>第二層</a:t>
+              <a:rPr lang="en-US" altLang="zh-TW" smtClean="0"/>
+              <a:t>Second level</a:t>
             </a:r>
           </a:p>
           <a:p>
             <a:pPr lvl="2"/>
             <a:r>
-              <a:rPr lang="zh-TW" altLang="en-US" smtClean="0"/>
-              <a:t>第三層</a:t>
+              <a:rPr lang="en-US" altLang="zh-TW" smtClean="0"/>
+              <a:t>Third level</a:t>
             </a:r>
           </a:p>
           <a:p>
             <a:pPr lvl="3"/>
             <a:r>
-              <a:rPr lang="zh-TW" altLang="en-US" smtClean="0"/>
-              <a:t>第四層</a:t>
+              <a:rPr lang="en-US" altLang="zh-TW" smtClean="0"/>
+              <a:t>Fourth level</a:t>
             </a:r>
           </a:p>
           <a:p>
             <a:pPr lvl="4"/>
             <a:r>
-              <a:rPr lang="zh-TW" altLang="en-US" smtClean="0"/>
-              <a:t>第五層</a:t>
+              <a:rPr lang="en-US" altLang="zh-TW" smtClean="0"/>
+              <a:t>Fifth level</a:t>
             </a:r>
             <a:endParaRPr lang="zh-TW" altLang="en-US"/>
           </a:p>
@@ -1736,7 +1736,7 @@
           <a:p>
             <a:fld id="{38FCA8AB-F74D-4403-8245-3473F9D77712}" type="datetimeFigureOut">
               <a:rPr lang="zh-TW" altLang="en-US" smtClean="0"/>
-              <a:t>2018/1/30</a:t>
+              <a:t>2019/6/15</a:t>
             </a:fld>
             <a:endParaRPr lang="zh-TW" altLang="en-US"/>
           </a:p>
@@ -1825,8 +1825,8 @@
           <a:lstStyle/>
           <a:p>
             <a:r>
-              <a:rPr lang="zh-TW" altLang="en-US" smtClean="0"/>
-              <a:t>按一下以編輯母片標題樣式</a:t>
+              <a:rPr lang="en-US" altLang="zh-TW" smtClean="0"/>
+              <a:t>Click to edit Master title style</a:t>
             </a:r>
             <a:endParaRPr lang="zh-TW" altLang="en-US"/>
           </a:p>
@@ -1849,7 +1849,7 @@
           <a:p>
             <a:fld id="{38FCA8AB-F74D-4403-8245-3473F9D77712}" type="datetimeFigureOut">
               <a:rPr lang="zh-TW" altLang="en-US" smtClean="0"/>
-              <a:t>2018/1/30</a:t>
+              <a:t>2019/6/15</a:t>
             </a:fld>
             <a:endParaRPr lang="zh-TW" altLang="en-US"/>
           </a:p>
@@ -1939,7 +1939,7 @@
           <a:p>
             <a:fld id="{38FCA8AB-F74D-4403-8245-3473F9D77712}" type="datetimeFigureOut">
               <a:rPr lang="zh-TW" altLang="en-US" smtClean="0"/>
-              <a:t>2018/1/30</a:t>
+              <a:t>2019/6/15</a:t>
             </a:fld>
             <a:endParaRPr lang="zh-TW" altLang="en-US"/>
           </a:p>
@@ -2037,8 +2037,8 @@
           </a:lstStyle>
           <a:p>
             <a:r>
-              <a:rPr lang="zh-TW" altLang="en-US" smtClean="0"/>
-              <a:t>按一下以編輯母片標題樣式</a:t>
+              <a:rPr lang="en-US" altLang="zh-TW" smtClean="0"/>
+              <a:t>Click to edit Master title style</a:t>
             </a:r>
             <a:endParaRPr lang="zh-TW" altLang="en-US"/>
           </a:p>
@@ -2094,36 +2094,36 @@
           <a:p>
             <a:pPr lvl="0"/>
             <a:r>
-              <a:rPr lang="zh-TW" altLang="en-US" smtClean="0"/>
-              <a:t>按一下以編輯母片文字樣式</a:t>
+              <a:rPr lang="en-US" altLang="zh-TW" smtClean="0"/>
+              <a:t>Click to edit Master text styles</a:t>
             </a:r>
           </a:p>
           <a:p>
             <a:pPr lvl="1"/>
             <a:r>
-              <a:rPr lang="zh-TW" altLang="en-US" smtClean="0"/>
-              <a:t>第二層</a:t>
+              <a:rPr lang="en-US" altLang="zh-TW" smtClean="0"/>
+              <a:t>Second level</a:t>
             </a:r>
           </a:p>
           <a:p>
             <a:pPr lvl="2"/>
             <a:r>
-              <a:rPr lang="zh-TW" altLang="en-US" smtClean="0"/>
-              <a:t>第三層</a:t>
+              <a:rPr lang="en-US" altLang="zh-TW" smtClean="0"/>
+              <a:t>Third level</a:t>
             </a:r>
           </a:p>
           <a:p>
             <a:pPr lvl="3"/>
             <a:r>
-              <a:rPr lang="zh-TW" altLang="en-US" smtClean="0"/>
-              <a:t>第四層</a:t>
+              <a:rPr lang="en-US" altLang="zh-TW" smtClean="0"/>
+              <a:t>Fourth level</a:t>
             </a:r>
           </a:p>
           <a:p>
             <a:pPr lvl="4"/>
             <a:r>
-              <a:rPr lang="zh-TW" altLang="en-US" smtClean="0"/>
-              <a:t>第五層</a:t>
+              <a:rPr lang="en-US" altLang="zh-TW" smtClean="0"/>
+              <a:t>Fifth level</a:t>
             </a:r>
             <a:endParaRPr lang="zh-TW" altLang="en-US"/>
           </a:p>
@@ -2188,8 +2188,8 @@
           <a:p>
             <a:pPr lvl="0"/>
             <a:r>
-              <a:rPr lang="zh-TW" altLang="en-US" smtClean="0"/>
-              <a:t>按一下以編輯母片文字樣式</a:t>
+              <a:rPr lang="en-US" altLang="zh-TW" smtClean="0"/>
+              <a:t>Click to edit Master text styles</a:t>
             </a:r>
           </a:p>
         </p:txBody>
@@ -2211,7 +2211,7 @@
           <a:p>
             <a:fld id="{38FCA8AB-F74D-4403-8245-3473F9D77712}" type="datetimeFigureOut">
               <a:rPr lang="zh-TW" altLang="en-US" smtClean="0"/>
-              <a:t>2018/1/30</a:t>
+              <a:t>2019/6/15</a:t>
             </a:fld>
             <a:endParaRPr lang="zh-TW" altLang="en-US"/>
           </a:p>
@@ -2309,8 +2309,8 @@
           </a:lstStyle>
           <a:p>
             <a:r>
-              <a:rPr lang="zh-TW" altLang="en-US" smtClean="0"/>
-              <a:t>按一下以編輯母片標題樣式</a:t>
+              <a:rPr lang="en-US" altLang="zh-TW" smtClean="0"/>
+              <a:t>Click to edit Master title style</a:t>
             </a:r>
             <a:endParaRPr lang="zh-TW" altLang="en-US"/>
           </a:p>
@@ -2373,6 +2373,10 @@
             </a:lvl9pPr>
           </a:lstStyle>
           <a:p>
+            <a:r>
+              <a:rPr lang="en-US" altLang="zh-TW" smtClean="0"/>
+              <a:t>Click icon to add picture</a:t>
+            </a:r>
             <a:endParaRPr lang="zh-TW" altLang="en-US"/>
           </a:p>
         </p:txBody>
@@ -2436,8 +2440,8 @@
           <a:p>
             <a:pPr lvl="0"/>
             <a:r>
-              <a:rPr lang="zh-TW" altLang="en-US" smtClean="0"/>
-              <a:t>按一下以編輯母片文字樣式</a:t>
+              <a:rPr lang="en-US" altLang="zh-TW" smtClean="0"/>
+              <a:t>Click to edit Master text styles</a:t>
             </a:r>
           </a:p>
         </p:txBody>
@@ -2459,7 +2463,7 @@
           <a:p>
             <a:fld id="{38FCA8AB-F74D-4403-8245-3473F9D77712}" type="datetimeFigureOut">
               <a:rPr lang="zh-TW" altLang="en-US" smtClean="0"/>
-              <a:t>2018/1/30</a:t>
+              <a:t>2019/6/15</a:t>
             </a:fld>
             <a:endParaRPr lang="zh-TW" altLang="en-US"/>
           </a:p>
@@ -2519,9 +2523,14 @@
 <p:sldMaster xmlns:a="http://schemas.openxmlformats.org/drawingml/2006/main" xmlns:r="http://schemas.openxmlformats.org/officeDocument/2006/relationships" xmlns:p="http://schemas.openxmlformats.org/presentationml/2006/main">
   <p:cSld>
     <p:bg>
-      <p:bgRef idx="1001">
-        <a:schemeClr val="bg1"/>
-      </p:bgRef>
+      <p:bgPr>
+        <a:blipFill dpi="0" rotWithShape="1">
+          <a:blip r:embed="rId13"/>
+          <a:srcRect/>
+          <a:tile tx="0" ty="0" sx="100000" sy="100000" flip="none" algn="tl"/>
+        </a:blipFill>
+        <a:effectLst/>
+      </p:bgPr>
     </p:bg>
     <p:spTree>
       <p:nvGrpSpPr>
@@ -2667,7 +2676,7 @@
           <a:p>
             <a:fld id="{38FCA8AB-F74D-4403-8245-3473F9D77712}" type="datetimeFigureOut">
               <a:rPr lang="zh-TW" altLang="en-US" smtClean="0"/>
-              <a:t>2018/1/30</a:t>
+              <a:t>2019/6/15</a:t>
             </a:fld>
             <a:endParaRPr lang="zh-TW" altLang="en-US"/>
           </a:p>
@@ -2755,17 +2764,17 @@
   </p:cSld>
   <p:clrMap bg1="lt1" tx1="dk1" bg2="lt2" tx2="dk2" accent1="accent1" accent2="accent2" accent3="accent3" accent4="accent4" accent5="accent5" accent6="accent6" hlink="hlink" folHlink="folHlink"/>
   <p:sldLayoutIdLst>
-    <p:sldLayoutId id="2147483649" r:id="rId1"/>
-    <p:sldLayoutId id="2147483650" r:id="rId2"/>
-    <p:sldLayoutId id="2147483651" r:id="rId3"/>
-    <p:sldLayoutId id="2147483652" r:id="rId4"/>
-    <p:sldLayoutId id="2147483653" r:id="rId5"/>
-    <p:sldLayoutId id="2147483654" r:id="rId6"/>
-    <p:sldLayoutId id="2147483655" r:id="rId7"/>
-    <p:sldLayoutId id="2147483656" r:id="rId8"/>
-    <p:sldLayoutId id="2147483657" r:id="rId9"/>
-    <p:sldLayoutId id="2147483658" r:id="rId10"/>
-    <p:sldLayoutId id="2147483659" r:id="rId11"/>
+    <p:sldLayoutId id="2147483661" r:id="rId1"/>
+    <p:sldLayoutId id="2147483662" r:id="rId2"/>
+    <p:sldLayoutId id="2147483663" r:id="rId3"/>
+    <p:sldLayoutId id="2147483664" r:id="rId4"/>
+    <p:sldLayoutId id="2147483665" r:id="rId5"/>
+    <p:sldLayoutId id="2147483666" r:id="rId6"/>
+    <p:sldLayoutId id="2147483667" r:id="rId7"/>
+    <p:sldLayoutId id="2147483668" r:id="rId8"/>
+    <p:sldLayoutId id="2147483669" r:id="rId9"/>
+    <p:sldLayoutId id="2147483670" r:id="rId10"/>
+    <p:sldLayoutId id="2147483671" r:id="rId11"/>
   </p:sldLayoutIdLst>
   <p:txStyles>
     <p:titleStyle>
@@ -3303,7 +3312,37 @@
                 <a:latin typeface="微軟正黑體" pitchFamily="34" charset="-120"/>
                 <a:ea typeface="微軟正黑體" pitchFamily="34" charset="-120"/>
               </a:rPr>
-              <a:t>主你是我高臺堅固磐石</a:t>
+              <a:t>主你是我高</a:t>
+            </a:r>
+            <a:r>
+              <a:rPr lang="zh-TW" altLang="en-US" sz="5400" b="1" dirty="0" smtClean="0">
+                <a:latin typeface="微軟正黑體" pitchFamily="34" charset="-120"/>
+                <a:ea typeface="微軟正黑體" pitchFamily="34" charset="-120"/>
+              </a:rPr>
+              <a:t>臺</a:t>
+            </a:r>
+            <a:endParaRPr lang="en-US" altLang="zh-TW" sz="5400" b="1" dirty="0" smtClean="0">
+              <a:latin typeface="微軟正黑體" pitchFamily="34" charset="-120"/>
+              <a:ea typeface="微軟正黑體" pitchFamily="34" charset="-120"/>
+            </a:endParaRPr>
+          </a:p>
+          <a:p>
+            <a:pPr algn="ctr">
+              <a:buNone/>
+            </a:pPr>
+            <a:r>
+              <a:rPr lang="zh-TW" altLang="en-US" sz="5400" b="1" dirty="0" smtClean="0">
+                <a:latin typeface="微軟正黑體" pitchFamily="34" charset="-120"/>
+                <a:ea typeface="微軟正黑體" pitchFamily="34" charset="-120"/>
+              </a:rPr>
+              <a:t>堅</a:t>
+            </a:r>
+            <a:r>
+              <a:rPr lang="zh-TW" altLang="en-US" sz="5400" b="1" dirty="0">
+                <a:latin typeface="微軟正黑體" pitchFamily="34" charset="-120"/>
+                <a:ea typeface="微軟正黑體" pitchFamily="34" charset="-120"/>
+              </a:rPr>
+              <a:t>固磐石</a:t>
             </a:r>
             <a:endParaRPr lang="en-US" altLang="zh-TW" sz="5400" b="1" dirty="0">
               <a:latin typeface="微軟正黑體" pitchFamily="34" charset="-120"/>
@@ -3454,7 +3493,7 @@
 </file>
 
 <file path=ppt/theme/theme1.xml><?xml version="1.0" encoding="utf-8"?>
-<a:theme xmlns:a="http://schemas.openxmlformats.org/drawingml/2006/main" name="Office 佈景主題">
+<a:theme xmlns:a="http://schemas.openxmlformats.org/drawingml/2006/main" name="chongbai">
   <a:themeElements>
     <a:clrScheme name="Office">
       <a:dk1>

--- a/主你是我力量.pptx
+++ b/主你是我力量.pptx
@@ -2,7 +2,7 @@
 <file path=ppt/presentation.xml><?xml version="1.0" encoding="utf-8"?>
 <p:presentation xmlns:a="http://schemas.openxmlformats.org/drawingml/2006/main" xmlns:r="http://schemas.openxmlformats.org/officeDocument/2006/relationships" xmlns:p="http://schemas.openxmlformats.org/presentationml/2006/main" saveSubsetFonts="1">
   <p:sldMasterIdLst>
-    <p:sldMasterId id="2147483660" r:id="rId1"/>
+    <p:sldMasterId id="2147483648" r:id="rId1"/>
   </p:sldMasterIdLst>
   <p:sldIdLst>
     <p:sldId id="257" r:id="rId2"/>
@@ -147,8 +147,8 @@
           <a:lstStyle/>
           <a:p>
             <a:r>
-              <a:rPr lang="en-US" altLang="zh-TW" smtClean="0"/>
-              <a:t>Click to edit Master title style</a:t>
+              <a:rPr lang="zh-TW" altLang="en-US" smtClean="0"/>
+              <a:t>按一下以編輯母片標題樣式</a:t>
             </a:r>
             <a:endParaRPr lang="zh-TW" altLang="en-US"/>
           </a:p>
@@ -266,8 +266,8 @@
           </a:lstStyle>
           <a:p>
             <a:r>
-              <a:rPr lang="en-US" altLang="zh-TW" smtClean="0"/>
-              <a:t>Click to edit Master subtitle style</a:t>
+              <a:rPr lang="zh-TW" altLang="en-US" smtClean="0"/>
+              <a:t>按一下以編輯母片副標題樣式</a:t>
             </a:r>
             <a:endParaRPr lang="zh-TW" altLang="en-US"/>
           </a:p>
@@ -290,7 +290,7 @@
           <a:p>
             <a:fld id="{38FCA8AB-F74D-4403-8245-3473F9D77712}" type="datetimeFigureOut">
               <a:rPr lang="zh-TW" altLang="en-US" smtClean="0"/>
-              <a:t>2019/6/15</a:t>
+              <a:t>2018/1/30</a:t>
             </a:fld>
             <a:endParaRPr lang="zh-TW" altLang="en-US"/>
           </a:p>
@@ -379,8 +379,8 @@
           <a:lstStyle/>
           <a:p>
             <a:r>
-              <a:rPr lang="en-US" altLang="zh-TW" smtClean="0"/>
-              <a:t>Click to edit Master title style</a:t>
+              <a:rPr lang="zh-TW" altLang="en-US" smtClean="0"/>
+              <a:t>按一下以編輯母片標題樣式</a:t>
             </a:r>
             <a:endParaRPr lang="zh-TW" altLang="en-US"/>
           </a:p>
@@ -403,36 +403,36 @@
           <a:p>
             <a:pPr lvl="0"/>
             <a:r>
-              <a:rPr lang="en-US" altLang="zh-TW" smtClean="0"/>
-              <a:t>Click to edit Master text styles</a:t>
+              <a:rPr lang="zh-TW" altLang="en-US" smtClean="0"/>
+              <a:t>按一下以編輯母片文字樣式</a:t>
             </a:r>
           </a:p>
           <a:p>
             <a:pPr lvl="1"/>
             <a:r>
-              <a:rPr lang="en-US" altLang="zh-TW" smtClean="0"/>
-              <a:t>Second level</a:t>
+              <a:rPr lang="zh-TW" altLang="en-US" smtClean="0"/>
+              <a:t>第二層</a:t>
             </a:r>
           </a:p>
           <a:p>
             <a:pPr lvl="2"/>
             <a:r>
-              <a:rPr lang="en-US" altLang="zh-TW" smtClean="0"/>
-              <a:t>Third level</a:t>
+              <a:rPr lang="zh-TW" altLang="en-US" smtClean="0"/>
+              <a:t>第三層</a:t>
             </a:r>
           </a:p>
           <a:p>
             <a:pPr lvl="3"/>
             <a:r>
-              <a:rPr lang="en-US" altLang="zh-TW" smtClean="0"/>
-              <a:t>Fourth level</a:t>
+              <a:rPr lang="zh-TW" altLang="en-US" smtClean="0"/>
+              <a:t>第四層</a:t>
             </a:r>
           </a:p>
           <a:p>
             <a:pPr lvl="4"/>
             <a:r>
-              <a:rPr lang="en-US" altLang="zh-TW" smtClean="0"/>
-              <a:t>Fifth level</a:t>
+              <a:rPr lang="zh-TW" altLang="en-US" smtClean="0"/>
+              <a:t>第五層</a:t>
             </a:r>
             <a:endParaRPr lang="zh-TW" altLang="en-US"/>
           </a:p>
@@ -455,7 +455,7 @@
           <a:p>
             <a:fld id="{38FCA8AB-F74D-4403-8245-3473F9D77712}" type="datetimeFigureOut">
               <a:rPr lang="zh-TW" altLang="en-US" smtClean="0"/>
-              <a:t>2019/6/15</a:t>
+              <a:t>2018/1/30</a:t>
             </a:fld>
             <a:endParaRPr lang="zh-TW" altLang="en-US"/>
           </a:p>
@@ -549,8 +549,8 @@
           <a:lstStyle/>
           <a:p>
             <a:r>
-              <a:rPr lang="en-US" altLang="zh-TW" smtClean="0"/>
-              <a:t>Click to edit Master title style</a:t>
+              <a:rPr lang="zh-TW" altLang="en-US" smtClean="0"/>
+              <a:t>按一下以編輯母片標題樣式</a:t>
             </a:r>
             <a:endParaRPr lang="zh-TW" altLang="en-US"/>
           </a:p>
@@ -578,36 +578,36 @@
           <a:p>
             <a:pPr lvl="0"/>
             <a:r>
-              <a:rPr lang="en-US" altLang="zh-TW" smtClean="0"/>
-              <a:t>Click to edit Master text styles</a:t>
+              <a:rPr lang="zh-TW" altLang="en-US" smtClean="0"/>
+              <a:t>按一下以編輯母片文字樣式</a:t>
             </a:r>
           </a:p>
           <a:p>
             <a:pPr lvl="1"/>
             <a:r>
-              <a:rPr lang="en-US" altLang="zh-TW" smtClean="0"/>
-              <a:t>Second level</a:t>
+              <a:rPr lang="zh-TW" altLang="en-US" smtClean="0"/>
+              <a:t>第二層</a:t>
             </a:r>
           </a:p>
           <a:p>
             <a:pPr lvl="2"/>
             <a:r>
-              <a:rPr lang="en-US" altLang="zh-TW" smtClean="0"/>
-              <a:t>Third level</a:t>
+              <a:rPr lang="zh-TW" altLang="en-US" smtClean="0"/>
+              <a:t>第三層</a:t>
             </a:r>
           </a:p>
           <a:p>
             <a:pPr lvl="3"/>
             <a:r>
-              <a:rPr lang="en-US" altLang="zh-TW" smtClean="0"/>
-              <a:t>Fourth level</a:t>
+              <a:rPr lang="zh-TW" altLang="en-US" smtClean="0"/>
+              <a:t>第四層</a:t>
             </a:r>
           </a:p>
           <a:p>
             <a:pPr lvl="4"/>
             <a:r>
-              <a:rPr lang="en-US" altLang="zh-TW" smtClean="0"/>
-              <a:t>Fifth level</a:t>
+              <a:rPr lang="zh-TW" altLang="en-US" smtClean="0"/>
+              <a:t>第五層</a:t>
             </a:r>
             <a:endParaRPr lang="zh-TW" altLang="en-US"/>
           </a:p>
@@ -630,7 +630,7 @@
           <a:p>
             <a:fld id="{38FCA8AB-F74D-4403-8245-3473F9D77712}" type="datetimeFigureOut">
               <a:rPr lang="zh-TW" altLang="en-US" smtClean="0"/>
-              <a:t>2019/6/15</a:t>
+              <a:t>2018/1/30</a:t>
             </a:fld>
             <a:endParaRPr lang="zh-TW" altLang="en-US"/>
           </a:p>
@@ -719,8 +719,8 @@
           <a:lstStyle/>
           <a:p>
             <a:r>
-              <a:rPr lang="en-US" altLang="zh-TW" smtClean="0"/>
-              <a:t>Click to edit Master title style</a:t>
+              <a:rPr lang="zh-TW" altLang="en-US" smtClean="0"/>
+              <a:t>按一下以編輯母片標題樣式</a:t>
             </a:r>
             <a:endParaRPr lang="zh-TW" altLang="en-US"/>
           </a:p>
@@ -743,36 +743,36 @@
           <a:p>
             <a:pPr lvl="0"/>
             <a:r>
-              <a:rPr lang="en-US" altLang="zh-TW" smtClean="0"/>
-              <a:t>Click to edit Master text styles</a:t>
+              <a:rPr lang="zh-TW" altLang="en-US" smtClean="0"/>
+              <a:t>按一下以編輯母片文字樣式</a:t>
             </a:r>
           </a:p>
           <a:p>
             <a:pPr lvl="1"/>
             <a:r>
-              <a:rPr lang="en-US" altLang="zh-TW" smtClean="0"/>
-              <a:t>Second level</a:t>
+              <a:rPr lang="zh-TW" altLang="en-US" smtClean="0"/>
+              <a:t>第二層</a:t>
             </a:r>
           </a:p>
           <a:p>
             <a:pPr lvl="2"/>
             <a:r>
-              <a:rPr lang="en-US" altLang="zh-TW" smtClean="0"/>
-              <a:t>Third level</a:t>
+              <a:rPr lang="zh-TW" altLang="en-US" smtClean="0"/>
+              <a:t>第三層</a:t>
             </a:r>
           </a:p>
           <a:p>
             <a:pPr lvl="3"/>
             <a:r>
-              <a:rPr lang="en-US" altLang="zh-TW" smtClean="0"/>
-              <a:t>Fourth level</a:t>
+              <a:rPr lang="zh-TW" altLang="en-US" smtClean="0"/>
+              <a:t>第四層</a:t>
             </a:r>
           </a:p>
           <a:p>
             <a:pPr lvl="4"/>
             <a:r>
-              <a:rPr lang="en-US" altLang="zh-TW" smtClean="0"/>
-              <a:t>Fifth level</a:t>
+              <a:rPr lang="zh-TW" altLang="en-US" smtClean="0"/>
+              <a:t>第五層</a:t>
             </a:r>
             <a:endParaRPr lang="zh-TW" altLang="en-US"/>
           </a:p>
@@ -795,7 +795,7 @@
           <a:p>
             <a:fld id="{38FCA8AB-F74D-4403-8245-3473F9D77712}" type="datetimeFigureOut">
               <a:rPr lang="zh-TW" altLang="en-US" smtClean="0"/>
-              <a:t>2019/6/15</a:t>
+              <a:t>2018/1/30</a:t>
             </a:fld>
             <a:endParaRPr lang="zh-TW" altLang="en-US"/>
           </a:p>
@@ -893,8 +893,8 @@
           </a:lstStyle>
           <a:p>
             <a:r>
-              <a:rPr lang="en-US" altLang="zh-TW" smtClean="0"/>
-              <a:t>Click to edit Master title style</a:t>
+              <a:rPr lang="zh-TW" altLang="en-US" smtClean="0"/>
+              <a:t>按一下以編輯母片標題樣式</a:t>
             </a:r>
             <a:endParaRPr lang="zh-TW" altLang="en-US"/>
           </a:p>
@@ -1013,8 +1013,8 @@
           <a:p>
             <a:pPr lvl="0"/>
             <a:r>
-              <a:rPr lang="en-US" altLang="zh-TW" smtClean="0"/>
-              <a:t>Click to edit Master text styles</a:t>
+              <a:rPr lang="zh-TW" altLang="en-US" smtClean="0"/>
+              <a:t>按一下以編輯母片文字樣式</a:t>
             </a:r>
           </a:p>
         </p:txBody>
@@ -1036,7 +1036,7 @@
           <a:p>
             <a:fld id="{38FCA8AB-F74D-4403-8245-3473F9D77712}" type="datetimeFigureOut">
               <a:rPr lang="zh-TW" altLang="en-US" smtClean="0"/>
-              <a:t>2019/6/15</a:t>
+              <a:t>2018/1/30</a:t>
             </a:fld>
             <a:endParaRPr lang="zh-TW" altLang="en-US"/>
           </a:p>
@@ -1125,8 +1125,8 @@
           <a:lstStyle/>
           <a:p>
             <a:r>
-              <a:rPr lang="en-US" altLang="zh-TW" smtClean="0"/>
-              <a:t>Click to edit Master title style</a:t>
+              <a:rPr lang="zh-TW" altLang="en-US" smtClean="0"/>
+              <a:t>按一下以編輯母片標題樣式</a:t>
             </a:r>
             <a:endParaRPr lang="zh-TW" altLang="en-US"/>
           </a:p>
@@ -1182,36 +1182,36 @@
           <a:p>
             <a:pPr lvl="0"/>
             <a:r>
-              <a:rPr lang="en-US" altLang="zh-TW" smtClean="0"/>
-              <a:t>Click to edit Master text styles</a:t>
+              <a:rPr lang="zh-TW" altLang="en-US" smtClean="0"/>
+              <a:t>按一下以編輯母片文字樣式</a:t>
             </a:r>
           </a:p>
           <a:p>
             <a:pPr lvl="1"/>
             <a:r>
-              <a:rPr lang="en-US" altLang="zh-TW" smtClean="0"/>
-              <a:t>Second level</a:t>
+              <a:rPr lang="zh-TW" altLang="en-US" smtClean="0"/>
+              <a:t>第二層</a:t>
             </a:r>
           </a:p>
           <a:p>
             <a:pPr lvl="2"/>
             <a:r>
-              <a:rPr lang="en-US" altLang="zh-TW" smtClean="0"/>
-              <a:t>Third level</a:t>
+              <a:rPr lang="zh-TW" altLang="en-US" smtClean="0"/>
+              <a:t>第三層</a:t>
             </a:r>
           </a:p>
           <a:p>
             <a:pPr lvl="3"/>
             <a:r>
-              <a:rPr lang="en-US" altLang="zh-TW" smtClean="0"/>
-              <a:t>Fourth level</a:t>
+              <a:rPr lang="zh-TW" altLang="en-US" smtClean="0"/>
+              <a:t>第四層</a:t>
             </a:r>
           </a:p>
           <a:p>
             <a:pPr lvl="4"/>
             <a:r>
-              <a:rPr lang="en-US" altLang="zh-TW" smtClean="0"/>
-              <a:t>Fifth level</a:t>
+              <a:rPr lang="zh-TW" altLang="en-US" smtClean="0"/>
+              <a:t>第五層</a:t>
             </a:r>
             <a:endParaRPr lang="zh-TW" altLang="en-US"/>
           </a:p>
@@ -1267,36 +1267,36 @@
           <a:p>
             <a:pPr lvl="0"/>
             <a:r>
-              <a:rPr lang="en-US" altLang="zh-TW" smtClean="0"/>
-              <a:t>Click to edit Master text styles</a:t>
+              <a:rPr lang="zh-TW" altLang="en-US" smtClean="0"/>
+              <a:t>按一下以編輯母片文字樣式</a:t>
             </a:r>
           </a:p>
           <a:p>
             <a:pPr lvl="1"/>
             <a:r>
-              <a:rPr lang="en-US" altLang="zh-TW" smtClean="0"/>
-              <a:t>Second level</a:t>
+              <a:rPr lang="zh-TW" altLang="en-US" smtClean="0"/>
+              <a:t>第二層</a:t>
             </a:r>
           </a:p>
           <a:p>
             <a:pPr lvl="2"/>
             <a:r>
-              <a:rPr lang="en-US" altLang="zh-TW" smtClean="0"/>
-              <a:t>Third level</a:t>
+              <a:rPr lang="zh-TW" altLang="en-US" smtClean="0"/>
+              <a:t>第三層</a:t>
             </a:r>
           </a:p>
           <a:p>
             <a:pPr lvl="3"/>
             <a:r>
-              <a:rPr lang="en-US" altLang="zh-TW" smtClean="0"/>
-              <a:t>Fourth level</a:t>
+              <a:rPr lang="zh-TW" altLang="en-US" smtClean="0"/>
+              <a:t>第四層</a:t>
             </a:r>
           </a:p>
           <a:p>
             <a:pPr lvl="4"/>
             <a:r>
-              <a:rPr lang="en-US" altLang="zh-TW" smtClean="0"/>
-              <a:t>Fifth level</a:t>
+              <a:rPr lang="zh-TW" altLang="en-US" smtClean="0"/>
+              <a:t>第五層</a:t>
             </a:r>
             <a:endParaRPr lang="zh-TW" altLang="en-US"/>
           </a:p>
@@ -1319,7 +1319,7 @@
           <a:p>
             <a:fld id="{38FCA8AB-F74D-4403-8245-3473F9D77712}" type="datetimeFigureOut">
               <a:rPr lang="zh-TW" altLang="en-US" smtClean="0"/>
-              <a:t>2019/6/15</a:t>
+              <a:t>2018/1/30</a:t>
             </a:fld>
             <a:endParaRPr lang="zh-TW" altLang="en-US"/>
           </a:p>
@@ -1412,8 +1412,8 @@
           </a:lstStyle>
           <a:p>
             <a:r>
-              <a:rPr lang="en-US" altLang="zh-TW" smtClean="0"/>
-              <a:t>Click to edit Master title style</a:t>
+              <a:rPr lang="zh-TW" altLang="en-US" smtClean="0"/>
+              <a:t>按一下以編輯母片標題樣式</a:t>
             </a:r>
             <a:endParaRPr lang="zh-TW" altLang="en-US"/>
           </a:p>
@@ -1478,8 +1478,8 @@
           <a:p>
             <a:pPr lvl="0"/>
             <a:r>
-              <a:rPr lang="en-US" altLang="zh-TW" smtClean="0"/>
-              <a:t>Click to edit Master text styles</a:t>
+              <a:rPr lang="zh-TW" altLang="en-US" smtClean="0"/>
+              <a:t>按一下以編輯母片文字樣式</a:t>
             </a:r>
           </a:p>
         </p:txBody>
@@ -1534,36 +1534,36 @@
           <a:p>
             <a:pPr lvl="0"/>
             <a:r>
-              <a:rPr lang="en-US" altLang="zh-TW" smtClean="0"/>
-              <a:t>Click to edit Master text styles</a:t>
+              <a:rPr lang="zh-TW" altLang="en-US" smtClean="0"/>
+              <a:t>按一下以編輯母片文字樣式</a:t>
             </a:r>
           </a:p>
           <a:p>
             <a:pPr lvl="1"/>
             <a:r>
-              <a:rPr lang="en-US" altLang="zh-TW" smtClean="0"/>
-              <a:t>Second level</a:t>
+              <a:rPr lang="zh-TW" altLang="en-US" smtClean="0"/>
+              <a:t>第二層</a:t>
             </a:r>
           </a:p>
           <a:p>
             <a:pPr lvl="2"/>
             <a:r>
-              <a:rPr lang="en-US" altLang="zh-TW" smtClean="0"/>
-              <a:t>Third level</a:t>
+              <a:rPr lang="zh-TW" altLang="en-US" smtClean="0"/>
+              <a:t>第三層</a:t>
             </a:r>
           </a:p>
           <a:p>
             <a:pPr lvl="3"/>
             <a:r>
-              <a:rPr lang="en-US" altLang="zh-TW" smtClean="0"/>
-              <a:t>Fourth level</a:t>
+              <a:rPr lang="zh-TW" altLang="en-US" smtClean="0"/>
+              <a:t>第四層</a:t>
             </a:r>
           </a:p>
           <a:p>
             <a:pPr lvl="4"/>
             <a:r>
-              <a:rPr lang="en-US" altLang="zh-TW" smtClean="0"/>
-              <a:t>Fifth level</a:t>
+              <a:rPr lang="zh-TW" altLang="en-US" smtClean="0"/>
+              <a:t>第五層</a:t>
             </a:r>
             <a:endParaRPr lang="zh-TW" altLang="en-US"/>
           </a:p>
@@ -1628,8 +1628,8 @@
           <a:p>
             <a:pPr lvl="0"/>
             <a:r>
-              <a:rPr lang="en-US" altLang="zh-TW" smtClean="0"/>
-              <a:t>Click to edit Master text styles</a:t>
+              <a:rPr lang="zh-TW" altLang="en-US" smtClean="0"/>
+              <a:t>按一下以編輯母片文字樣式</a:t>
             </a:r>
           </a:p>
         </p:txBody>
@@ -1684,36 +1684,36 @@
           <a:p>
             <a:pPr lvl="0"/>
             <a:r>
-              <a:rPr lang="en-US" altLang="zh-TW" smtClean="0"/>
-              <a:t>Click to edit Master text styles</a:t>
+              <a:rPr lang="zh-TW" altLang="en-US" smtClean="0"/>
+              <a:t>按一下以編輯母片文字樣式</a:t>
             </a:r>
           </a:p>
           <a:p>
             <a:pPr lvl="1"/>
             <a:r>
-              <a:rPr lang="en-US" altLang="zh-TW" smtClean="0"/>
-              <a:t>Second level</a:t>
+              <a:rPr lang="zh-TW" altLang="en-US" smtClean="0"/>
+              <a:t>第二層</a:t>
             </a:r>
           </a:p>
           <a:p>
             <a:pPr lvl="2"/>
             <a:r>
-              <a:rPr lang="en-US" altLang="zh-TW" smtClean="0"/>
-              <a:t>Third level</a:t>
+              <a:rPr lang="zh-TW" altLang="en-US" smtClean="0"/>
+              <a:t>第三層</a:t>
             </a:r>
           </a:p>
           <a:p>
             <a:pPr lvl="3"/>
             <a:r>
-              <a:rPr lang="en-US" altLang="zh-TW" smtClean="0"/>
-              <a:t>Fourth level</a:t>
+              <a:rPr lang="zh-TW" altLang="en-US" smtClean="0"/>
+              <a:t>第四層</a:t>
             </a:r>
           </a:p>
           <a:p>
             <a:pPr lvl="4"/>
             <a:r>
-              <a:rPr lang="en-US" altLang="zh-TW" smtClean="0"/>
-              <a:t>Fifth level</a:t>
+              <a:rPr lang="zh-TW" altLang="en-US" smtClean="0"/>
+              <a:t>第五層</a:t>
             </a:r>
             <a:endParaRPr lang="zh-TW" altLang="en-US"/>
           </a:p>
@@ -1736,7 +1736,7 @@
           <a:p>
             <a:fld id="{38FCA8AB-F74D-4403-8245-3473F9D77712}" type="datetimeFigureOut">
               <a:rPr lang="zh-TW" altLang="en-US" smtClean="0"/>
-              <a:t>2019/6/15</a:t>
+              <a:t>2018/1/30</a:t>
             </a:fld>
             <a:endParaRPr lang="zh-TW" altLang="en-US"/>
           </a:p>
@@ -1825,8 +1825,8 @@
           <a:lstStyle/>
           <a:p>
             <a:r>
-              <a:rPr lang="en-US" altLang="zh-TW" smtClean="0"/>
-              <a:t>Click to edit Master title style</a:t>
+              <a:rPr lang="zh-TW" altLang="en-US" smtClean="0"/>
+              <a:t>按一下以編輯母片標題樣式</a:t>
             </a:r>
             <a:endParaRPr lang="zh-TW" altLang="en-US"/>
           </a:p>
@@ -1849,7 +1849,7 @@
           <a:p>
             <a:fld id="{38FCA8AB-F74D-4403-8245-3473F9D77712}" type="datetimeFigureOut">
               <a:rPr lang="zh-TW" altLang="en-US" smtClean="0"/>
-              <a:t>2019/6/15</a:t>
+              <a:t>2018/1/30</a:t>
             </a:fld>
             <a:endParaRPr lang="zh-TW" altLang="en-US"/>
           </a:p>
@@ -1939,7 +1939,7 @@
           <a:p>
             <a:fld id="{38FCA8AB-F74D-4403-8245-3473F9D77712}" type="datetimeFigureOut">
               <a:rPr lang="zh-TW" altLang="en-US" smtClean="0"/>
-              <a:t>2019/6/15</a:t>
+              <a:t>2018/1/30</a:t>
             </a:fld>
             <a:endParaRPr lang="zh-TW" altLang="en-US"/>
           </a:p>
@@ -2037,8 +2037,8 @@
           </a:lstStyle>
           <a:p>
             <a:r>
-              <a:rPr lang="en-US" altLang="zh-TW" smtClean="0"/>
-              <a:t>Click to edit Master title style</a:t>
+              <a:rPr lang="zh-TW" altLang="en-US" smtClean="0"/>
+              <a:t>按一下以編輯母片標題樣式</a:t>
             </a:r>
             <a:endParaRPr lang="zh-TW" altLang="en-US"/>
           </a:p>
@@ -2094,36 +2094,36 @@
           <a:p>
             <a:pPr lvl="0"/>
             <a:r>
-              <a:rPr lang="en-US" altLang="zh-TW" smtClean="0"/>
-              <a:t>Click to edit Master text styles</a:t>
+              <a:rPr lang="zh-TW" altLang="en-US" smtClean="0"/>
+              <a:t>按一下以編輯母片文字樣式</a:t>
             </a:r>
           </a:p>
           <a:p>
             <a:pPr lvl="1"/>
             <a:r>
-              <a:rPr lang="en-US" altLang="zh-TW" smtClean="0"/>
-              <a:t>Second level</a:t>
+              <a:rPr lang="zh-TW" altLang="en-US" smtClean="0"/>
+              <a:t>第二層</a:t>
             </a:r>
           </a:p>
           <a:p>
             <a:pPr lvl="2"/>
             <a:r>
-              <a:rPr lang="en-US" altLang="zh-TW" smtClean="0"/>
-              <a:t>Third level</a:t>
+              <a:rPr lang="zh-TW" altLang="en-US" smtClean="0"/>
+              <a:t>第三層</a:t>
             </a:r>
           </a:p>
           <a:p>
             <a:pPr lvl="3"/>
             <a:r>
-              <a:rPr lang="en-US" altLang="zh-TW" smtClean="0"/>
-              <a:t>Fourth level</a:t>
+              <a:rPr lang="zh-TW" altLang="en-US" smtClean="0"/>
+              <a:t>第四層</a:t>
             </a:r>
           </a:p>
           <a:p>
             <a:pPr lvl="4"/>
             <a:r>
-              <a:rPr lang="en-US" altLang="zh-TW" smtClean="0"/>
-              <a:t>Fifth level</a:t>
+              <a:rPr lang="zh-TW" altLang="en-US" smtClean="0"/>
+              <a:t>第五層</a:t>
             </a:r>
             <a:endParaRPr lang="zh-TW" altLang="en-US"/>
           </a:p>
@@ -2188,8 +2188,8 @@
           <a:p>
             <a:pPr lvl="0"/>
             <a:r>
-              <a:rPr lang="en-US" altLang="zh-TW" smtClean="0"/>
-              <a:t>Click to edit Master text styles</a:t>
+              <a:rPr lang="zh-TW" altLang="en-US" smtClean="0"/>
+              <a:t>按一下以編輯母片文字樣式</a:t>
             </a:r>
           </a:p>
         </p:txBody>
@@ -2211,7 +2211,7 @@
           <a:p>
             <a:fld id="{38FCA8AB-F74D-4403-8245-3473F9D77712}" type="datetimeFigureOut">
               <a:rPr lang="zh-TW" altLang="en-US" smtClean="0"/>
-              <a:t>2019/6/15</a:t>
+              <a:t>2018/1/30</a:t>
             </a:fld>
             <a:endParaRPr lang="zh-TW" altLang="en-US"/>
           </a:p>
@@ -2309,8 +2309,8 @@
           </a:lstStyle>
           <a:p>
             <a:r>
-              <a:rPr lang="en-US" altLang="zh-TW" smtClean="0"/>
-              <a:t>Click to edit Master title style</a:t>
+              <a:rPr lang="zh-TW" altLang="en-US" smtClean="0"/>
+              <a:t>按一下以編輯母片標題樣式</a:t>
             </a:r>
             <a:endParaRPr lang="zh-TW" altLang="en-US"/>
           </a:p>
@@ -2373,10 +2373,6 @@
             </a:lvl9pPr>
           </a:lstStyle>
           <a:p>
-            <a:r>
-              <a:rPr lang="en-US" altLang="zh-TW" smtClean="0"/>
-              <a:t>Click icon to add picture</a:t>
-            </a:r>
             <a:endParaRPr lang="zh-TW" altLang="en-US"/>
           </a:p>
         </p:txBody>
@@ -2440,8 +2436,8 @@
           <a:p>
             <a:pPr lvl="0"/>
             <a:r>
-              <a:rPr lang="en-US" altLang="zh-TW" smtClean="0"/>
-              <a:t>Click to edit Master text styles</a:t>
+              <a:rPr lang="zh-TW" altLang="en-US" smtClean="0"/>
+              <a:t>按一下以編輯母片文字樣式</a:t>
             </a:r>
           </a:p>
         </p:txBody>
@@ -2463,7 +2459,7 @@
           <a:p>
             <a:fld id="{38FCA8AB-F74D-4403-8245-3473F9D77712}" type="datetimeFigureOut">
               <a:rPr lang="zh-TW" altLang="en-US" smtClean="0"/>
-              <a:t>2019/6/15</a:t>
+              <a:t>2018/1/30</a:t>
             </a:fld>
             <a:endParaRPr lang="zh-TW" altLang="en-US"/>
           </a:p>
@@ -2523,14 +2519,9 @@
 <p:sldMaster xmlns:a="http://schemas.openxmlformats.org/drawingml/2006/main" xmlns:r="http://schemas.openxmlformats.org/officeDocument/2006/relationships" xmlns:p="http://schemas.openxmlformats.org/presentationml/2006/main">
   <p:cSld>
     <p:bg>
-      <p:bgPr>
-        <a:blipFill dpi="0" rotWithShape="1">
-          <a:blip r:embed="rId13"/>
-          <a:srcRect/>
-          <a:tile tx="0" ty="0" sx="100000" sy="100000" flip="none" algn="tl"/>
-        </a:blipFill>
-        <a:effectLst/>
-      </p:bgPr>
+      <p:bgRef idx="1001">
+        <a:schemeClr val="bg1"/>
+      </p:bgRef>
     </p:bg>
     <p:spTree>
       <p:nvGrpSpPr>
@@ -2676,7 +2667,7 @@
           <a:p>
             <a:fld id="{38FCA8AB-F74D-4403-8245-3473F9D77712}" type="datetimeFigureOut">
               <a:rPr lang="zh-TW" altLang="en-US" smtClean="0"/>
-              <a:t>2019/6/15</a:t>
+              <a:t>2018/1/30</a:t>
             </a:fld>
             <a:endParaRPr lang="zh-TW" altLang="en-US"/>
           </a:p>
@@ -2764,17 +2755,17 @@
   </p:cSld>
   <p:clrMap bg1="lt1" tx1="dk1" bg2="lt2" tx2="dk2" accent1="accent1" accent2="accent2" accent3="accent3" accent4="accent4" accent5="accent5" accent6="accent6" hlink="hlink" folHlink="folHlink"/>
   <p:sldLayoutIdLst>
-    <p:sldLayoutId id="2147483661" r:id="rId1"/>
-    <p:sldLayoutId id="2147483662" r:id="rId2"/>
-    <p:sldLayoutId id="2147483663" r:id="rId3"/>
-    <p:sldLayoutId id="2147483664" r:id="rId4"/>
-    <p:sldLayoutId id="2147483665" r:id="rId5"/>
-    <p:sldLayoutId id="2147483666" r:id="rId6"/>
-    <p:sldLayoutId id="2147483667" r:id="rId7"/>
-    <p:sldLayoutId id="2147483668" r:id="rId8"/>
-    <p:sldLayoutId id="2147483669" r:id="rId9"/>
-    <p:sldLayoutId id="2147483670" r:id="rId10"/>
-    <p:sldLayoutId id="2147483671" r:id="rId11"/>
+    <p:sldLayoutId id="2147483649" r:id="rId1"/>
+    <p:sldLayoutId id="2147483650" r:id="rId2"/>
+    <p:sldLayoutId id="2147483651" r:id="rId3"/>
+    <p:sldLayoutId id="2147483652" r:id="rId4"/>
+    <p:sldLayoutId id="2147483653" r:id="rId5"/>
+    <p:sldLayoutId id="2147483654" r:id="rId6"/>
+    <p:sldLayoutId id="2147483655" r:id="rId7"/>
+    <p:sldLayoutId id="2147483656" r:id="rId8"/>
+    <p:sldLayoutId id="2147483657" r:id="rId9"/>
+    <p:sldLayoutId id="2147483658" r:id="rId10"/>
+    <p:sldLayoutId id="2147483659" r:id="rId11"/>
   </p:sldLayoutIdLst>
   <p:txStyles>
     <p:titleStyle>
@@ -3312,37 +3303,7 @@
                 <a:latin typeface="微軟正黑體" pitchFamily="34" charset="-120"/>
                 <a:ea typeface="微軟正黑體" pitchFamily="34" charset="-120"/>
               </a:rPr>
-              <a:t>主你是我高</a:t>
-            </a:r>
-            <a:r>
-              <a:rPr lang="zh-TW" altLang="en-US" sz="5400" b="1" dirty="0" smtClean="0">
-                <a:latin typeface="微軟正黑體" pitchFamily="34" charset="-120"/>
-                <a:ea typeface="微軟正黑體" pitchFamily="34" charset="-120"/>
-              </a:rPr>
-              <a:t>臺</a:t>
-            </a:r>
-            <a:endParaRPr lang="en-US" altLang="zh-TW" sz="5400" b="1" dirty="0" smtClean="0">
-              <a:latin typeface="微軟正黑體" pitchFamily="34" charset="-120"/>
-              <a:ea typeface="微軟正黑體" pitchFamily="34" charset="-120"/>
-            </a:endParaRPr>
-          </a:p>
-          <a:p>
-            <a:pPr algn="ctr">
-              <a:buNone/>
-            </a:pPr>
-            <a:r>
-              <a:rPr lang="zh-TW" altLang="en-US" sz="5400" b="1" dirty="0" smtClean="0">
-                <a:latin typeface="微軟正黑體" pitchFamily="34" charset="-120"/>
-                <a:ea typeface="微軟正黑體" pitchFamily="34" charset="-120"/>
-              </a:rPr>
-              <a:t>堅</a:t>
-            </a:r>
-            <a:r>
-              <a:rPr lang="zh-TW" altLang="en-US" sz="5400" b="1" dirty="0">
-                <a:latin typeface="微軟正黑體" pitchFamily="34" charset="-120"/>
-                <a:ea typeface="微軟正黑體" pitchFamily="34" charset="-120"/>
-              </a:rPr>
-              <a:t>固磐石</a:t>
+              <a:t>主你是我高臺堅固磐石</a:t>
             </a:r>
             <a:endParaRPr lang="en-US" altLang="zh-TW" sz="5400" b="1" dirty="0">
               <a:latin typeface="微軟正黑體" pitchFamily="34" charset="-120"/>
@@ -3493,7 +3454,7 @@
 </file>
 
 <file path=ppt/theme/theme1.xml><?xml version="1.0" encoding="utf-8"?>
-<a:theme xmlns:a="http://schemas.openxmlformats.org/drawingml/2006/main" name="chongbai">
+<a:theme xmlns:a="http://schemas.openxmlformats.org/drawingml/2006/main" name="Office 佈景主題">
   <a:themeElements>
     <a:clrScheme name="Office">
       <a:dk1>

--- a/主你是我力量.pptx
+++ b/主你是我力量.pptx
@@ -2,14 +2,13 @@
 <file path=ppt/presentation.xml><?xml version="1.0" encoding="utf-8"?>
 <p:presentation xmlns:a="http://schemas.openxmlformats.org/drawingml/2006/main" xmlns:r="http://schemas.openxmlformats.org/officeDocument/2006/relationships" xmlns:p="http://schemas.openxmlformats.org/presentationml/2006/main" saveSubsetFonts="1">
   <p:sldMasterIdLst>
-    <p:sldMasterId id="2147483648" r:id="rId1"/>
+    <p:sldMasterId id="2147483660" r:id="rId1"/>
   </p:sldMasterIdLst>
   <p:sldIdLst>
     <p:sldId id="257" r:id="rId2"/>
     <p:sldId id="258" r:id="rId3"/>
-    <p:sldId id="259" r:id="rId4"/>
   </p:sldIdLst>
-  <p:sldSz cx="9144000" cy="6858000" type="screen4x3"/>
+  <p:sldSz cx="12192000" cy="6858000"/>
   <p:notesSz cx="6858000" cy="9144000"/>
   <p:defaultTextStyle>
     <a:defPPr>
@@ -106,6 +105,22 @@
       </a:defRPr>
     </a:lvl9pPr>
   </p:defaultTextStyle>
+  <p:extLst>
+    <p:ext uri="{EFAFB233-063F-42B5-8137-9DF3F51BA10A}">
+      <p15:sldGuideLst xmlns:p15="http://schemas.microsoft.com/office/powerpoint/2012/main">
+        <p15:guide id="1" orient="horz" pos="2160" userDrawn="1">
+          <p15:clr>
+            <a:srgbClr val="A4A3A4"/>
+          </p15:clr>
+        </p15:guide>
+        <p15:guide id="2" pos="3840" userDrawn="1">
+          <p15:clr>
+            <a:srgbClr val="A4A3A4"/>
+          </p15:clr>
+        </p15:guide>
+      </p15:sldGuideLst>
+    </p:ext>
+  </p:extLst>
 </p:presentation>
 </file>
 
@@ -138,8 +153,8 @@
         </p:nvSpPr>
         <p:spPr>
           <a:xfrm>
-            <a:off x="685800" y="2130425"/>
-            <a:ext cx="7772400" cy="1470025"/>
+            <a:off x="914400" y="2130427"/>
+            <a:ext cx="10363200" cy="1470025"/>
           </a:xfrm>
         </p:spPr>
         <p:txBody>
@@ -147,8 +162,8 @@
           <a:lstStyle/>
           <a:p>
             <a:r>
-              <a:rPr lang="zh-TW" altLang="en-US" smtClean="0"/>
-              <a:t>按一下以編輯母片標題樣式</a:t>
+              <a:rPr lang="en-US" altLang="zh-TW" smtClean="0"/>
+              <a:t>Click to edit Master title style</a:t>
             </a:r>
             <a:endParaRPr lang="zh-TW" altLang="en-US"/>
           </a:p>
@@ -166,8 +181,8 @@
         </p:nvSpPr>
         <p:spPr>
           <a:xfrm>
-            <a:off x="1371600" y="3886200"/>
-            <a:ext cx="6400800" cy="1752600"/>
+            <a:off x="1828800" y="3886200"/>
+            <a:ext cx="8534400" cy="1752600"/>
           </a:xfrm>
         </p:spPr>
         <p:txBody>
@@ -266,8 +281,8 @@
           </a:lstStyle>
           <a:p>
             <a:r>
-              <a:rPr lang="zh-TW" altLang="en-US" smtClean="0"/>
-              <a:t>按一下以編輯母片副標題樣式</a:t>
+              <a:rPr lang="en-US" altLang="zh-TW" smtClean="0"/>
+              <a:t>Click to edit Master subtitle style</a:t>
             </a:r>
             <a:endParaRPr lang="zh-TW" altLang="en-US"/>
           </a:p>
@@ -290,7 +305,7 @@
           <a:p>
             <a:fld id="{38FCA8AB-F74D-4403-8245-3473F9D77712}" type="datetimeFigureOut">
               <a:rPr lang="zh-TW" altLang="en-US" smtClean="0"/>
-              <a:t>2018/1/30</a:t>
+              <a:t>2020/1/18</a:t>
             </a:fld>
             <a:endParaRPr lang="zh-TW" altLang="en-US"/>
           </a:p>
@@ -339,6 +354,11 @@
         </p:txBody>
       </p:sp>
     </p:spTree>
+    <p:extLst>
+      <p:ext uri="{BB962C8B-B14F-4D97-AF65-F5344CB8AC3E}">
+        <p14:creationId xmlns:p14="http://schemas.microsoft.com/office/powerpoint/2010/main" val="610921756"/>
+      </p:ext>
+    </p:extLst>
   </p:cSld>
   <p:clrMapOvr>
     <a:masterClrMapping/>
@@ -379,8 +399,8 @@
           <a:lstStyle/>
           <a:p>
             <a:r>
-              <a:rPr lang="zh-TW" altLang="en-US" smtClean="0"/>
-              <a:t>按一下以編輯母片標題樣式</a:t>
+              <a:rPr lang="en-US" altLang="zh-TW" smtClean="0"/>
+              <a:t>Click to edit Master title style</a:t>
             </a:r>
             <a:endParaRPr lang="zh-TW" altLang="en-US"/>
           </a:p>
@@ -403,36 +423,36 @@
           <a:p>
             <a:pPr lvl="0"/>
             <a:r>
-              <a:rPr lang="zh-TW" altLang="en-US" smtClean="0"/>
-              <a:t>按一下以編輯母片文字樣式</a:t>
+              <a:rPr lang="en-US" altLang="zh-TW" smtClean="0"/>
+              <a:t>Edit Master text styles</a:t>
             </a:r>
           </a:p>
           <a:p>
             <a:pPr lvl="1"/>
             <a:r>
-              <a:rPr lang="zh-TW" altLang="en-US" smtClean="0"/>
-              <a:t>第二層</a:t>
+              <a:rPr lang="en-US" altLang="zh-TW" smtClean="0"/>
+              <a:t>Second level</a:t>
             </a:r>
           </a:p>
           <a:p>
             <a:pPr lvl="2"/>
             <a:r>
-              <a:rPr lang="zh-TW" altLang="en-US" smtClean="0"/>
-              <a:t>第三層</a:t>
+              <a:rPr lang="en-US" altLang="zh-TW" smtClean="0"/>
+              <a:t>Third level</a:t>
             </a:r>
           </a:p>
           <a:p>
             <a:pPr lvl="3"/>
             <a:r>
-              <a:rPr lang="zh-TW" altLang="en-US" smtClean="0"/>
-              <a:t>第四層</a:t>
+              <a:rPr lang="en-US" altLang="zh-TW" smtClean="0"/>
+              <a:t>Fourth level</a:t>
             </a:r>
           </a:p>
           <a:p>
             <a:pPr lvl="4"/>
             <a:r>
-              <a:rPr lang="zh-TW" altLang="en-US" smtClean="0"/>
-              <a:t>第五層</a:t>
+              <a:rPr lang="en-US" altLang="zh-TW" smtClean="0"/>
+              <a:t>Fifth level</a:t>
             </a:r>
             <a:endParaRPr lang="zh-TW" altLang="en-US"/>
           </a:p>
@@ -455,7 +475,7 @@
           <a:p>
             <a:fld id="{38FCA8AB-F74D-4403-8245-3473F9D77712}" type="datetimeFigureOut">
               <a:rPr lang="zh-TW" altLang="en-US" smtClean="0"/>
-              <a:t>2018/1/30</a:t>
+              <a:t>2020/1/18</a:t>
             </a:fld>
             <a:endParaRPr lang="zh-TW" altLang="en-US"/>
           </a:p>
@@ -504,6 +524,11 @@
         </p:txBody>
       </p:sp>
     </p:spTree>
+    <p:extLst>
+      <p:ext uri="{BB962C8B-B14F-4D97-AF65-F5344CB8AC3E}">
+        <p14:creationId xmlns:p14="http://schemas.microsoft.com/office/powerpoint/2010/main" val="2494884263"/>
+      </p:ext>
+    </p:extLst>
   </p:cSld>
   <p:clrMapOvr>
     <a:masterClrMapping/>
@@ -540,8 +565,8 @@
         </p:nvSpPr>
         <p:spPr>
           <a:xfrm>
-            <a:off x="6629400" y="274638"/>
-            <a:ext cx="2057400" cy="5851525"/>
+            <a:off x="8839200" y="274640"/>
+            <a:ext cx="2743200" cy="5851525"/>
           </a:xfrm>
         </p:spPr>
         <p:txBody>
@@ -549,8 +574,8 @@
           <a:lstStyle/>
           <a:p>
             <a:r>
-              <a:rPr lang="zh-TW" altLang="en-US" smtClean="0"/>
-              <a:t>按一下以編輯母片標題樣式</a:t>
+              <a:rPr lang="en-US" altLang="zh-TW" smtClean="0"/>
+              <a:t>Click to edit Master title style</a:t>
             </a:r>
             <a:endParaRPr lang="zh-TW" altLang="en-US"/>
           </a:p>
@@ -568,8 +593,8 @@
         </p:nvSpPr>
         <p:spPr>
           <a:xfrm>
-            <a:off x="457200" y="274638"/>
-            <a:ext cx="6019800" cy="5851525"/>
+            <a:off x="609600" y="274640"/>
+            <a:ext cx="8026400" cy="5851525"/>
           </a:xfrm>
         </p:spPr>
         <p:txBody>
@@ -578,36 +603,36 @@
           <a:p>
             <a:pPr lvl="0"/>
             <a:r>
-              <a:rPr lang="zh-TW" altLang="en-US" smtClean="0"/>
-              <a:t>按一下以編輯母片文字樣式</a:t>
+              <a:rPr lang="en-US" altLang="zh-TW" smtClean="0"/>
+              <a:t>Edit Master text styles</a:t>
             </a:r>
           </a:p>
           <a:p>
             <a:pPr lvl="1"/>
             <a:r>
-              <a:rPr lang="zh-TW" altLang="en-US" smtClean="0"/>
-              <a:t>第二層</a:t>
+              <a:rPr lang="en-US" altLang="zh-TW" smtClean="0"/>
+              <a:t>Second level</a:t>
             </a:r>
           </a:p>
           <a:p>
             <a:pPr lvl="2"/>
             <a:r>
-              <a:rPr lang="zh-TW" altLang="en-US" smtClean="0"/>
-              <a:t>第三層</a:t>
+              <a:rPr lang="en-US" altLang="zh-TW" smtClean="0"/>
+              <a:t>Third level</a:t>
             </a:r>
           </a:p>
           <a:p>
             <a:pPr lvl="3"/>
             <a:r>
-              <a:rPr lang="zh-TW" altLang="en-US" smtClean="0"/>
-              <a:t>第四層</a:t>
+              <a:rPr lang="en-US" altLang="zh-TW" smtClean="0"/>
+              <a:t>Fourth level</a:t>
             </a:r>
           </a:p>
           <a:p>
             <a:pPr lvl="4"/>
             <a:r>
-              <a:rPr lang="zh-TW" altLang="en-US" smtClean="0"/>
-              <a:t>第五層</a:t>
+              <a:rPr lang="en-US" altLang="zh-TW" smtClean="0"/>
+              <a:t>Fifth level</a:t>
             </a:r>
             <a:endParaRPr lang="zh-TW" altLang="en-US"/>
           </a:p>
@@ -630,7 +655,7 @@
           <a:p>
             <a:fld id="{38FCA8AB-F74D-4403-8245-3473F9D77712}" type="datetimeFigureOut">
               <a:rPr lang="zh-TW" altLang="en-US" smtClean="0"/>
-              <a:t>2018/1/30</a:t>
+              <a:t>2020/1/18</a:t>
             </a:fld>
             <a:endParaRPr lang="zh-TW" altLang="en-US"/>
           </a:p>
@@ -679,6 +704,11 @@
         </p:txBody>
       </p:sp>
     </p:spTree>
+    <p:extLst>
+      <p:ext uri="{BB962C8B-B14F-4D97-AF65-F5344CB8AC3E}">
+        <p14:creationId xmlns:p14="http://schemas.microsoft.com/office/powerpoint/2010/main" val="1368091164"/>
+      </p:ext>
+    </p:extLst>
   </p:cSld>
   <p:clrMapOvr>
     <a:masterClrMapping/>
@@ -719,8 +749,8 @@
           <a:lstStyle/>
           <a:p>
             <a:r>
-              <a:rPr lang="zh-TW" altLang="en-US" smtClean="0"/>
-              <a:t>按一下以編輯母片標題樣式</a:t>
+              <a:rPr lang="en-US" altLang="zh-TW" smtClean="0"/>
+              <a:t>Click to edit Master title style</a:t>
             </a:r>
             <a:endParaRPr lang="zh-TW" altLang="en-US"/>
           </a:p>
@@ -743,36 +773,36 @@
           <a:p>
             <a:pPr lvl="0"/>
             <a:r>
-              <a:rPr lang="zh-TW" altLang="en-US" smtClean="0"/>
-              <a:t>按一下以編輯母片文字樣式</a:t>
+              <a:rPr lang="en-US" altLang="zh-TW" smtClean="0"/>
+              <a:t>Edit Master text styles</a:t>
             </a:r>
           </a:p>
           <a:p>
             <a:pPr lvl="1"/>
             <a:r>
-              <a:rPr lang="zh-TW" altLang="en-US" smtClean="0"/>
-              <a:t>第二層</a:t>
+              <a:rPr lang="en-US" altLang="zh-TW" smtClean="0"/>
+              <a:t>Second level</a:t>
             </a:r>
           </a:p>
           <a:p>
             <a:pPr lvl="2"/>
             <a:r>
-              <a:rPr lang="zh-TW" altLang="en-US" smtClean="0"/>
-              <a:t>第三層</a:t>
+              <a:rPr lang="en-US" altLang="zh-TW" smtClean="0"/>
+              <a:t>Third level</a:t>
             </a:r>
           </a:p>
           <a:p>
             <a:pPr lvl="3"/>
             <a:r>
-              <a:rPr lang="zh-TW" altLang="en-US" smtClean="0"/>
-              <a:t>第四層</a:t>
+              <a:rPr lang="en-US" altLang="zh-TW" smtClean="0"/>
+              <a:t>Fourth level</a:t>
             </a:r>
           </a:p>
           <a:p>
             <a:pPr lvl="4"/>
             <a:r>
-              <a:rPr lang="zh-TW" altLang="en-US" smtClean="0"/>
-              <a:t>第五層</a:t>
+              <a:rPr lang="en-US" altLang="zh-TW" smtClean="0"/>
+              <a:t>Fifth level</a:t>
             </a:r>
             <a:endParaRPr lang="zh-TW" altLang="en-US"/>
           </a:p>
@@ -795,7 +825,7 @@
           <a:p>
             <a:fld id="{38FCA8AB-F74D-4403-8245-3473F9D77712}" type="datetimeFigureOut">
               <a:rPr lang="zh-TW" altLang="en-US" smtClean="0"/>
-              <a:t>2018/1/30</a:t>
+              <a:t>2020/1/18</a:t>
             </a:fld>
             <a:endParaRPr lang="zh-TW" altLang="en-US"/>
           </a:p>
@@ -844,6 +874,11 @@
         </p:txBody>
       </p:sp>
     </p:spTree>
+    <p:extLst>
+      <p:ext uri="{BB962C8B-B14F-4D97-AF65-F5344CB8AC3E}">
+        <p14:creationId xmlns:p14="http://schemas.microsoft.com/office/powerpoint/2010/main" val="1855371557"/>
+      </p:ext>
+    </p:extLst>
   </p:cSld>
   <p:clrMapOvr>
     <a:masterClrMapping/>
@@ -880,8 +915,8 @@
         </p:nvSpPr>
         <p:spPr>
           <a:xfrm>
-            <a:off x="722313" y="4406900"/>
-            <a:ext cx="7772400" cy="1362075"/>
+            <a:off x="963084" y="4406902"/>
+            <a:ext cx="10363200" cy="1362075"/>
           </a:xfrm>
         </p:spPr>
         <p:txBody>
@@ -893,8 +928,8 @@
           </a:lstStyle>
           <a:p>
             <a:r>
-              <a:rPr lang="zh-TW" altLang="en-US" smtClean="0"/>
-              <a:t>按一下以編輯母片標題樣式</a:t>
+              <a:rPr lang="en-US" altLang="zh-TW" smtClean="0"/>
+              <a:t>Click to edit Master title style</a:t>
             </a:r>
             <a:endParaRPr lang="zh-TW" altLang="en-US"/>
           </a:p>
@@ -912,8 +947,8 @@
         </p:nvSpPr>
         <p:spPr>
           <a:xfrm>
-            <a:off x="722313" y="2906713"/>
-            <a:ext cx="7772400" cy="1500187"/>
+            <a:off x="963084" y="2906713"/>
+            <a:ext cx="10363200" cy="1500187"/>
           </a:xfrm>
         </p:spPr>
         <p:txBody>
@@ -1013,8 +1048,8 @@
           <a:p>
             <a:pPr lvl="0"/>
             <a:r>
-              <a:rPr lang="zh-TW" altLang="en-US" smtClean="0"/>
-              <a:t>按一下以編輯母片文字樣式</a:t>
+              <a:rPr lang="en-US" altLang="zh-TW" smtClean="0"/>
+              <a:t>Edit Master text styles</a:t>
             </a:r>
           </a:p>
         </p:txBody>
@@ -1036,7 +1071,7 @@
           <a:p>
             <a:fld id="{38FCA8AB-F74D-4403-8245-3473F9D77712}" type="datetimeFigureOut">
               <a:rPr lang="zh-TW" altLang="en-US" smtClean="0"/>
-              <a:t>2018/1/30</a:t>
+              <a:t>2020/1/18</a:t>
             </a:fld>
             <a:endParaRPr lang="zh-TW" altLang="en-US"/>
           </a:p>
@@ -1085,6 +1120,11 @@
         </p:txBody>
       </p:sp>
     </p:spTree>
+    <p:extLst>
+      <p:ext uri="{BB962C8B-B14F-4D97-AF65-F5344CB8AC3E}">
+        <p14:creationId xmlns:p14="http://schemas.microsoft.com/office/powerpoint/2010/main" val="1188408409"/>
+      </p:ext>
+    </p:extLst>
   </p:cSld>
   <p:clrMapOvr>
     <a:masterClrMapping/>
@@ -1125,8 +1165,8 @@
           <a:lstStyle/>
           <a:p>
             <a:r>
-              <a:rPr lang="zh-TW" altLang="en-US" smtClean="0"/>
-              <a:t>按一下以編輯母片標題樣式</a:t>
+              <a:rPr lang="en-US" altLang="zh-TW" smtClean="0"/>
+              <a:t>Click to edit Master title style</a:t>
             </a:r>
             <a:endParaRPr lang="zh-TW" altLang="en-US"/>
           </a:p>
@@ -1144,8 +1184,8 @@
         </p:nvSpPr>
         <p:spPr>
           <a:xfrm>
-            <a:off x="457200" y="1600200"/>
-            <a:ext cx="4038600" cy="4525963"/>
+            <a:off x="609600" y="1600202"/>
+            <a:ext cx="5384800" cy="4525963"/>
           </a:xfrm>
         </p:spPr>
         <p:txBody>
@@ -1182,36 +1222,36 @@
           <a:p>
             <a:pPr lvl="0"/>
             <a:r>
-              <a:rPr lang="zh-TW" altLang="en-US" smtClean="0"/>
-              <a:t>按一下以編輯母片文字樣式</a:t>
+              <a:rPr lang="en-US" altLang="zh-TW" smtClean="0"/>
+              <a:t>Edit Master text styles</a:t>
             </a:r>
           </a:p>
           <a:p>
             <a:pPr lvl="1"/>
             <a:r>
-              <a:rPr lang="zh-TW" altLang="en-US" smtClean="0"/>
-              <a:t>第二層</a:t>
+              <a:rPr lang="en-US" altLang="zh-TW" smtClean="0"/>
+              <a:t>Second level</a:t>
             </a:r>
           </a:p>
           <a:p>
             <a:pPr lvl="2"/>
             <a:r>
-              <a:rPr lang="zh-TW" altLang="en-US" smtClean="0"/>
-              <a:t>第三層</a:t>
+              <a:rPr lang="en-US" altLang="zh-TW" smtClean="0"/>
+              <a:t>Third level</a:t>
             </a:r>
           </a:p>
           <a:p>
             <a:pPr lvl="3"/>
             <a:r>
-              <a:rPr lang="zh-TW" altLang="en-US" smtClean="0"/>
-              <a:t>第四層</a:t>
+              <a:rPr lang="en-US" altLang="zh-TW" smtClean="0"/>
+              <a:t>Fourth level</a:t>
             </a:r>
           </a:p>
           <a:p>
             <a:pPr lvl="4"/>
             <a:r>
-              <a:rPr lang="zh-TW" altLang="en-US" smtClean="0"/>
-              <a:t>第五層</a:t>
+              <a:rPr lang="en-US" altLang="zh-TW" smtClean="0"/>
+              <a:t>Fifth level</a:t>
             </a:r>
             <a:endParaRPr lang="zh-TW" altLang="en-US"/>
           </a:p>
@@ -1229,8 +1269,8 @@
         </p:nvSpPr>
         <p:spPr>
           <a:xfrm>
-            <a:off x="4648200" y="1600200"/>
-            <a:ext cx="4038600" cy="4525963"/>
+            <a:off x="6197600" y="1600202"/>
+            <a:ext cx="5384800" cy="4525963"/>
           </a:xfrm>
         </p:spPr>
         <p:txBody>
@@ -1267,36 +1307,36 @@
           <a:p>
             <a:pPr lvl="0"/>
             <a:r>
-              <a:rPr lang="zh-TW" altLang="en-US" smtClean="0"/>
-              <a:t>按一下以編輯母片文字樣式</a:t>
+              <a:rPr lang="en-US" altLang="zh-TW" smtClean="0"/>
+              <a:t>Edit Master text styles</a:t>
             </a:r>
           </a:p>
           <a:p>
             <a:pPr lvl="1"/>
             <a:r>
-              <a:rPr lang="zh-TW" altLang="en-US" smtClean="0"/>
-              <a:t>第二層</a:t>
+              <a:rPr lang="en-US" altLang="zh-TW" smtClean="0"/>
+              <a:t>Second level</a:t>
             </a:r>
           </a:p>
           <a:p>
             <a:pPr lvl="2"/>
             <a:r>
-              <a:rPr lang="zh-TW" altLang="en-US" smtClean="0"/>
-              <a:t>第三層</a:t>
+              <a:rPr lang="en-US" altLang="zh-TW" smtClean="0"/>
+              <a:t>Third level</a:t>
             </a:r>
           </a:p>
           <a:p>
             <a:pPr lvl="3"/>
             <a:r>
-              <a:rPr lang="zh-TW" altLang="en-US" smtClean="0"/>
-              <a:t>第四層</a:t>
+              <a:rPr lang="en-US" altLang="zh-TW" smtClean="0"/>
+              <a:t>Fourth level</a:t>
             </a:r>
           </a:p>
           <a:p>
             <a:pPr lvl="4"/>
             <a:r>
-              <a:rPr lang="zh-TW" altLang="en-US" smtClean="0"/>
-              <a:t>第五層</a:t>
+              <a:rPr lang="en-US" altLang="zh-TW" smtClean="0"/>
+              <a:t>Fifth level</a:t>
             </a:r>
             <a:endParaRPr lang="zh-TW" altLang="en-US"/>
           </a:p>
@@ -1319,7 +1359,7 @@
           <a:p>
             <a:fld id="{38FCA8AB-F74D-4403-8245-3473F9D77712}" type="datetimeFigureOut">
               <a:rPr lang="zh-TW" altLang="en-US" smtClean="0"/>
-              <a:t>2018/1/30</a:t>
+              <a:t>2020/1/18</a:t>
             </a:fld>
             <a:endParaRPr lang="zh-TW" altLang="en-US"/>
           </a:p>
@@ -1368,6 +1408,11 @@
         </p:txBody>
       </p:sp>
     </p:spTree>
+    <p:extLst>
+      <p:ext uri="{BB962C8B-B14F-4D97-AF65-F5344CB8AC3E}">
+        <p14:creationId xmlns:p14="http://schemas.microsoft.com/office/powerpoint/2010/main" val="1235707518"/>
+      </p:ext>
+    </p:extLst>
   </p:cSld>
   <p:clrMapOvr>
     <a:masterClrMapping/>
@@ -1412,8 +1457,8 @@
           </a:lstStyle>
           <a:p>
             <a:r>
-              <a:rPr lang="zh-TW" altLang="en-US" smtClean="0"/>
-              <a:t>按一下以編輯母片標題樣式</a:t>
+              <a:rPr lang="en-US" altLang="zh-TW" smtClean="0"/>
+              <a:t>Click to edit Master title style</a:t>
             </a:r>
             <a:endParaRPr lang="zh-TW" altLang="en-US"/>
           </a:p>
@@ -1431,8 +1476,8 @@
         </p:nvSpPr>
         <p:spPr>
           <a:xfrm>
-            <a:off x="457200" y="1535113"/>
-            <a:ext cx="4040188" cy="639762"/>
+            <a:off x="609600" y="1535114"/>
+            <a:ext cx="5386917" cy="639763"/>
           </a:xfrm>
         </p:spPr>
         <p:txBody>
@@ -1478,8 +1523,8 @@
           <a:p>
             <a:pPr lvl="0"/>
             <a:r>
-              <a:rPr lang="zh-TW" altLang="en-US" smtClean="0"/>
-              <a:t>按一下以編輯母片文字樣式</a:t>
+              <a:rPr lang="en-US" altLang="zh-TW" smtClean="0"/>
+              <a:t>Edit Master text styles</a:t>
             </a:r>
           </a:p>
         </p:txBody>
@@ -1496,8 +1541,8 @@
         </p:nvSpPr>
         <p:spPr>
           <a:xfrm>
-            <a:off x="457200" y="2174875"/>
-            <a:ext cx="4040188" cy="3951288"/>
+            <a:off x="609600" y="2174875"/>
+            <a:ext cx="5386917" cy="3951288"/>
           </a:xfrm>
         </p:spPr>
         <p:txBody>
@@ -1534,36 +1579,36 @@
           <a:p>
             <a:pPr lvl="0"/>
             <a:r>
-              <a:rPr lang="zh-TW" altLang="en-US" smtClean="0"/>
-              <a:t>按一下以編輯母片文字樣式</a:t>
+              <a:rPr lang="en-US" altLang="zh-TW" smtClean="0"/>
+              <a:t>Edit Master text styles</a:t>
             </a:r>
           </a:p>
           <a:p>
             <a:pPr lvl="1"/>
             <a:r>
-              <a:rPr lang="zh-TW" altLang="en-US" smtClean="0"/>
-              <a:t>第二層</a:t>
+              <a:rPr lang="en-US" altLang="zh-TW" smtClean="0"/>
+              <a:t>Second level</a:t>
             </a:r>
           </a:p>
           <a:p>
             <a:pPr lvl="2"/>
             <a:r>
-              <a:rPr lang="zh-TW" altLang="en-US" smtClean="0"/>
-              <a:t>第三層</a:t>
+              <a:rPr lang="en-US" altLang="zh-TW" smtClean="0"/>
+              <a:t>Third level</a:t>
             </a:r>
           </a:p>
           <a:p>
             <a:pPr lvl="3"/>
             <a:r>
-              <a:rPr lang="zh-TW" altLang="en-US" smtClean="0"/>
-              <a:t>第四層</a:t>
+              <a:rPr lang="en-US" altLang="zh-TW" smtClean="0"/>
+              <a:t>Fourth level</a:t>
             </a:r>
           </a:p>
           <a:p>
             <a:pPr lvl="4"/>
             <a:r>
-              <a:rPr lang="zh-TW" altLang="en-US" smtClean="0"/>
-              <a:t>第五層</a:t>
+              <a:rPr lang="en-US" altLang="zh-TW" smtClean="0"/>
+              <a:t>Fifth level</a:t>
             </a:r>
             <a:endParaRPr lang="zh-TW" altLang="en-US"/>
           </a:p>
@@ -1581,8 +1626,8 @@
         </p:nvSpPr>
         <p:spPr>
           <a:xfrm>
-            <a:off x="4645025" y="1535113"/>
-            <a:ext cx="4041775" cy="639762"/>
+            <a:off x="6193370" y="1535114"/>
+            <a:ext cx="5389033" cy="639763"/>
           </a:xfrm>
         </p:spPr>
         <p:txBody>
@@ -1628,8 +1673,8 @@
           <a:p>
             <a:pPr lvl="0"/>
             <a:r>
-              <a:rPr lang="zh-TW" altLang="en-US" smtClean="0"/>
-              <a:t>按一下以編輯母片文字樣式</a:t>
+              <a:rPr lang="en-US" altLang="zh-TW" smtClean="0"/>
+              <a:t>Edit Master text styles</a:t>
             </a:r>
           </a:p>
         </p:txBody>
@@ -1646,8 +1691,8 @@
         </p:nvSpPr>
         <p:spPr>
           <a:xfrm>
-            <a:off x="4645025" y="2174875"/>
-            <a:ext cx="4041775" cy="3951288"/>
+            <a:off x="6193370" y="2174875"/>
+            <a:ext cx="5389033" cy="3951288"/>
           </a:xfrm>
         </p:spPr>
         <p:txBody>
@@ -1684,36 +1729,36 @@
           <a:p>
             <a:pPr lvl="0"/>
             <a:r>
-              <a:rPr lang="zh-TW" altLang="en-US" smtClean="0"/>
-              <a:t>按一下以編輯母片文字樣式</a:t>
+              <a:rPr lang="en-US" altLang="zh-TW" smtClean="0"/>
+              <a:t>Edit Master text styles</a:t>
             </a:r>
           </a:p>
           <a:p>
             <a:pPr lvl="1"/>
             <a:r>
-              <a:rPr lang="zh-TW" altLang="en-US" smtClean="0"/>
-              <a:t>第二層</a:t>
+              <a:rPr lang="en-US" altLang="zh-TW" smtClean="0"/>
+              <a:t>Second level</a:t>
             </a:r>
           </a:p>
           <a:p>
             <a:pPr lvl="2"/>
             <a:r>
-              <a:rPr lang="zh-TW" altLang="en-US" smtClean="0"/>
-              <a:t>第三層</a:t>
+              <a:rPr lang="en-US" altLang="zh-TW" smtClean="0"/>
+              <a:t>Third level</a:t>
             </a:r>
           </a:p>
           <a:p>
             <a:pPr lvl="3"/>
             <a:r>
-              <a:rPr lang="zh-TW" altLang="en-US" smtClean="0"/>
-              <a:t>第四層</a:t>
+              <a:rPr lang="en-US" altLang="zh-TW" smtClean="0"/>
+              <a:t>Fourth level</a:t>
             </a:r>
           </a:p>
           <a:p>
             <a:pPr lvl="4"/>
             <a:r>
-              <a:rPr lang="zh-TW" altLang="en-US" smtClean="0"/>
-              <a:t>第五層</a:t>
+              <a:rPr lang="en-US" altLang="zh-TW" smtClean="0"/>
+              <a:t>Fifth level</a:t>
             </a:r>
             <a:endParaRPr lang="zh-TW" altLang="en-US"/>
           </a:p>
@@ -1736,7 +1781,7 @@
           <a:p>
             <a:fld id="{38FCA8AB-F74D-4403-8245-3473F9D77712}" type="datetimeFigureOut">
               <a:rPr lang="zh-TW" altLang="en-US" smtClean="0"/>
-              <a:t>2018/1/30</a:t>
+              <a:t>2020/1/18</a:t>
             </a:fld>
             <a:endParaRPr lang="zh-TW" altLang="en-US"/>
           </a:p>
@@ -1785,6 +1830,11 @@
         </p:txBody>
       </p:sp>
     </p:spTree>
+    <p:extLst>
+      <p:ext uri="{BB962C8B-B14F-4D97-AF65-F5344CB8AC3E}">
+        <p14:creationId xmlns:p14="http://schemas.microsoft.com/office/powerpoint/2010/main" val="3464701988"/>
+      </p:ext>
+    </p:extLst>
   </p:cSld>
   <p:clrMapOvr>
     <a:masterClrMapping/>
@@ -1825,8 +1875,8 @@
           <a:lstStyle/>
           <a:p>
             <a:r>
-              <a:rPr lang="zh-TW" altLang="en-US" smtClean="0"/>
-              <a:t>按一下以編輯母片標題樣式</a:t>
+              <a:rPr lang="en-US" altLang="zh-TW" smtClean="0"/>
+              <a:t>Click to edit Master title style</a:t>
             </a:r>
             <a:endParaRPr lang="zh-TW" altLang="en-US"/>
           </a:p>
@@ -1849,7 +1899,7 @@
           <a:p>
             <a:fld id="{38FCA8AB-F74D-4403-8245-3473F9D77712}" type="datetimeFigureOut">
               <a:rPr lang="zh-TW" altLang="en-US" smtClean="0"/>
-              <a:t>2018/1/30</a:t>
+              <a:t>2020/1/18</a:t>
             </a:fld>
             <a:endParaRPr lang="zh-TW" altLang="en-US"/>
           </a:p>
@@ -1898,6 +1948,11 @@
         </p:txBody>
       </p:sp>
     </p:spTree>
+    <p:extLst>
+      <p:ext uri="{BB962C8B-B14F-4D97-AF65-F5344CB8AC3E}">
+        <p14:creationId xmlns:p14="http://schemas.microsoft.com/office/powerpoint/2010/main" val="2771970383"/>
+      </p:ext>
+    </p:extLst>
   </p:cSld>
   <p:clrMapOvr>
     <a:masterClrMapping/>
@@ -1939,7 +1994,7 @@
           <a:p>
             <a:fld id="{38FCA8AB-F74D-4403-8245-3473F9D77712}" type="datetimeFigureOut">
               <a:rPr lang="zh-TW" altLang="en-US" smtClean="0"/>
-              <a:t>2018/1/30</a:t>
+              <a:t>2020/1/18</a:t>
             </a:fld>
             <a:endParaRPr lang="zh-TW" altLang="en-US"/>
           </a:p>
@@ -1988,6 +2043,11 @@
         </p:txBody>
       </p:sp>
     </p:spTree>
+    <p:extLst>
+      <p:ext uri="{BB962C8B-B14F-4D97-AF65-F5344CB8AC3E}">
+        <p14:creationId xmlns:p14="http://schemas.microsoft.com/office/powerpoint/2010/main" val="2722284121"/>
+      </p:ext>
+    </p:extLst>
   </p:cSld>
   <p:clrMapOvr>
     <a:masterClrMapping/>
@@ -2024,8 +2084,8 @@
         </p:nvSpPr>
         <p:spPr>
           <a:xfrm>
-            <a:off x="457200" y="273050"/>
-            <a:ext cx="3008313" cy="1162050"/>
+            <a:off x="609603" y="273050"/>
+            <a:ext cx="4011084" cy="1162051"/>
           </a:xfrm>
         </p:spPr>
         <p:txBody>
@@ -2037,8 +2097,8 @@
           </a:lstStyle>
           <a:p>
             <a:r>
-              <a:rPr lang="zh-TW" altLang="en-US" smtClean="0"/>
-              <a:t>按一下以編輯母片標題樣式</a:t>
+              <a:rPr lang="en-US" altLang="zh-TW" smtClean="0"/>
+              <a:t>Click to edit Master title style</a:t>
             </a:r>
             <a:endParaRPr lang="zh-TW" altLang="en-US"/>
           </a:p>
@@ -2056,8 +2116,8 @@
         </p:nvSpPr>
         <p:spPr>
           <a:xfrm>
-            <a:off x="3575050" y="273050"/>
-            <a:ext cx="5111750" cy="5853113"/>
+            <a:off x="4766733" y="273053"/>
+            <a:ext cx="6815667" cy="5853113"/>
           </a:xfrm>
         </p:spPr>
         <p:txBody>
@@ -2094,36 +2154,36 @@
           <a:p>
             <a:pPr lvl="0"/>
             <a:r>
-              <a:rPr lang="zh-TW" altLang="en-US" smtClean="0"/>
-              <a:t>按一下以編輯母片文字樣式</a:t>
+              <a:rPr lang="en-US" altLang="zh-TW" smtClean="0"/>
+              <a:t>Edit Master text styles</a:t>
             </a:r>
           </a:p>
           <a:p>
             <a:pPr lvl="1"/>
             <a:r>
-              <a:rPr lang="zh-TW" altLang="en-US" smtClean="0"/>
-              <a:t>第二層</a:t>
+              <a:rPr lang="en-US" altLang="zh-TW" smtClean="0"/>
+              <a:t>Second level</a:t>
             </a:r>
           </a:p>
           <a:p>
             <a:pPr lvl="2"/>
             <a:r>
-              <a:rPr lang="zh-TW" altLang="en-US" smtClean="0"/>
-              <a:t>第三層</a:t>
+              <a:rPr lang="en-US" altLang="zh-TW" smtClean="0"/>
+              <a:t>Third level</a:t>
             </a:r>
           </a:p>
           <a:p>
             <a:pPr lvl="3"/>
             <a:r>
-              <a:rPr lang="zh-TW" altLang="en-US" smtClean="0"/>
-              <a:t>第四層</a:t>
+              <a:rPr lang="en-US" altLang="zh-TW" smtClean="0"/>
+              <a:t>Fourth level</a:t>
             </a:r>
           </a:p>
           <a:p>
             <a:pPr lvl="4"/>
             <a:r>
-              <a:rPr lang="zh-TW" altLang="en-US" smtClean="0"/>
-              <a:t>第五層</a:t>
+              <a:rPr lang="en-US" altLang="zh-TW" smtClean="0"/>
+              <a:t>Fifth level</a:t>
             </a:r>
             <a:endParaRPr lang="zh-TW" altLang="en-US"/>
           </a:p>
@@ -2141,8 +2201,8 @@
         </p:nvSpPr>
         <p:spPr>
           <a:xfrm>
-            <a:off x="457200" y="1435100"/>
-            <a:ext cx="3008313" cy="4691063"/>
+            <a:off x="609603" y="1435103"/>
+            <a:ext cx="4011084" cy="4691063"/>
           </a:xfrm>
         </p:spPr>
         <p:txBody>
@@ -2188,8 +2248,8 @@
           <a:p>
             <a:pPr lvl="0"/>
             <a:r>
-              <a:rPr lang="zh-TW" altLang="en-US" smtClean="0"/>
-              <a:t>按一下以編輯母片文字樣式</a:t>
+              <a:rPr lang="en-US" altLang="zh-TW" smtClean="0"/>
+              <a:t>Edit Master text styles</a:t>
             </a:r>
           </a:p>
         </p:txBody>
@@ -2211,7 +2271,7 @@
           <a:p>
             <a:fld id="{38FCA8AB-F74D-4403-8245-3473F9D77712}" type="datetimeFigureOut">
               <a:rPr lang="zh-TW" altLang="en-US" smtClean="0"/>
-              <a:t>2018/1/30</a:t>
+              <a:t>2020/1/18</a:t>
             </a:fld>
             <a:endParaRPr lang="zh-TW" altLang="en-US"/>
           </a:p>
@@ -2260,6 +2320,11 @@
         </p:txBody>
       </p:sp>
     </p:spTree>
+    <p:extLst>
+      <p:ext uri="{BB962C8B-B14F-4D97-AF65-F5344CB8AC3E}">
+        <p14:creationId xmlns:p14="http://schemas.microsoft.com/office/powerpoint/2010/main" val="1866677384"/>
+      </p:ext>
+    </p:extLst>
   </p:cSld>
   <p:clrMapOvr>
     <a:masterClrMapping/>
@@ -2296,8 +2361,8 @@
         </p:nvSpPr>
         <p:spPr>
           <a:xfrm>
-            <a:off x="1792288" y="4800600"/>
-            <a:ext cx="5486400" cy="566738"/>
+            <a:off x="2389717" y="4800601"/>
+            <a:ext cx="7315200" cy="566739"/>
           </a:xfrm>
         </p:spPr>
         <p:txBody>
@@ -2309,8 +2374,8 @@
           </a:lstStyle>
           <a:p>
             <a:r>
-              <a:rPr lang="zh-TW" altLang="en-US" smtClean="0"/>
-              <a:t>按一下以編輯母片標題樣式</a:t>
+              <a:rPr lang="en-US" altLang="zh-TW" smtClean="0"/>
+              <a:t>Click to edit Master title style</a:t>
             </a:r>
             <a:endParaRPr lang="zh-TW" altLang="en-US"/>
           </a:p>
@@ -2328,8 +2393,8 @@
         </p:nvSpPr>
         <p:spPr>
           <a:xfrm>
-            <a:off x="1792288" y="612775"/>
-            <a:ext cx="5486400" cy="4114800"/>
+            <a:off x="2389717" y="612775"/>
+            <a:ext cx="7315200" cy="4114800"/>
           </a:xfrm>
         </p:spPr>
         <p:txBody>
@@ -2373,6 +2438,10 @@
             </a:lvl9pPr>
           </a:lstStyle>
           <a:p>
+            <a:r>
+              <a:rPr lang="en-US" altLang="zh-TW" smtClean="0"/>
+              <a:t>Click icon to add picture</a:t>
+            </a:r>
             <a:endParaRPr lang="zh-TW" altLang="en-US"/>
           </a:p>
         </p:txBody>
@@ -2389,8 +2458,8 @@
         </p:nvSpPr>
         <p:spPr>
           <a:xfrm>
-            <a:off x="1792288" y="5367338"/>
-            <a:ext cx="5486400" cy="804862"/>
+            <a:off x="2389717" y="5367339"/>
+            <a:ext cx="7315200" cy="804863"/>
           </a:xfrm>
         </p:spPr>
         <p:txBody>
@@ -2436,8 +2505,8 @@
           <a:p>
             <a:pPr lvl="0"/>
             <a:r>
-              <a:rPr lang="zh-TW" altLang="en-US" smtClean="0"/>
-              <a:t>按一下以編輯母片文字樣式</a:t>
+              <a:rPr lang="en-US" altLang="zh-TW" smtClean="0"/>
+              <a:t>Edit Master text styles</a:t>
             </a:r>
           </a:p>
         </p:txBody>
@@ -2459,7 +2528,7 @@
           <a:p>
             <a:fld id="{38FCA8AB-F74D-4403-8245-3473F9D77712}" type="datetimeFigureOut">
               <a:rPr lang="zh-TW" altLang="en-US" smtClean="0"/>
-              <a:t>2018/1/30</a:t>
+              <a:t>2020/1/18</a:t>
             </a:fld>
             <a:endParaRPr lang="zh-TW" altLang="en-US"/>
           </a:p>
@@ -2508,6 +2577,11 @@
         </p:txBody>
       </p:sp>
     </p:spTree>
+    <p:extLst>
+      <p:ext uri="{BB962C8B-B14F-4D97-AF65-F5344CB8AC3E}">
+        <p14:creationId xmlns:p14="http://schemas.microsoft.com/office/powerpoint/2010/main" val="3986481182"/>
+      </p:ext>
+    </p:extLst>
   </p:cSld>
   <p:clrMapOvr>
     <a:masterClrMapping/>
@@ -2519,9 +2593,14 @@
 <p:sldMaster xmlns:a="http://schemas.openxmlformats.org/drawingml/2006/main" xmlns:r="http://schemas.openxmlformats.org/officeDocument/2006/relationships" xmlns:p="http://schemas.openxmlformats.org/presentationml/2006/main">
   <p:cSld>
     <p:bg>
-      <p:bgRef idx="1001">
-        <a:schemeClr val="bg1"/>
-      </p:bgRef>
+      <p:bgPr>
+        <a:blipFill dpi="0" rotWithShape="1">
+          <a:blip r:embed="rId13"/>
+          <a:srcRect/>
+          <a:tile tx="0" ty="0" sx="100000" sy="100000" flip="none" algn="tl"/>
+        </a:blipFill>
+        <a:effectLst/>
+      </p:bgPr>
     </p:bg>
     <p:spTree>
       <p:nvGrpSpPr>
@@ -2549,8 +2628,8 @@
         </p:nvSpPr>
         <p:spPr>
           <a:xfrm>
-            <a:off x="457200" y="274638"/>
-            <a:ext cx="8229600" cy="1143000"/>
+            <a:off x="609600" y="274639"/>
+            <a:ext cx="10972800" cy="1143000"/>
           </a:xfrm>
           <a:prstGeom prst="rect">
             <a:avLst/>
@@ -2582,8 +2661,8 @@
         </p:nvSpPr>
         <p:spPr>
           <a:xfrm>
-            <a:off x="457200" y="1600200"/>
-            <a:ext cx="8229600" cy="4525963"/>
+            <a:off x="609600" y="1600202"/>
+            <a:ext cx="10972800" cy="4525963"/>
           </a:xfrm>
           <a:prstGeom prst="rect">
             <a:avLst/>
@@ -2644,8 +2723,8 @@
         </p:nvSpPr>
         <p:spPr>
           <a:xfrm>
-            <a:off x="457200" y="6356350"/>
-            <a:ext cx="2133600" cy="365125"/>
+            <a:off x="609600" y="6356352"/>
+            <a:ext cx="2844800" cy="365125"/>
           </a:xfrm>
           <a:prstGeom prst="rect">
             <a:avLst/>
@@ -2667,7 +2746,7 @@
           <a:p>
             <a:fld id="{38FCA8AB-F74D-4403-8245-3473F9D77712}" type="datetimeFigureOut">
               <a:rPr lang="zh-TW" altLang="en-US" smtClean="0"/>
-              <a:t>2018/1/30</a:t>
+              <a:t>2020/1/18</a:t>
             </a:fld>
             <a:endParaRPr lang="zh-TW" altLang="en-US"/>
           </a:p>
@@ -2685,8 +2764,8 @@
         </p:nvSpPr>
         <p:spPr>
           <a:xfrm>
-            <a:off x="3124200" y="6356350"/>
-            <a:ext cx="2895600" cy="365125"/>
+            <a:off x="4165600" y="6356352"/>
+            <a:ext cx="3860800" cy="365125"/>
           </a:xfrm>
           <a:prstGeom prst="rect">
             <a:avLst/>
@@ -2722,8 +2801,8 @@
         </p:nvSpPr>
         <p:spPr>
           <a:xfrm>
-            <a:off x="6553200" y="6356350"/>
-            <a:ext cx="2133600" cy="365125"/>
+            <a:off x="8737600" y="6356352"/>
+            <a:ext cx="2844800" cy="365125"/>
           </a:xfrm>
           <a:prstGeom prst="rect">
             <a:avLst/>
@@ -2752,20 +2831,25 @@
         </p:txBody>
       </p:sp>
     </p:spTree>
+    <p:extLst>
+      <p:ext uri="{BB962C8B-B14F-4D97-AF65-F5344CB8AC3E}">
+        <p14:creationId xmlns:p14="http://schemas.microsoft.com/office/powerpoint/2010/main" val="2449062929"/>
+      </p:ext>
+    </p:extLst>
   </p:cSld>
   <p:clrMap bg1="lt1" tx1="dk1" bg2="lt2" tx2="dk2" accent1="accent1" accent2="accent2" accent3="accent3" accent4="accent4" accent5="accent5" accent6="accent6" hlink="hlink" folHlink="folHlink"/>
   <p:sldLayoutIdLst>
-    <p:sldLayoutId id="2147483649" r:id="rId1"/>
-    <p:sldLayoutId id="2147483650" r:id="rId2"/>
-    <p:sldLayoutId id="2147483651" r:id="rId3"/>
-    <p:sldLayoutId id="2147483652" r:id="rId4"/>
-    <p:sldLayoutId id="2147483653" r:id="rId5"/>
-    <p:sldLayoutId id="2147483654" r:id="rId6"/>
-    <p:sldLayoutId id="2147483655" r:id="rId7"/>
-    <p:sldLayoutId id="2147483656" r:id="rId8"/>
-    <p:sldLayoutId id="2147483657" r:id="rId9"/>
-    <p:sldLayoutId id="2147483658" r:id="rId10"/>
-    <p:sldLayoutId id="2147483659" r:id="rId11"/>
+    <p:sldLayoutId id="2147483661" r:id="rId1"/>
+    <p:sldLayoutId id="2147483662" r:id="rId2"/>
+    <p:sldLayoutId id="2147483663" r:id="rId3"/>
+    <p:sldLayoutId id="2147483664" r:id="rId4"/>
+    <p:sldLayoutId id="2147483665" r:id="rId5"/>
+    <p:sldLayoutId id="2147483666" r:id="rId6"/>
+    <p:sldLayoutId id="2147483667" r:id="rId7"/>
+    <p:sldLayoutId id="2147483668" r:id="rId8"/>
+    <p:sldLayoutId id="2147483669" r:id="rId9"/>
+    <p:sldLayoutId id="2147483670" r:id="rId10"/>
+    <p:sldLayoutId id="2147483671" r:id="rId11"/>
   </p:sldLayoutIdLst>
   <p:txStyles>
     <p:titleStyle>
@@ -3053,11 +3137,32 @@
           <a:lstStyle/>
           <a:p>
             <a:r>
+              <a:rPr lang="zh-TW" altLang="en-US" b="1" dirty="0" smtClean="0">
+                <a:latin typeface="微軟正黑體" pitchFamily="34" charset="-120"/>
+                <a:ea typeface="微軟正黑體" pitchFamily="34" charset="-120"/>
+              </a:rPr>
+              <a:t>主</a:t>
+            </a:r>
+            <a:r>
+              <a:rPr lang="zh-CN" altLang="en-US" b="1" dirty="0" smtClean="0">
+                <a:latin typeface="微軟正黑體" pitchFamily="34" charset="-120"/>
+                <a:ea typeface="微軟正黑體" pitchFamily="34" charset="-120"/>
+              </a:rPr>
+              <a:t>袮</a:t>
+            </a:r>
+            <a:r>
+              <a:rPr lang="zh-TW" altLang="en-US" b="1" dirty="0" smtClean="0">
+                <a:latin typeface="微軟正黑體" pitchFamily="34" charset="-120"/>
+                <a:ea typeface="微軟正黑體" pitchFamily="34" charset="-120"/>
+              </a:rPr>
+              <a:t>是</a:t>
+            </a:r>
+            <a:r>
               <a:rPr lang="zh-TW" altLang="en-US" b="1" dirty="0">
                 <a:latin typeface="微軟正黑體" pitchFamily="34" charset="-120"/>
                 <a:ea typeface="微軟正黑體" pitchFamily="34" charset="-120"/>
               </a:rPr>
-              <a:t>主你是我力量</a:t>
+              <a:t>我力量</a:t>
             </a:r>
           </a:p>
         </p:txBody>
@@ -3090,25 +3195,60 @@
               <a:t>我的</a:t>
             </a:r>
             <a:r>
+              <a:rPr lang="zh-TW" altLang="en-US" sz="5400" b="1" dirty="0">
+                <a:latin typeface="微軟正黑體" pitchFamily="34" charset="-120"/>
+                <a:ea typeface="微軟正黑體" pitchFamily="34" charset="-120"/>
+              </a:rPr>
+              <a:t>詩歌   我</a:t>
+            </a:r>
+            <a:r>
+              <a:rPr lang="zh-TW" altLang="en-US" sz="5400" b="1" dirty="0">
+                <a:latin typeface="微軟正黑體" pitchFamily="34" charset="-120"/>
+                <a:ea typeface="微軟正黑體" pitchFamily="34" charset="-120"/>
+              </a:rPr>
+              <a:t>的</a:t>
+            </a:r>
+            <a:r>
+              <a:rPr lang="zh-TW" altLang="en-US" sz="5400" b="1" dirty="0">
+                <a:latin typeface="微軟正黑體" pitchFamily="34" charset="-120"/>
+                <a:ea typeface="微軟正黑體" pitchFamily="34" charset="-120"/>
+              </a:rPr>
+              <a:t>拯救</a:t>
+            </a:r>
+            <a:endParaRPr lang="en-US" altLang="zh-TW" sz="5400" b="1" dirty="0">
+              <a:latin typeface="微軟正黑體" pitchFamily="34" charset="-120"/>
+              <a:ea typeface="微軟正黑體" pitchFamily="34" charset="-120"/>
+            </a:endParaRPr>
+          </a:p>
+          <a:p>
+            <a:pPr algn="ctr">
+              <a:buNone/>
+            </a:pPr>
+            <a:r>
+              <a:rPr lang="zh-CN" altLang="en-US" sz="5400" b="1" dirty="0" smtClean="0">
+                <a:latin typeface="微軟正黑體" pitchFamily="34" charset="-120"/>
+                <a:ea typeface="微軟正黑體" pitchFamily="34" charset="-120"/>
+              </a:rPr>
+              <a:t>袮</a:t>
+            </a:r>
+            <a:r>
               <a:rPr lang="zh-TW" altLang="en-US" sz="5400" b="1" dirty="0" smtClean="0">
                 <a:latin typeface="微軟正黑體" pitchFamily="34" charset="-120"/>
                 <a:ea typeface="微軟正黑體" pitchFamily="34" charset="-120"/>
               </a:rPr>
-              <a:t>詩歌   我</a:t>
-            </a:r>
-            <a:r>
-              <a:rPr lang="zh-TW" altLang="en-US" sz="5400" b="1" dirty="0">
-                <a:latin typeface="微軟正黑體" pitchFamily="34" charset="-120"/>
-                <a:ea typeface="微軟正黑體" pitchFamily="34" charset="-120"/>
-              </a:rPr>
-              <a:t>的</a:t>
-            </a:r>
+              <a:t>是我患難中隨時的幫助</a:t>
+            </a:r>
+          </a:p>
+          <a:p>
+            <a:pPr algn="ctr">
+              <a:buNone/>
+            </a:pPr>
             <a:r>
               <a:rPr lang="zh-TW" altLang="en-US" sz="5400" b="1" dirty="0" smtClean="0">
                 <a:latin typeface="微軟正黑體" pitchFamily="34" charset="-120"/>
                 <a:ea typeface="微軟正黑體" pitchFamily="34" charset="-120"/>
               </a:rPr>
-              <a:t>拯救</a:t>
+              <a:t>眾山怎樣圍繞耶路撒冷</a:t>
             </a:r>
             <a:endParaRPr lang="en-US" altLang="zh-TW" sz="5400" b="1" dirty="0" smtClean="0">
               <a:latin typeface="微軟正黑體" pitchFamily="34" charset="-120"/>
@@ -3120,85 +3260,18 @@
               <a:buNone/>
             </a:pPr>
             <a:r>
+              <a:rPr lang="zh-CN" altLang="en-US" sz="5400" b="1" dirty="0" smtClean="0">
+                <a:latin typeface="微軟正黑體" pitchFamily="34" charset="-120"/>
+                <a:ea typeface="微軟正黑體" pitchFamily="34" charset="-120"/>
+              </a:rPr>
+              <a:t>袮</a:t>
+            </a:r>
+            <a:r>
               <a:rPr lang="zh-TW" altLang="en-US" sz="5400" b="1" dirty="0" smtClean="0">
                 <a:latin typeface="微軟正黑體" pitchFamily="34" charset="-120"/>
                 <a:ea typeface="微軟正黑體" pitchFamily="34" charset="-120"/>
               </a:rPr>
-              <a:t>你</a:t>
-            </a:r>
-            <a:r>
-              <a:rPr lang="zh-TW" altLang="en-US" sz="5400" b="1" dirty="0">
-                <a:latin typeface="微軟正黑體" pitchFamily="34" charset="-120"/>
-                <a:ea typeface="微軟正黑體" pitchFamily="34" charset="-120"/>
-              </a:rPr>
-              <a:t>是我患難中隨時的</a:t>
-            </a:r>
-            <a:r>
-              <a:rPr lang="zh-TW" altLang="en-US" sz="5400" b="1" dirty="0" smtClean="0">
-                <a:latin typeface="微軟正黑體" pitchFamily="34" charset="-120"/>
-                <a:ea typeface="微軟正黑體" pitchFamily="34" charset="-120"/>
-              </a:rPr>
-              <a:t>幫助</a:t>
-            </a:r>
-            <a:endParaRPr lang="en-US" altLang="zh-TW" sz="5400" b="1" dirty="0">
-              <a:latin typeface="微軟正黑體" pitchFamily="34" charset="-120"/>
-              <a:ea typeface="微軟正黑體" pitchFamily="34" charset="-120"/>
-            </a:endParaRPr>
-          </a:p>
-          <a:p>
-            <a:pPr algn="ctr">
-              <a:buNone/>
-            </a:pPr>
-            <a:r>
-              <a:rPr lang="zh-TW" altLang="en-US" sz="5400" b="1" dirty="0" smtClean="0">
-                <a:latin typeface="微軟正黑體" pitchFamily="34" charset="-120"/>
-                <a:ea typeface="微軟正黑體" pitchFamily="34" charset="-120"/>
-              </a:rPr>
-              <a:t>眾</a:t>
-            </a:r>
-            <a:r>
-              <a:rPr lang="zh-TW" altLang="en-US" sz="5400" b="1" dirty="0">
-                <a:latin typeface="微軟正黑體" pitchFamily="34" charset="-120"/>
-                <a:ea typeface="微軟正黑體" pitchFamily="34" charset="-120"/>
-              </a:rPr>
-              <a:t>山怎樣圍繞</a:t>
-            </a:r>
-            <a:r>
-              <a:rPr lang="zh-TW" altLang="en-US" sz="5400" b="1" dirty="0" smtClean="0">
-                <a:latin typeface="微軟正黑體" pitchFamily="34" charset="-120"/>
-                <a:ea typeface="微軟正黑體" pitchFamily="34" charset="-120"/>
-              </a:rPr>
-              <a:t>耶路撒冷</a:t>
-            </a:r>
-            <a:endParaRPr lang="en-US" altLang="zh-TW" sz="5400" b="1" dirty="0" smtClean="0">
-              <a:latin typeface="微軟正黑體" pitchFamily="34" charset="-120"/>
-              <a:ea typeface="微軟正黑體" pitchFamily="34" charset="-120"/>
-            </a:endParaRPr>
-          </a:p>
-          <a:p>
-            <a:pPr algn="ctr">
-              <a:buNone/>
-            </a:pPr>
-            <a:r>
-              <a:rPr lang="zh-TW" altLang="en-US" sz="5400" b="1" dirty="0" smtClean="0">
-                <a:latin typeface="微軟正黑體" pitchFamily="34" charset="-120"/>
-                <a:ea typeface="微軟正黑體" pitchFamily="34" charset="-120"/>
-              </a:rPr>
-              <a:t>你</a:t>
-            </a:r>
-            <a:r>
-              <a:rPr lang="zh-TW" altLang="en-US" sz="5400" b="1" dirty="0">
-                <a:latin typeface="微軟正黑體" pitchFamily="34" charset="-120"/>
-                <a:ea typeface="微軟正黑體" pitchFamily="34" charset="-120"/>
-              </a:rPr>
-              <a:t>必圍繞我到</a:t>
-            </a:r>
-            <a:r>
-              <a:rPr lang="zh-TW" altLang="en-US" sz="5400" b="1" dirty="0" smtClean="0">
-                <a:latin typeface="微軟正黑體" pitchFamily="34" charset="-120"/>
-                <a:ea typeface="微軟正黑體" pitchFamily="34" charset="-120"/>
-              </a:rPr>
-              <a:t>永遠</a:t>
+              <a:t>必圍繞我到永遠</a:t>
             </a:r>
             <a:endParaRPr lang="zh-TW" altLang="en-US" sz="5400" b="1" dirty="0">
               <a:latin typeface="微軟正黑體" pitchFamily="34" charset="-120"/>
@@ -3248,11 +3321,32 @@
           <a:lstStyle/>
           <a:p>
             <a:r>
+              <a:rPr lang="zh-TW" altLang="en-US" b="1" dirty="0" smtClean="0">
+                <a:latin typeface="微軟正黑體" pitchFamily="34" charset="-120"/>
+                <a:ea typeface="微軟正黑體" pitchFamily="34" charset="-120"/>
+              </a:rPr>
+              <a:t>主</a:t>
+            </a:r>
+            <a:r>
+              <a:rPr lang="zh-CN" altLang="en-US" b="1" dirty="0">
+                <a:latin typeface="微軟正黑體" pitchFamily="34" charset="-120"/>
+                <a:ea typeface="微軟正黑體" pitchFamily="34" charset="-120"/>
+              </a:rPr>
+              <a:t>袮</a:t>
+            </a:r>
+            <a:r>
+              <a:rPr lang="zh-TW" altLang="en-US" b="1" dirty="0" smtClean="0">
+                <a:latin typeface="微軟正黑體" pitchFamily="34" charset="-120"/>
+                <a:ea typeface="微軟正黑體" pitchFamily="34" charset="-120"/>
+              </a:rPr>
+              <a:t>是</a:t>
+            </a:r>
+            <a:r>
               <a:rPr lang="zh-TW" altLang="en-US" b="1" dirty="0">
                 <a:latin typeface="微軟正黑體" pitchFamily="34" charset="-120"/>
                 <a:ea typeface="微軟正黑體" pitchFamily="34" charset="-120"/>
               </a:rPr>
-              <a:t>主你是我力量</a:t>
+              <a:t>我力量</a:t>
             </a:r>
           </a:p>
         </p:txBody>
@@ -3269,7 +3363,7 @@
         </p:nvSpPr>
         <p:spPr>
           <a:xfrm>
-            <a:off x="0" y="1600200"/>
+            <a:off x="1524000" y="1600201"/>
             <a:ext cx="9144000" cy="4525963"/>
           </a:xfrm>
         </p:spPr>
@@ -3283,11 +3377,246 @@
               <a:buNone/>
             </a:pPr>
             <a:r>
+              <a:rPr lang="zh-TW" altLang="en-US" sz="5400" b="1" dirty="0" smtClean="0">
+                <a:latin typeface="微軟正黑體" pitchFamily="34" charset="-120"/>
+                <a:ea typeface="微軟正黑體" pitchFamily="34" charset="-120"/>
+              </a:rPr>
+              <a:t>主</a:t>
+            </a:r>
+            <a:r>
+              <a:rPr lang="zh-CN" altLang="en-US" sz="5400" b="1" dirty="0">
+                <a:latin typeface="微軟正黑體" pitchFamily="34" charset="-120"/>
+                <a:ea typeface="微軟正黑體" pitchFamily="34" charset="-120"/>
+              </a:rPr>
+              <a:t>袮</a:t>
+            </a:r>
+            <a:r>
+              <a:rPr lang="zh-TW" altLang="en-US" sz="5400" b="1" dirty="0" smtClean="0">
+                <a:latin typeface="微軟正黑體" pitchFamily="34" charset="-120"/>
+                <a:ea typeface="微軟正黑體" pitchFamily="34" charset="-120"/>
+              </a:rPr>
+              <a:t>是</a:t>
+            </a:r>
+            <a:r>
               <a:rPr lang="zh-TW" altLang="en-US" sz="5400" b="1" dirty="0">
                 <a:latin typeface="微軟正黑體" pitchFamily="34" charset="-120"/>
                 <a:ea typeface="微軟正黑體" pitchFamily="34" charset="-120"/>
               </a:rPr>
-              <a:t>主你是我力量</a:t>
+              <a:t>我力</a:t>
+            </a:r>
+            <a:r>
+              <a:rPr lang="zh-TW" altLang="en-US" sz="5400" b="1" dirty="0" smtClean="0">
+                <a:latin typeface="微軟正黑體" pitchFamily="34" charset="-120"/>
+                <a:ea typeface="微軟正黑體" pitchFamily="34" charset="-120"/>
+              </a:rPr>
+              <a:t>量</a:t>
+            </a:r>
+            <a:r>
+              <a:rPr lang="en-US" altLang="zh-TW" sz="5400" b="1" dirty="0">
+                <a:latin typeface="微軟正黑體" pitchFamily="34" charset="-120"/>
+                <a:ea typeface="微軟正黑體" pitchFamily="34" charset="-120"/>
+              </a:rPr>
+              <a:t> </a:t>
+            </a:r>
+            <a:r>
+              <a:rPr lang="en-US" altLang="zh-TW" sz="5400" b="1" dirty="0" smtClean="0">
+                <a:latin typeface="微軟正黑體" pitchFamily="34" charset="-120"/>
+                <a:ea typeface="微軟正黑體" pitchFamily="34" charset="-120"/>
+              </a:rPr>
+              <a:t> </a:t>
+            </a:r>
+            <a:r>
+              <a:rPr lang="zh-TW" altLang="en-US" sz="5400" b="1" dirty="0" smtClean="0">
+                <a:latin typeface="微軟正黑體" pitchFamily="34" charset="-120"/>
+                <a:ea typeface="微軟正黑體" pitchFamily="34" charset="-120"/>
+              </a:rPr>
+              <a:t>主</a:t>
+            </a:r>
+            <a:r>
+              <a:rPr lang="zh-CN" altLang="en-US" sz="5400" b="1" dirty="0">
+                <a:latin typeface="微軟正黑體" pitchFamily="34" charset="-120"/>
+                <a:ea typeface="微軟正黑體" pitchFamily="34" charset="-120"/>
+              </a:rPr>
+              <a:t>袮</a:t>
+            </a:r>
+            <a:r>
+              <a:rPr lang="zh-TW" altLang="en-US" sz="5400" b="1" dirty="0" smtClean="0">
+                <a:latin typeface="微軟正黑體" pitchFamily="34" charset="-120"/>
+                <a:ea typeface="微軟正黑體" pitchFamily="34" charset="-120"/>
+              </a:rPr>
+              <a:t>是</a:t>
+            </a:r>
+            <a:r>
+              <a:rPr lang="zh-TW" altLang="en-US" sz="5400" b="1" dirty="0">
+                <a:latin typeface="微軟正黑體" pitchFamily="34" charset="-120"/>
+                <a:ea typeface="微軟正黑體" pitchFamily="34" charset="-120"/>
+              </a:rPr>
+              <a:t>我高</a:t>
+            </a:r>
+            <a:r>
+              <a:rPr lang="zh-TW" altLang="en-US" sz="5400" b="1" dirty="0" smtClean="0">
+                <a:latin typeface="微軟正黑體" pitchFamily="34" charset="-120"/>
+                <a:ea typeface="微軟正黑體" pitchFamily="34" charset="-120"/>
+              </a:rPr>
+              <a:t>臺</a:t>
+            </a:r>
+            <a:endParaRPr lang="en-US" altLang="zh-TW" sz="5400" b="1" dirty="0" smtClean="0">
+              <a:latin typeface="微軟正黑體" pitchFamily="34" charset="-120"/>
+              <a:ea typeface="微軟正黑體" pitchFamily="34" charset="-120"/>
+            </a:endParaRPr>
+          </a:p>
+          <a:p>
+            <a:pPr algn="ctr">
+              <a:buNone/>
+            </a:pPr>
+            <a:r>
+              <a:rPr lang="zh-TW" altLang="en-US" sz="5400" b="1" dirty="0" smtClean="0">
+                <a:latin typeface="微軟正黑體" pitchFamily="34" charset="-120"/>
+                <a:ea typeface="微軟正黑體" pitchFamily="34" charset="-120"/>
+              </a:rPr>
+              <a:t>堅</a:t>
+            </a:r>
+            <a:r>
+              <a:rPr lang="zh-TW" altLang="en-US" sz="5400" b="1" dirty="0">
+                <a:latin typeface="微軟正黑體" pitchFamily="34" charset="-120"/>
+                <a:ea typeface="微軟正黑體" pitchFamily="34" charset="-120"/>
+              </a:rPr>
+              <a:t>固磐</a:t>
+            </a:r>
+            <a:r>
+              <a:rPr lang="zh-TW" altLang="en-US" sz="5400" b="1" dirty="0" smtClean="0">
+                <a:latin typeface="微軟正黑體" pitchFamily="34" charset="-120"/>
+                <a:ea typeface="微軟正黑體" pitchFamily="34" charset="-120"/>
+              </a:rPr>
+              <a:t>石</a:t>
+            </a:r>
+            <a:r>
+              <a:rPr lang="en-US" altLang="zh-TW" sz="5400" b="1" dirty="0">
+                <a:latin typeface="微軟正黑體" pitchFamily="34" charset="-120"/>
+                <a:ea typeface="微軟正黑體" pitchFamily="34" charset="-120"/>
+              </a:rPr>
+              <a:t> </a:t>
+            </a:r>
+            <a:r>
+              <a:rPr lang="en-US" altLang="zh-TW" sz="5400" b="1" dirty="0" smtClean="0">
+                <a:latin typeface="微軟正黑體" pitchFamily="34" charset="-120"/>
+                <a:ea typeface="微軟正黑體" pitchFamily="34" charset="-120"/>
+              </a:rPr>
+              <a:t> </a:t>
+            </a:r>
+            <a:r>
+              <a:rPr lang="zh-TW" altLang="en-US" sz="5400" b="1" dirty="0" smtClean="0">
+                <a:latin typeface="微軟正黑體" pitchFamily="34" charset="-120"/>
+                <a:ea typeface="微軟正黑體" pitchFamily="34" charset="-120"/>
+              </a:rPr>
+              <a:t>我</a:t>
+            </a:r>
+            <a:r>
+              <a:rPr lang="zh-TW" altLang="en-US" sz="5400" b="1" dirty="0">
+                <a:latin typeface="微軟正黑體" pitchFamily="34" charset="-120"/>
+                <a:ea typeface="微軟正黑體" pitchFamily="34" charset="-120"/>
+              </a:rPr>
+              <a:t>信</a:t>
+            </a:r>
+            <a:r>
+              <a:rPr lang="zh-TW" altLang="en-US" sz="5400" b="1" dirty="0" smtClean="0">
+                <a:latin typeface="微軟正黑體" pitchFamily="34" charset="-120"/>
+                <a:ea typeface="微軟正黑體" pitchFamily="34" charset="-120"/>
+              </a:rPr>
+              <a:t>靠</a:t>
+            </a:r>
+            <a:r>
+              <a:rPr lang="zh-CN" altLang="en-US" sz="5400" b="1" dirty="0">
+                <a:latin typeface="微軟正黑體" pitchFamily="34" charset="-120"/>
+                <a:ea typeface="微軟正黑體" pitchFamily="34" charset="-120"/>
+              </a:rPr>
+              <a:t>袮</a:t>
+            </a:r>
+            <a:r>
+              <a:rPr lang="zh-TW" altLang="en-US" sz="5400" b="1" dirty="0" smtClean="0">
+                <a:latin typeface="微軟正黑體" pitchFamily="34" charset="-120"/>
+                <a:ea typeface="微軟正黑體" pitchFamily="34" charset="-120"/>
+              </a:rPr>
+              <a:t>必</a:t>
+            </a:r>
+            <a:r>
+              <a:rPr lang="zh-TW" altLang="en-US" sz="5400" b="1" dirty="0">
+                <a:latin typeface="微軟正黑體" pitchFamily="34" charset="-120"/>
+                <a:ea typeface="微軟正黑體" pitchFamily="34" charset="-120"/>
+              </a:rPr>
+              <a:t>不動</a:t>
+            </a:r>
+            <a:r>
+              <a:rPr lang="zh-TW" altLang="en-US" sz="5400" b="1" dirty="0" smtClean="0">
+                <a:latin typeface="微軟正黑體" pitchFamily="34" charset="-120"/>
+                <a:ea typeface="微軟正黑體" pitchFamily="34" charset="-120"/>
+              </a:rPr>
+              <a:t>搖</a:t>
+            </a:r>
+            <a:endParaRPr lang="en-US" altLang="zh-TW" sz="5400" b="1" dirty="0" smtClean="0">
+              <a:latin typeface="微軟正黑體" pitchFamily="34" charset="-120"/>
+              <a:ea typeface="微軟正黑體" pitchFamily="34" charset="-120"/>
+            </a:endParaRPr>
+          </a:p>
+          <a:p>
+            <a:pPr algn="ctr">
+              <a:buNone/>
+            </a:pPr>
+            <a:r>
+              <a:rPr lang="zh-TW" altLang="en-US" sz="5400" b="1" dirty="0">
+                <a:latin typeface="微軟正黑體" pitchFamily="34" charset="-120"/>
+                <a:ea typeface="微軟正黑體" pitchFamily="34" charset="-120"/>
+              </a:rPr>
+              <a:t>主</a:t>
+            </a:r>
+            <a:r>
+              <a:rPr lang="zh-CN" altLang="en-US" sz="5400" b="1" dirty="0">
+                <a:latin typeface="微軟正黑體" pitchFamily="34" charset="-120"/>
+                <a:ea typeface="微軟正黑體" pitchFamily="34" charset="-120"/>
+              </a:rPr>
+              <a:t>袮</a:t>
+            </a:r>
+            <a:r>
+              <a:rPr lang="zh-TW" altLang="en-US" sz="5400" b="1" dirty="0">
+                <a:latin typeface="微軟正黑體" pitchFamily="34" charset="-120"/>
+                <a:ea typeface="微軟正黑體" pitchFamily="34" charset="-120"/>
+              </a:rPr>
+              <a:t>是我力</a:t>
+            </a:r>
+            <a:r>
+              <a:rPr lang="zh-TW" altLang="en-US" sz="5400" b="1" dirty="0" smtClean="0">
+                <a:latin typeface="微軟正黑體" pitchFamily="34" charset="-120"/>
+                <a:ea typeface="微軟正黑體" pitchFamily="34" charset="-120"/>
+              </a:rPr>
+              <a:t>量</a:t>
+            </a:r>
+            <a:r>
+              <a:rPr lang="en-US" altLang="zh-TW" sz="5400" b="1" dirty="0" smtClean="0">
+                <a:latin typeface="微軟正黑體" pitchFamily="34" charset="-120"/>
+                <a:ea typeface="微軟正黑體" pitchFamily="34" charset="-120"/>
+              </a:rPr>
+              <a:t>  </a:t>
+            </a:r>
+            <a:r>
+              <a:rPr lang="zh-TW" altLang="en-US" sz="5400" b="1" dirty="0" smtClean="0">
+                <a:latin typeface="微軟正黑體" pitchFamily="34" charset="-120"/>
+                <a:ea typeface="微軟正黑體" pitchFamily="34" charset="-120"/>
+              </a:rPr>
+              <a:t>主</a:t>
+            </a:r>
+            <a:r>
+              <a:rPr lang="zh-CN" altLang="en-US" sz="5400" b="1" dirty="0">
+                <a:latin typeface="微軟正黑體" pitchFamily="34" charset="-120"/>
+                <a:ea typeface="微軟正黑體" pitchFamily="34" charset="-120"/>
+              </a:rPr>
+              <a:t>袮</a:t>
+            </a:r>
+            <a:r>
+              <a:rPr lang="zh-TW" altLang="en-US" sz="5400" b="1" dirty="0">
+                <a:latin typeface="微軟正黑體" pitchFamily="34" charset="-120"/>
+                <a:ea typeface="微軟正黑體" pitchFamily="34" charset="-120"/>
+              </a:rPr>
+              <a:t>是避難所</a:t>
             </a:r>
             <a:endParaRPr lang="en-US" altLang="zh-TW" sz="5400" b="1" dirty="0">
               <a:latin typeface="微軟正黑體" pitchFamily="34" charset="-120"/>
@@ -3303,145 +3632,28 @@
                 <a:latin typeface="微軟正黑體" pitchFamily="34" charset="-120"/>
                 <a:ea typeface="微軟正黑體" pitchFamily="34" charset="-120"/>
               </a:rPr>
-              <a:t>主你是我高臺堅固磐石</a:t>
-            </a:r>
+              <a:t>我的盼望只在乎</a:t>
+            </a:r>
+            <a:r>
+              <a:rPr lang="zh-CN" altLang="en-US" sz="5400" b="1" dirty="0">
+                <a:latin typeface="微軟正黑體" pitchFamily="34" charset="-120"/>
+                <a:ea typeface="微軟正黑體" pitchFamily="34" charset="-120"/>
+              </a:rPr>
+              <a:t>袮</a:t>
+            </a:r>
+            <a:endParaRPr lang="zh-TW" altLang="en-US" sz="5400" b="1" dirty="0">
+              <a:latin typeface="微軟正黑體" pitchFamily="34" charset="-120"/>
+              <a:ea typeface="微軟正黑體" pitchFamily="34" charset="-120"/>
+            </a:endParaRPr>
+          </a:p>
+          <a:p>
+            <a:pPr algn="ctr">
+              <a:buNone/>
+            </a:pPr>
             <a:endParaRPr lang="en-US" altLang="zh-TW" sz="5400" b="1" dirty="0">
               <a:latin typeface="微軟正黑體" pitchFamily="34" charset="-120"/>
               <a:ea typeface="微軟正黑體" pitchFamily="34" charset="-120"/>
             </a:endParaRPr>
-          </a:p>
-          <a:p>
-            <a:pPr algn="ctr">
-              <a:buNone/>
-            </a:pPr>
-            <a:r>
-              <a:rPr lang="zh-TW" altLang="en-US" sz="5400" b="1" dirty="0">
-                <a:latin typeface="微軟正黑體" pitchFamily="34" charset="-120"/>
-                <a:ea typeface="微軟正黑體" pitchFamily="34" charset="-120"/>
-              </a:rPr>
-              <a:t>我信靠你必不動搖</a:t>
-            </a:r>
-            <a:endParaRPr lang="en-US" altLang="zh-TW" sz="5400" b="1" dirty="0">
-              <a:latin typeface="微軟正黑體" pitchFamily="34" charset="-120"/>
-              <a:ea typeface="微軟正黑體" pitchFamily="34" charset="-120"/>
-            </a:endParaRPr>
-          </a:p>
-        </p:txBody>
-      </p:sp>
-    </p:spTree>
-  </p:cSld>
-  <p:clrMapOvr>
-    <a:masterClrMapping/>
-  </p:clrMapOvr>
-</p:sld>
-</file>
-
-<file path=ppt/slides/slide3.xml><?xml version="1.0" encoding="utf-8"?>
-<p:sld xmlns:a="http://schemas.openxmlformats.org/drawingml/2006/main" xmlns:r="http://schemas.openxmlformats.org/officeDocument/2006/relationships" xmlns:p="http://schemas.openxmlformats.org/presentationml/2006/main">
-  <p:cSld>
-    <p:spTree>
-      <p:nvGrpSpPr>
-        <p:cNvPr id="1" name=""/>
-        <p:cNvGrpSpPr/>
-        <p:nvPr/>
-      </p:nvGrpSpPr>
-      <p:grpSpPr>
-        <a:xfrm>
-          <a:off x="0" y="0"/>
-          <a:ext cx="0" cy="0"/>
-          <a:chOff x="0" y="0"/>
-          <a:chExt cx="0" cy="0"/>
-        </a:xfrm>
-      </p:grpSpPr>
-      <p:sp>
-        <p:nvSpPr>
-          <p:cNvPr id="2" name="標題 1"/>
-          <p:cNvSpPr>
-            <a:spLocks noGrp="1"/>
-          </p:cNvSpPr>
-          <p:nvPr>
-            <p:ph type="title"/>
-          </p:nvPr>
-        </p:nvSpPr>
-        <p:spPr/>
-        <p:txBody>
-          <a:bodyPr/>
-          <a:lstStyle/>
-          <a:p>
-            <a:r>
-              <a:rPr lang="zh-TW" altLang="en-US" b="1" dirty="0">
-                <a:latin typeface="微軟正黑體" pitchFamily="34" charset="-120"/>
-                <a:ea typeface="微軟正黑體" pitchFamily="34" charset="-120"/>
-              </a:rPr>
-              <a:t>主你是我力量</a:t>
-            </a:r>
-          </a:p>
-        </p:txBody>
-      </p:sp>
-      <p:sp>
-        <p:nvSpPr>
-          <p:cNvPr id="3" name="內容版面配置區 2"/>
-          <p:cNvSpPr>
-            <a:spLocks noGrp="1"/>
-          </p:cNvSpPr>
-          <p:nvPr>
-            <p:ph idx="1"/>
-          </p:nvPr>
-        </p:nvSpPr>
-        <p:spPr>
-          <a:xfrm>
-            <a:off x="0" y="1600200"/>
-            <a:ext cx="9144000" cy="4525963"/>
-          </a:xfrm>
-        </p:spPr>
-        <p:txBody>
-          <a:bodyPr>
-            <a:normAutofit/>
-          </a:bodyPr>
-          <a:lstStyle/>
-          <a:p>
-            <a:pPr algn="ctr">
-              <a:buNone/>
-            </a:pPr>
-            <a:r>
-              <a:rPr lang="zh-TW" altLang="en-US" sz="5400" b="1" dirty="0">
-                <a:latin typeface="微軟正黑體" pitchFamily="34" charset="-120"/>
-                <a:ea typeface="微軟正黑體" pitchFamily="34" charset="-120"/>
-              </a:rPr>
-              <a:t>主你是我力量</a:t>
-            </a:r>
-            <a:endParaRPr lang="en-US" altLang="zh-TW" sz="5400" b="1" dirty="0">
-              <a:latin typeface="微軟正黑體" pitchFamily="34" charset="-120"/>
-              <a:ea typeface="微軟正黑體" pitchFamily="34" charset="-120"/>
-            </a:endParaRPr>
-          </a:p>
-          <a:p>
-            <a:pPr algn="ctr">
-              <a:buNone/>
-            </a:pPr>
-            <a:r>
-              <a:rPr lang="zh-TW" altLang="en-US" sz="5400" b="1" dirty="0">
-                <a:latin typeface="微軟正黑體" pitchFamily="34" charset="-120"/>
-                <a:ea typeface="微軟正黑體" pitchFamily="34" charset="-120"/>
-              </a:rPr>
-              <a:t>主你是避難所</a:t>
-            </a:r>
-            <a:endParaRPr lang="en-US" altLang="zh-TW" sz="5400" b="1" dirty="0">
-              <a:latin typeface="微軟正黑體" pitchFamily="34" charset="-120"/>
-              <a:ea typeface="微軟正黑體" pitchFamily="34" charset="-120"/>
-            </a:endParaRPr>
-          </a:p>
-          <a:p>
-            <a:pPr algn="ctr">
-              <a:buNone/>
-            </a:pPr>
-            <a:r>
-              <a:rPr lang="zh-TW" altLang="en-US" sz="5400" b="1" dirty="0">
-                <a:latin typeface="微軟正黑體" pitchFamily="34" charset="-120"/>
-                <a:ea typeface="微軟正黑體" pitchFamily="34" charset="-120"/>
-              </a:rPr>
-              <a:t>我的盼望只在乎你</a:t>
-            </a:r>
           </a:p>
         </p:txBody>
       </p:sp>
@@ -3454,7 +3666,7 @@
 </file>
 
 <file path=ppt/theme/theme1.xml><?xml version="1.0" encoding="utf-8"?>
-<a:theme xmlns:a="http://schemas.openxmlformats.org/drawingml/2006/main" name="Office 佈景主題">
+<a:theme xmlns:a="http://schemas.openxmlformats.org/drawingml/2006/main" name="Theme1">
   <a:themeElements>
     <a:clrScheme name="Office">
       <a:dk1>
@@ -3733,5 +3945,10 @@
   </a:themeElements>
   <a:objectDefaults/>
   <a:extraClrSchemeLst/>
+  <a:extLst>
+    <a:ext uri="{05A4C25C-085E-4340-85A3-A5531E510DB2}">
+      <thm15:themeFamily xmlns:thm15="http://schemas.microsoft.com/office/thememl/2012/main" name="Theme1" id="{AFC7C034-021A-479F-A5B0-F4AE2AC2A6F8}" vid="{E4B01A5C-7C0B-4AB8-8973-047186F18E30}"/>
+    </a:ext>
+  </a:extLst>
 </a:theme>
 </file>
--- a/主你是我力量.pptx
+++ b/主你是我力量.pptx
@@ -5,8 +5,11 @@
     <p:sldMasterId id="2147483660" r:id="rId1"/>
   </p:sldMasterIdLst>
   <p:sldIdLst>
-    <p:sldId id="257" r:id="rId2"/>
-    <p:sldId id="258" r:id="rId3"/>
+    <p:sldId id="259" r:id="rId2"/>
+    <p:sldId id="260" r:id="rId3"/>
+    <p:sldId id="261" r:id="rId4"/>
+    <p:sldId id="262" r:id="rId5"/>
+    <p:sldId id="263" r:id="rId6"/>
   </p:sldIdLst>
   <p:sldSz cx="12192000" cy="6858000"/>
   <p:notesSz cx="6858000" cy="9144000"/>
@@ -305,7 +308,7 @@
           <a:p>
             <a:fld id="{38FCA8AB-F74D-4403-8245-3473F9D77712}" type="datetimeFigureOut">
               <a:rPr lang="zh-TW" altLang="en-US" smtClean="0"/>
-              <a:t>2020/1/18</a:t>
+              <a:t>2021/7/20</a:t>
             </a:fld>
             <a:endParaRPr lang="zh-TW" altLang="en-US"/>
           </a:p>
@@ -475,7 +478,7 @@
           <a:p>
             <a:fld id="{38FCA8AB-F74D-4403-8245-3473F9D77712}" type="datetimeFigureOut">
               <a:rPr lang="zh-TW" altLang="en-US" smtClean="0"/>
-              <a:t>2020/1/18</a:t>
+              <a:t>2021/7/20</a:t>
             </a:fld>
             <a:endParaRPr lang="zh-TW" altLang="en-US"/>
           </a:p>
@@ -655,7 +658,7 @@
           <a:p>
             <a:fld id="{38FCA8AB-F74D-4403-8245-3473F9D77712}" type="datetimeFigureOut">
               <a:rPr lang="zh-TW" altLang="en-US" smtClean="0"/>
-              <a:t>2020/1/18</a:t>
+              <a:t>2021/7/20</a:t>
             </a:fld>
             <a:endParaRPr lang="zh-TW" altLang="en-US"/>
           </a:p>
@@ -825,7 +828,7 @@
           <a:p>
             <a:fld id="{38FCA8AB-F74D-4403-8245-3473F9D77712}" type="datetimeFigureOut">
               <a:rPr lang="zh-TW" altLang="en-US" smtClean="0"/>
-              <a:t>2020/1/18</a:t>
+              <a:t>2021/7/20</a:t>
             </a:fld>
             <a:endParaRPr lang="zh-TW" altLang="en-US"/>
           </a:p>
@@ -1071,7 +1074,7 @@
           <a:p>
             <a:fld id="{38FCA8AB-F74D-4403-8245-3473F9D77712}" type="datetimeFigureOut">
               <a:rPr lang="zh-TW" altLang="en-US" smtClean="0"/>
-              <a:t>2020/1/18</a:t>
+              <a:t>2021/7/20</a:t>
             </a:fld>
             <a:endParaRPr lang="zh-TW" altLang="en-US"/>
           </a:p>
@@ -1359,7 +1362,7 @@
           <a:p>
             <a:fld id="{38FCA8AB-F74D-4403-8245-3473F9D77712}" type="datetimeFigureOut">
               <a:rPr lang="zh-TW" altLang="en-US" smtClean="0"/>
-              <a:t>2020/1/18</a:t>
+              <a:t>2021/7/20</a:t>
             </a:fld>
             <a:endParaRPr lang="zh-TW" altLang="en-US"/>
           </a:p>
@@ -1781,7 +1784,7 @@
           <a:p>
             <a:fld id="{38FCA8AB-F74D-4403-8245-3473F9D77712}" type="datetimeFigureOut">
               <a:rPr lang="zh-TW" altLang="en-US" smtClean="0"/>
-              <a:t>2020/1/18</a:t>
+              <a:t>2021/7/20</a:t>
             </a:fld>
             <a:endParaRPr lang="zh-TW" altLang="en-US"/>
           </a:p>
@@ -1899,7 +1902,7 @@
           <a:p>
             <a:fld id="{38FCA8AB-F74D-4403-8245-3473F9D77712}" type="datetimeFigureOut">
               <a:rPr lang="zh-TW" altLang="en-US" smtClean="0"/>
-              <a:t>2020/1/18</a:t>
+              <a:t>2021/7/20</a:t>
             </a:fld>
             <a:endParaRPr lang="zh-TW" altLang="en-US"/>
           </a:p>
@@ -1994,7 +1997,7 @@
           <a:p>
             <a:fld id="{38FCA8AB-F74D-4403-8245-3473F9D77712}" type="datetimeFigureOut">
               <a:rPr lang="zh-TW" altLang="en-US" smtClean="0"/>
-              <a:t>2020/1/18</a:t>
+              <a:t>2021/7/20</a:t>
             </a:fld>
             <a:endParaRPr lang="zh-TW" altLang="en-US"/>
           </a:p>
@@ -2271,7 +2274,7 @@
           <a:p>
             <a:fld id="{38FCA8AB-F74D-4403-8245-3473F9D77712}" type="datetimeFigureOut">
               <a:rPr lang="zh-TW" altLang="en-US" smtClean="0"/>
-              <a:t>2020/1/18</a:t>
+              <a:t>2021/7/20</a:t>
             </a:fld>
             <a:endParaRPr lang="zh-TW" altLang="en-US"/>
           </a:p>
@@ -2528,7 +2531,7 @@
           <a:p>
             <a:fld id="{38FCA8AB-F74D-4403-8245-3473F9D77712}" type="datetimeFigureOut">
               <a:rPr lang="zh-TW" altLang="en-US" smtClean="0"/>
-              <a:t>2020/1/18</a:t>
+              <a:t>2021/7/20</a:t>
             </a:fld>
             <a:endParaRPr lang="zh-TW" altLang="en-US"/>
           </a:p>
@@ -2746,7 +2749,7 @@
           <a:p>
             <a:fld id="{38FCA8AB-F74D-4403-8245-3473F9D77712}" type="datetimeFigureOut">
               <a:rPr lang="zh-TW" altLang="en-US" smtClean="0"/>
-              <a:t>2020/1/18</a:t>
+              <a:t>2021/7/20</a:t>
             </a:fld>
             <a:endParaRPr lang="zh-TW" altLang="en-US"/>
           </a:p>
@@ -3123,7 +3126,7 @@
       </p:grpSpPr>
       <p:sp>
         <p:nvSpPr>
-          <p:cNvPr id="2" name="標題 1"/>
+          <p:cNvPr id="4" name="標題 3"/>
           <p:cNvSpPr>
             <a:spLocks noGrp="1"/>
           </p:cNvSpPr>
@@ -3131,156 +3134,78 @@
             <p:ph type="title"/>
           </p:nvPr>
         </p:nvSpPr>
-        <p:spPr/>
-        <p:txBody>
-          <a:bodyPr/>
-          <a:lstStyle/>
-          <a:p>
-            <a:r>
-              <a:rPr lang="zh-TW" altLang="en-US" b="1" dirty="0" smtClean="0">
+        <p:spPr>
+          <a:xfrm>
+            <a:off x="0" y="2660915"/>
+            <a:ext cx="12192000" cy="1143000"/>
+          </a:xfrm>
+        </p:spPr>
+        <p:txBody>
+          <a:bodyPr>
+            <a:noAutofit/>
+          </a:bodyPr>
+          <a:lstStyle/>
+          <a:p>
+            <a:r>
+              <a:rPr lang="zh-TW" altLang="en-US" sz="7200" b="1" i="1" dirty="0">
+                <a:solidFill>
+                  <a:srgbClr val="000066"/>
+                </a:solidFill>
+                <a:effectLst>
+                  <a:outerShdw blurRad="38100" dist="38100" dir="2700000" algn="tl">
+                    <a:srgbClr val="000000">
+                      <a:alpha val="43137"/>
+                    </a:srgbClr>
+                  </a:outerShdw>
+                </a:effectLst>
                 <a:latin typeface="微軟正黑體" pitchFamily="34" charset="-120"/>
                 <a:ea typeface="微軟正黑體" pitchFamily="34" charset="-120"/>
               </a:rPr>
               <a:t>主</a:t>
             </a:r>
             <a:r>
-              <a:rPr lang="zh-CN" altLang="en-US" b="1" dirty="0" smtClean="0">
+              <a:rPr lang="zh-CN" altLang="en-US" sz="7200" b="1" i="1" dirty="0">
+                <a:solidFill>
+                  <a:srgbClr val="000066"/>
+                </a:solidFill>
+                <a:effectLst>
+                  <a:outerShdw blurRad="38100" dist="38100" dir="2700000" algn="tl">
+                    <a:srgbClr val="000000">
+                      <a:alpha val="43137"/>
+                    </a:srgbClr>
+                  </a:outerShdw>
+                </a:effectLst>
                 <a:latin typeface="微軟正黑體" pitchFamily="34" charset="-120"/>
                 <a:ea typeface="微軟正黑體" pitchFamily="34" charset="-120"/>
               </a:rPr>
               <a:t>袮</a:t>
             </a:r>
             <a:r>
-              <a:rPr lang="zh-TW" altLang="en-US" b="1" dirty="0" smtClean="0">
+              <a:rPr lang="zh-TW" altLang="en-US" sz="7200" b="1" i="1" dirty="0">
+                <a:solidFill>
+                  <a:srgbClr val="000066"/>
+                </a:solidFill>
+                <a:effectLst>
+                  <a:outerShdw blurRad="38100" dist="38100" dir="2700000" algn="tl">
+                    <a:srgbClr val="000000">
+                      <a:alpha val="43137"/>
+                    </a:srgbClr>
+                  </a:outerShdw>
+                </a:effectLst>
                 <a:latin typeface="微軟正黑體" pitchFamily="34" charset="-120"/>
                 <a:ea typeface="微軟正黑體" pitchFamily="34" charset="-120"/>
               </a:rPr>
-              <a:t>是</a:t>
-            </a:r>
-            <a:r>
-              <a:rPr lang="zh-TW" altLang="en-US" b="1" dirty="0">
-                <a:latin typeface="微軟正黑體" pitchFamily="34" charset="-120"/>
-                <a:ea typeface="微軟正黑體" pitchFamily="34" charset="-120"/>
-              </a:rPr>
-              <a:t>我力量</a:t>
-            </a:r>
-          </a:p>
-        </p:txBody>
-      </p:sp>
-      <p:sp>
-        <p:nvSpPr>
-          <p:cNvPr id="3" name="內容版面配置區 2"/>
-          <p:cNvSpPr>
-            <a:spLocks noGrp="1"/>
-          </p:cNvSpPr>
-          <p:nvPr>
-            <p:ph idx="1"/>
-          </p:nvPr>
-        </p:nvSpPr>
-        <p:spPr/>
-        <p:txBody>
-          <a:bodyPr>
-            <a:normAutofit/>
-          </a:bodyPr>
-          <a:lstStyle/>
-          <a:p>
-            <a:pPr algn="ctr">
-              <a:buNone/>
-            </a:pPr>
-            <a:r>
-              <a:rPr lang="zh-TW" altLang="en-US" sz="5400" b="1" dirty="0">
-                <a:latin typeface="微軟正黑體" pitchFamily="34" charset="-120"/>
-                <a:ea typeface="微軟正黑體" pitchFamily="34" charset="-120"/>
-              </a:rPr>
-              <a:t>我的</a:t>
-            </a:r>
-            <a:r>
-              <a:rPr lang="zh-TW" altLang="en-US" sz="5400" b="1" dirty="0">
-                <a:latin typeface="微軟正黑體" pitchFamily="34" charset="-120"/>
-                <a:ea typeface="微軟正黑體" pitchFamily="34" charset="-120"/>
-              </a:rPr>
-              <a:t>詩歌   我</a:t>
-            </a:r>
-            <a:r>
-              <a:rPr lang="zh-TW" altLang="en-US" sz="5400" b="1" dirty="0">
-                <a:latin typeface="微軟正黑體" pitchFamily="34" charset="-120"/>
-                <a:ea typeface="微軟正黑體" pitchFamily="34" charset="-120"/>
-              </a:rPr>
-              <a:t>的</a:t>
-            </a:r>
-            <a:r>
-              <a:rPr lang="zh-TW" altLang="en-US" sz="5400" b="1" dirty="0">
-                <a:latin typeface="微軟正黑體" pitchFamily="34" charset="-120"/>
-                <a:ea typeface="微軟正黑體" pitchFamily="34" charset="-120"/>
-              </a:rPr>
-              <a:t>拯救</a:t>
-            </a:r>
-            <a:endParaRPr lang="en-US" altLang="zh-TW" sz="5400" b="1" dirty="0">
-              <a:latin typeface="微軟正黑體" pitchFamily="34" charset="-120"/>
-              <a:ea typeface="微軟正黑體" pitchFamily="34" charset="-120"/>
-            </a:endParaRPr>
-          </a:p>
-          <a:p>
-            <a:pPr algn="ctr">
-              <a:buNone/>
-            </a:pPr>
-            <a:r>
-              <a:rPr lang="zh-CN" altLang="en-US" sz="5400" b="1" dirty="0" smtClean="0">
-                <a:latin typeface="微軟正黑體" pitchFamily="34" charset="-120"/>
-                <a:ea typeface="微軟正黑體" pitchFamily="34" charset="-120"/>
-              </a:rPr>
-              <a:t>袮</a:t>
-            </a:r>
-            <a:r>
-              <a:rPr lang="zh-TW" altLang="en-US" sz="5400" b="1" dirty="0" smtClean="0">
-                <a:latin typeface="微軟正黑體" pitchFamily="34" charset="-120"/>
-                <a:ea typeface="微軟正黑體" pitchFamily="34" charset="-120"/>
-              </a:rPr>
-              <a:t>是我患難中隨時的幫助</a:t>
-            </a:r>
-          </a:p>
-          <a:p>
-            <a:pPr algn="ctr">
-              <a:buNone/>
-            </a:pPr>
-            <a:r>
-              <a:rPr lang="zh-TW" altLang="en-US" sz="5400" b="1" dirty="0" smtClean="0">
-                <a:latin typeface="微軟正黑體" pitchFamily="34" charset="-120"/>
-                <a:ea typeface="微軟正黑體" pitchFamily="34" charset="-120"/>
-              </a:rPr>
-              <a:t>眾山怎樣圍繞耶路撒冷</a:t>
-            </a:r>
-            <a:endParaRPr lang="en-US" altLang="zh-TW" sz="5400" b="1" dirty="0" smtClean="0">
-              <a:latin typeface="微軟正黑體" pitchFamily="34" charset="-120"/>
-              <a:ea typeface="微軟正黑體" pitchFamily="34" charset="-120"/>
-            </a:endParaRPr>
-          </a:p>
-          <a:p>
-            <a:pPr algn="ctr">
-              <a:buNone/>
-            </a:pPr>
-            <a:r>
-              <a:rPr lang="zh-CN" altLang="en-US" sz="5400" b="1" dirty="0" smtClean="0">
-                <a:latin typeface="微軟正黑體" pitchFamily="34" charset="-120"/>
-                <a:ea typeface="微軟正黑體" pitchFamily="34" charset="-120"/>
-              </a:rPr>
-              <a:t>袮</a:t>
-            </a:r>
-            <a:r>
-              <a:rPr lang="zh-TW" altLang="en-US" sz="5400" b="1" dirty="0" smtClean="0">
-                <a:latin typeface="微軟正黑體" pitchFamily="34" charset="-120"/>
-                <a:ea typeface="微軟正黑體" pitchFamily="34" charset="-120"/>
-              </a:rPr>
-              <a:t>必圍繞我到永遠</a:t>
-            </a:r>
-            <a:endParaRPr lang="zh-TW" altLang="en-US" sz="5400" b="1" dirty="0">
-              <a:latin typeface="微軟正黑體" pitchFamily="34" charset="-120"/>
-              <a:ea typeface="微軟正黑體" pitchFamily="34" charset="-120"/>
-            </a:endParaRPr>
+              <a:t>是我力量</a:t>
+            </a:r>
           </a:p>
         </p:txBody>
       </p:sp>
     </p:spTree>
+    <p:extLst>
+      <p:ext uri="{BB962C8B-B14F-4D97-AF65-F5344CB8AC3E}">
+        <p14:creationId xmlns:p14="http://schemas.microsoft.com/office/powerpoint/2010/main" val="2823637476"/>
+      </p:ext>
+    </p:extLst>
   </p:cSld>
   <p:clrMapOvr>
     <a:masterClrMapping/>
@@ -3307,357 +3232,551 @@
       </p:grpSpPr>
       <p:sp>
         <p:nvSpPr>
-          <p:cNvPr id="2" name="標題 1"/>
-          <p:cNvSpPr>
-            <a:spLocks noGrp="1"/>
-          </p:cNvSpPr>
-          <p:nvPr>
-            <p:ph type="title"/>
-          </p:nvPr>
-        </p:nvSpPr>
-        <p:spPr/>
-        <p:txBody>
-          <a:bodyPr/>
-          <a:lstStyle/>
-          <a:p>
-            <a:r>
-              <a:rPr lang="zh-TW" altLang="en-US" b="1" dirty="0" smtClean="0">
+          <p:cNvPr id="5" name="內容版面配置區 4"/>
+          <p:cNvSpPr>
+            <a:spLocks noGrp="1"/>
+          </p:cNvSpPr>
+          <p:nvPr>
+            <p:ph idx="1"/>
+          </p:nvPr>
+        </p:nvSpPr>
+        <p:spPr>
+          <a:xfrm>
+            <a:off x="0" y="2084851"/>
+            <a:ext cx="12192000" cy="2404863"/>
+          </a:xfrm>
+        </p:spPr>
+        <p:txBody>
+          <a:bodyPr anchor="ctr">
+            <a:normAutofit/>
+          </a:bodyPr>
+          <a:lstStyle/>
+          <a:p>
+            <a:pPr algn="ctr">
+              <a:buNone/>
+            </a:pPr>
+            <a:r>
+              <a:rPr lang="zh-TW" altLang="en-US" sz="6400" b="1" dirty="0">
+                <a:solidFill>
+                  <a:srgbClr val="000066"/>
+                </a:solidFill>
+                <a:latin typeface="微軟正黑體" pitchFamily="34" charset="-120"/>
+                <a:ea typeface="微軟正黑體" pitchFamily="34" charset="-120"/>
+              </a:rPr>
+              <a:t>我的詩歌   我的拯救</a:t>
+            </a:r>
+            <a:endParaRPr lang="en-US" altLang="zh-TW" sz="6400" b="1" dirty="0">
+              <a:solidFill>
+                <a:srgbClr val="000066"/>
+              </a:solidFill>
+              <a:latin typeface="微軟正黑體" pitchFamily="34" charset="-120"/>
+              <a:ea typeface="微軟正黑體" pitchFamily="34" charset="-120"/>
+            </a:endParaRPr>
+          </a:p>
+          <a:p>
+            <a:pPr algn="ctr">
+              <a:buNone/>
+            </a:pPr>
+            <a:r>
+              <a:rPr lang="zh-CN" altLang="en-US" sz="6400" b="1" dirty="0">
+                <a:solidFill>
+                  <a:srgbClr val="000066"/>
+                </a:solidFill>
+                <a:latin typeface="微軟正黑體" pitchFamily="34" charset="-120"/>
+                <a:ea typeface="微軟正黑體" pitchFamily="34" charset="-120"/>
+              </a:rPr>
+              <a:t>袮</a:t>
+            </a:r>
+            <a:r>
+              <a:rPr lang="zh-TW" altLang="en-US" sz="6400" b="1" dirty="0">
+                <a:solidFill>
+                  <a:srgbClr val="000066"/>
+                </a:solidFill>
+                <a:latin typeface="微軟正黑體" pitchFamily="34" charset="-120"/>
+                <a:ea typeface="微軟正黑體" pitchFamily="34" charset="-120"/>
+              </a:rPr>
+              <a:t>是我患難中隨時的幫助</a:t>
+            </a:r>
+          </a:p>
+        </p:txBody>
+      </p:sp>
+    </p:spTree>
+    <p:extLst>
+      <p:ext uri="{BB962C8B-B14F-4D97-AF65-F5344CB8AC3E}">
+        <p14:creationId xmlns:p14="http://schemas.microsoft.com/office/powerpoint/2010/main" val="1557832087"/>
+      </p:ext>
+    </p:extLst>
+  </p:cSld>
+  <p:clrMapOvr>
+    <a:masterClrMapping/>
+  </p:clrMapOvr>
+</p:sld>
+</file>
+
+<file path=ppt/slides/slide3.xml><?xml version="1.0" encoding="utf-8"?>
+<p:sld xmlns:a="http://schemas.openxmlformats.org/drawingml/2006/main" xmlns:r="http://schemas.openxmlformats.org/officeDocument/2006/relationships" xmlns:p="http://schemas.openxmlformats.org/presentationml/2006/main">
+  <p:cSld>
+    <p:spTree>
+      <p:nvGrpSpPr>
+        <p:cNvPr id="1" name=""/>
+        <p:cNvGrpSpPr/>
+        <p:nvPr/>
+      </p:nvGrpSpPr>
+      <p:grpSpPr>
+        <a:xfrm>
+          <a:off x="0" y="0"/>
+          <a:ext cx="0" cy="0"/>
+          <a:chOff x="0" y="0"/>
+          <a:chExt cx="0" cy="0"/>
+        </a:xfrm>
+      </p:grpSpPr>
+      <p:sp>
+        <p:nvSpPr>
+          <p:cNvPr id="5" name="內容版面配置區 4"/>
+          <p:cNvSpPr>
+            <a:spLocks noGrp="1"/>
+          </p:cNvSpPr>
+          <p:nvPr>
+            <p:ph idx="1"/>
+          </p:nvPr>
+        </p:nvSpPr>
+        <p:spPr>
+          <a:xfrm>
+            <a:off x="0" y="2084851"/>
+            <a:ext cx="12192000" cy="2404863"/>
+          </a:xfrm>
+        </p:spPr>
+        <p:txBody>
+          <a:bodyPr anchor="ctr">
+            <a:normAutofit/>
+          </a:bodyPr>
+          <a:lstStyle/>
+          <a:p>
+            <a:pPr algn="ctr">
+              <a:buNone/>
+            </a:pPr>
+            <a:r>
+              <a:rPr lang="zh-TW" altLang="en-US" sz="6400" b="1" dirty="0">
+                <a:solidFill>
+                  <a:srgbClr val="000066"/>
+                </a:solidFill>
+                <a:latin typeface="微軟正黑體" pitchFamily="34" charset="-120"/>
+                <a:ea typeface="微軟正黑體" pitchFamily="34" charset="-120"/>
+              </a:rPr>
+              <a:t>眾山怎樣圍繞耶路撒冷</a:t>
+            </a:r>
+            <a:endParaRPr lang="en-US" altLang="zh-TW" sz="6400" b="1" dirty="0">
+              <a:solidFill>
+                <a:srgbClr val="000066"/>
+              </a:solidFill>
+              <a:latin typeface="微軟正黑體" pitchFamily="34" charset="-120"/>
+              <a:ea typeface="微軟正黑體" pitchFamily="34" charset="-120"/>
+            </a:endParaRPr>
+          </a:p>
+          <a:p>
+            <a:pPr algn="ctr">
+              <a:buNone/>
+            </a:pPr>
+            <a:r>
+              <a:rPr lang="zh-CN" altLang="en-US" sz="6400" b="1" dirty="0">
+                <a:solidFill>
+                  <a:srgbClr val="000066"/>
+                </a:solidFill>
+                <a:latin typeface="微軟正黑體" pitchFamily="34" charset="-120"/>
+                <a:ea typeface="微軟正黑體" pitchFamily="34" charset="-120"/>
+              </a:rPr>
+              <a:t>袮</a:t>
+            </a:r>
+            <a:r>
+              <a:rPr lang="zh-TW" altLang="en-US" sz="6400" b="1" dirty="0">
+                <a:solidFill>
+                  <a:srgbClr val="000066"/>
+                </a:solidFill>
+                <a:latin typeface="微軟正黑體" pitchFamily="34" charset="-120"/>
+                <a:ea typeface="微軟正黑體" pitchFamily="34" charset="-120"/>
+              </a:rPr>
+              <a:t>必圍繞我到永遠</a:t>
+            </a:r>
+            <a:endParaRPr lang="zh-TW" altLang="en-US" sz="6400" b="1" dirty="0">
+              <a:solidFill>
+                <a:srgbClr val="000066"/>
+              </a:solidFill>
+              <a:latin typeface="微軟正黑體" pitchFamily="34" charset="-120"/>
+              <a:ea typeface="微軟正黑體" pitchFamily="34" charset="-120"/>
+            </a:endParaRPr>
+          </a:p>
+        </p:txBody>
+      </p:sp>
+    </p:spTree>
+    <p:extLst>
+      <p:ext uri="{BB962C8B-B14F-4D97-AF65-F5344CB8AC3E}">
+        <p14:creationId xmlns:p14="http://schemas.microsoft.com/office/powerpoint/2010/main" val="2662809499"/>
+      </p:ext>
+    </p:extLst>
+  </p:cSld>
+  <p:clrMapOvr>
+    <a:masterClrMapping/>
+  </p:clrMapOvr>
+</p:sld>
+</file>
+
+<file path=ppt/slides/slide4.xml><?xml version="1.0" encoding="utf-8"?>
+<p:sld xmlns:a="http://schemas.openxmlformats.org/drawingml/2006/main" xmlns:r="http://schemas.openxmlformats.org/officeDocument/2006/relationships" xmlns:p="http://schemas.openxmlformats.org/presentationml/2006/main">
+  <p:cSld>
+    <p:spTree>
+      <p:nvGrpSpPr>
+        <p:cNvPr id="1" name=""/>
+        <p:cNvGrpSpPr/>
+        <p:nvPr/>
+      </p:nvGrpSpPr>
+      <p:grpSpPr>
+        <a:xfrm>
+          <a:off x="0" y="0"/>
+          <a:ext cx="0" cy="0"/>
+          <a:chOff x="0" y="0"/>
+          <a:chExt cx="0" cy="0"/>
+        </a:xfrm>
+      </p:grpSpPr>
+      <p:sp>
+        <p:nvSpPr>
+          <p:cNvPr id="5" name="內容版面配置區 4"/>
+          <p:cNvSpPr>
+            <a:spLocks noGrp="1"/>
+          </p:cNvSpPr>
+          <p:nvPr>
+            <p:ph idx="1"/>
+          </p:nvPr>
+        </p:nvSpPr>
+        <p:spPr>
+          <a:xfrm>
+            <a:off x="0" y="2084851"/>
+            <a:ext cx="12192000" cy="2404863"/>
+          </a:xfrm>
+        </p:spPr>
+        <p:txBody>
+          <a:bodyPr anchor="ctr">
+            <a:normAutofit/>
+          </a:bodyPr>
+          <a:lstStyle/>
+          <a:p>
+            <a:pPr algn="ctr">
+              <a:buNone/>
+            </a:pPr>
+            <a:r>
+              <a:rPr lang="zh-TW" altLang="en-US" sz="6400" b="1" dirty="0">
+                <a:solidFill>
+                  <a:srgbClr val="000066"/>
+                </a:solidFill>
                 <a:latin typeface="微軟正黑體" pitchFamily="34" charset="-120"/>
                 <a:ea typeface="微軟正黑體" pitchFamily="34" charset="-120"/>
               </a:rPr>
               <a:t>主</a:t>
             </a:r>
             <a:r>
-              <a:rPr lang="zh-CN" altLang="en-US" b="1" dirty="0">
+              <a:rPr lang="zh-CN" altLang="en-US" sz="6400" b="1" dirty="0">
+                <a:solidFill>
+                  <a:srgbClr val="000066"/>
+                </a:solidFill>
                 <a:latin typeface="微軟正黑體" pitchFamily="34" charset="-120"/>
                 <a:ea typeface="微軟正黑體" pitchFamily="34" charset="-120"/>
               </a:rPr>
               <a:t>袮</a:t>
             </a:r>
             <a:r>
-              <a:rPr lang="zh-TW" altLang="en-US" b="1" dirty="0" smtClean="0">
+              <a:rPr lang="zh-TW" altLang="en-US" sz="6400" b="1" dirty="0">
+                <a:solidFill>
+                  <a:srgbClr val="000066"/>
+                </a:solidFill>
                 <a:latin typeface="微軟正黑體" pitchFamily="34" charset="-120"/>
                 <a:ea typeface="微軟正黑體" pitchFamily="34" charset="-120"/>
               </a:rPr>
-              <a:t>是</a:t>
-            </a:r>
-            <a:r>
-              <a:rPr lang="zh-TW" altLang="en-US" b="1" dirty="0">
+              <a:t>是我力量</a:t>
+            </a:r>
+            <a:r>
+              <a:rPr lang="en-US" altLang="zh-TW" sz="6400" b="1" dirty="0">
+                <a:solidFill>
+                  <a:srgbClr val="000066"/>
+                </a:solidFill>
                 <a:latin typeface="微軟正黑體" pitchFamily="34" charset="-120"/>
                 <a:ea typeface="微軟正黑體" pitchFamily="34" charset="-120"/>
               </a:rPr>
-              <a:t>我力量</a:t>
-            </a:r>
-          </a:p>
-        </p:txBody>
-      </p:sp>
-      <p:sp>
-        <p:nvSpPr>
-          <p:cNvPr id="3" name="內容版面配置區 2"/>
-          <p:cNvSpPr>
-            <a:spLocks noGrp="1"/>
-          </p:cNvSpPr>
-          <p:nvPr>
-            <p:ph idx="1"/>
-          </p:nvPr>
-        </p:nvSpPr>
-        <p:spPr>
-          <a:xfrm>
-            <a:off x="1524000" y="1600201"/>
-            <a:ext cx="9144000" cy="4525963"/>
-          </a:xfrm>
-        </p:spPr>
-        <p:txBody>
-          <a:bodyPr>
-            <a:normAutofit/>
-          </a:bodyPr>
-          <a:lstStyle/>
-          <a:p>
-            <a:pPr algn="ctr">
-              <a:buNone/>
-            </a:pPr>
-            <a:r>
-              <a:rPr lang="zh-TW" altLang="en-US" sz="5400" b="1" dirty="0" smtClean="0">
+              <a:t>  </a:t>
+            </a:r>
+            <a:r>
+              <a:rPr lang="zh-TW" altLang="en-US" sz="6400" b="1" dirty="0">
+                <a:solidFill>
+                  <a:srgbClr val="000066"/>
+                </a:solidFill>
                 <a:latin typeface="微軟正黑體" pitchFamily="34" charset="-120"/>
                 <a:ea typeface="微軟正黑體" pitchFamily="34" charset="-120"/>
               </a:rPr>
               <a:t>主</a:t>
             </a:r>
             <a:r>
-              <a:rPr lang="zh-CN" altLang="en-US" sz="5400" b="1" dirty="0">
+              <a:rPr lang="zh-CN" altLang="en-US" sz="6400" b="1" dirty="0">
+                <a:solidFill>
+                  <a:srgbClr val="000066"/>
+                </a:solidFill>
                 <a:latin typeface="微軟正黑體" pitchFamily="34" charset="-120"/>
                 <a:ea typeface="微軟正黑體" pitchFamily="34" charset="-120"/>
               </a:rPr>
               <a:t>袮</a:t>
             </a:r>
             <a:r>
-              <a:rPr lang="zh-TW" altLang="en-US" sz="5400" b="1" dirty="0" smtClean="0">
+              <a:rPr lang="zh-TW" altLang="en-US" sz="6400" b="1" dirty="0">
+                <a:solidFill>
+                  <a:srgbClr val="000066"/>
+                </a:solidFill>
                 <a:latin typeface="微軟正黑體" pitchFamily="34" charset="-120"/>
                 <a:ea typeface="微軟正黑體" pitchFamily="34" charset="-120"/>
               </a:rPr>
-              <a:t>是</a:t>
-            </a:r>
-            <a:r>
-              <a:rPr lang="zh-TW" altLang="en-US" sz="5400" b="1" dirty="0">
+              <a:t>是我高臺</a:t>
+            </a:r>
+            <a:endParaRPr lang="en-US" altLang="zh-TW" sz="6400" b="1" dirty="0">
+              <a:solidFill>
+                <a:srgbClr val="000066"/>
+              </a:solidFill>
+              <a:latin typeface="微軟正黑體" pitchFamily="34" charset="-120"/>
+              <a:ea typeface="微軟正黑體" pitchFamily="34" charset="-120"/>
+            </a:endParaRPr>
+          </a:p>
+          <a:p>
+            <a:pPr algn="ctr">
+              <a:buNone/>
+            </a:pPr>
+            <a:r>
+              <a:rPr lang="zh-TW" altLang="en-US" sz="6400" b="1" dirty="0">
+                <a:solidFill>
+                  <a:srgbClr val="000066"/>
+                </a:solidFill>
                 <a:latin typeface="微軟正黑體" pitchFamily="34" charset="-120"/>
                 <a:ea typeface="微軟正黑體" pitchFamily="34" charset="-120"/>
               </a:rPr>
-              <a:t>我力</a:t>
-            </a:r>
-            <a:r>
-              <a:rPr lang="zh-TW" altLang="en-US" sz="5400" b="1" dirty="0" smtClean="0">
+              <a:t>堅固磐石</a:t>
+            </a:r>
+            <a:r>
+              <a:rPr lang="en-US" altLang="zh-TW" sz="6400" b="1" dirty="0">
+                <a:solidFill>
+                  <a:srgbClr val="000066"/>
+                </a:solidFill>
                 <a:latin typeface="微軟正黑體" pitchFamily="34" charset="-120"/>
                 <a:ea typeface="微軟正黑體" pitchFamily="34" charset="-120"/>
               </a:rPr>
-              <a:t>量</a:t>
-            </a:r>
-            <a:r>
-              <a:rPr lang="en-US" altLang="zh-TW" sz="5400" b="1" dirty="0">
+              <a:t>  </a:t>
+            </a:r>
+            <a:r>
+              <a:rPr lang="zh-TW" altLang="en-US" sz="6400" b="1" dirty="0">
+                <a:solidFill>
+                  <a:srgbClr val="000066"/>
+                </a:solidFill>
                 <a:latin typeface="微軟正黑體" pitchFamily="34" charset="-120"/>
                 <a:ea typeface="微軟正黑體" pitchFamily="34" charset="-120"/>
               </a:rPr>
-              <a:t> </a:t>
-            </a:r>
-            <a:r>
-              <a:rPr lang="en-US" altLang="zh-TW" sz="5400" b="1" dirty="0" smtClean="0">
+              <a:t>我信靠</a:t>
+            </a:r>
+            <a:r>
+              <a:rPr lang="zh-CN" altLang="en-US" sz="6400" b="1" dirty="0">
+                <a:solidFill>
+                  <a:srgbClr val="000066"/>
+                </a:solidFill>
                 <a:latin typeface="微軟正黑體" pitchFamily="34" charset="-120"/>
                 <a:ea typeface="微軟正黑體" pitchFamily="34" charset="-120"/>
               </a:rPr>
-              <a:t> </a:t>
-            </a:r>
-            <a:r>
-              <a:rPr lang="zh-TW" altLang="en-US" sz="5400" b="1" dirty="0" smtClean="0">
+              <a:t>袮</a:t>
+            </a:r>
+            <a:r>
+              <a:rPr lang="zh-TW" altLang="en-US" sz="6400" b="1" dirty="0">
+                <a:solidFill>
+                  <a:srgbClr val="000066"/>
+                </a:solidFill>
+                <a:latin typeface="微軟正黑體" pitchFamily="34" charset="-120"/>
+                <a:ea typeface="微軟正黑體" pitchFamily="34" charset="-120"/>
+              </a:rPr>
+              <a:t>必不動搖</a:t>
+            </a:r>
+            <a:endParaRPr lang="zh-TW" altLang="en-US" sz="6400" b="1" dirty="0">
+              <a:solidFill>
+                <a:srgbClr val="000066"/>
+              </a:solidFill>
+              <a:latin typeface="微軟正黑體" pitchFamily="34" charset="-120"/>
+              <a:ea typeface="微軟正黑體" pitchFamily="34" charset="-120"/>
+            </a:endParaRPr>
+          </a:p>
+        </p:txBody>
+      </p:sp>
+    </p:spTree>
+    <p:extLst>
+      <p:ext uri="{BB962C8B-B14F-4D97-AF65-F5344CB8AC3E}">
+        <p14:creationId xmlns:p14="http://schemas.microsoft.com/office/powerpoint/2010/main" val="4265418010"/>
+      </p:ext>
+    </p:extLst>
+  </p:cSld>
+  <p:clrMapOvr>
+    <a:masterClrMapping/>
+  </p:clrMapOvr>
+</p:sld>
+</file>
+
+<file path=ppt/slides/slide5.xml><?xml version="1.0" encoding="utf-8"?>
+<p:sld xmlns:a="http://schemas.openxmlformats.org/drawingml/2006/main" xmlns:r="http://schemas.openxmlformats.org/officeDocument/2006/relationships" xmlns:p="http://schemas.openxmlformats.org/presentationml/2006/main">
+  <p:cSld>
+    <p:spTree>
+      <p:nvGrpSpPr>
+        <p:cNvPr id="1" name=""/>
+        <p:cNvGrpSpPr/>
+        <p:nvPr/>
+      </p:nvGrpSpPr>
+      <p:grpSpPr>
+        <a:xfrm>
+          <a:off x="0" y="0"/>
+          <a:ext cx="0" cy="0"/>
+          <a:chOff x="0" y="0"/>
+          <a:chExt cx="0" cy="0"/>
+        </a:xfrm>
+      </p:grpSpPr>
+      <p:sp>
+        <p:nvSpPr>
+          <p:cNvPr id="5" name="內容版面配置區 4"/>
+          <p:cNvSpPr>
+            <a:spLocks noGrp="1"/>
+          </p:cNvSpPr>
+          <p:nvPr>
+            <p:ph idx="1"/>
+          </p:nvPr>
+        </p:nvSpPr>
+        <p:spPr>
+          <a:xfrm>
+            <a:off x="0" y="2084851"/>
+            <a:ext cx="12192000" cy="2404863"/>
+          </a:xfrm>
+        </p:spPr>
+        <p:txBody>
+          <a:bodyPr anchor="ctr">
+            <a:normAutofit/>
+          </a:bodyPr>
+          <a:lstStyle/>
+          <a:p>
+            <a:pPr algn="ctr">
+              <a:buNone/>
+            </a:pPr>
+            <a:r>
+              <a:rPr lang="zh-TW" altLang="en-US" sz="6400" b="1" dirty="0">
+                <a:solidFill>
+                  <a:srgbClr val="000066"/>
+                </a:solidFill>
                 <a:latin typeface="微軟正黑體" pitchFamily="34" charset="-120"/>
                 <a:ea typeface="微軟正黑體" pitchFamily="34" charset="-120"/>
               </a:rPr>
               <a:t>主</a:t>
             </a:r>
             <a:r>
-              <a:rPr lang="zh-CN" altLang="en-US" sz="5400" b="1" dirty="0">
+              <a:rPr lang="zh-CN" altLang="en-US" sz="6400" b="1" dirty="0">
+                <a:solidFill>
+                  <a:srgbClr val="000066"/>
+                </a:solidFill>
                 <a:latin typeface="微軟正黑體" pitchFamily="34" charset="-120"/>
                 <a:ea typeface="微軟正黑體" pitchFamily="34" charset="-120"/>
               </a:rPr>
               <a:t>袮</a:t>
             </a:r>
             <a:r>
-              <a:rPr lang="zh-TW" altLang="en-US" sz="5400" b="1" dirty="0" smtClean="0">
+              <a:rPr lang="zh-TW" altLang="en-US" sz="6400" b="1" dirty="0">
+                <a:solidFill>
+                  <a:srgbClr val="000066"/>
+                </a:solidFill>
                 <a:latin typeface="微軟正黑體" pitchFamily="34" charset="-120"/>
                 <a:ea typeface="微軟正黑體" pitchFamily="34" charset="-120"/>
               </a:rPr>
-              <a:t>是</a:t>
-            </a:r>
-            <a:r>
-              <a:rPr lang="zh-TW" altLang="en-US" sz="5400" b="1" dirty="0">
+              <a:t>是我力量</a:t>
+            </a:r>
+            <a:r>
+              <a:rPr lang="en-US" altLang="zh-TW" sz="6400" b="1" dirty="0">
+                <a:solidFill>
+                  <a:srgbClr val="000066"/>
+                </a:solidFill>
                 <a:latin typeface="微軟正黑體" pitchFamily="34" charset="-120"/>
                 <a:ea typeface="微軟正黑體" pitchFamily="34" charset="-120"/>
               </a:rPr>
-              <a:t>我高</a:t>
-            </a:r>
-            <a:r>
-              <a:rPr lang="zh-TW" altLang="en-US" sz="5400" b="1" dirty="0" smtClean="0">
+              <a:t>  </a:t>
+            </a:r>
+            <a:r>
+              <a:rPr lang="zh-TW" altLang="en-US" sz="6400" b="1" dirty="0">
+                <a:solidFill>
+                  <a:srgbClr val="000066"/>
+                </a:solidFill>
                 <a:latin typeface="微軟正黑體" pitchFamily="34" charset="-120"/>
                 <a:ea typeface="微軟正黑體" pitchFamily="34" charset="-120"/>
               </a:rPr>
-              <a:t>臺</a:t>
-            </a:r>
-            <a:endParaRPr lang="en-US" altLang="zh-TW" sz="5400" b="1" dirty="0" smtClean="0">
-              <a:latin typeface="微軟正黑體" pitchFamily="34" charset="-120"/>
-              <a:ea typeface="微軟正黑體" pitchFamily="34" charset="-120"/>
-            </a:endParaRPr>
-          </a:p>
-          <a:p>
-            <a:pPr algn="ctr">
-              <a:buNone/>
-            </a:pPr>
-            <a:r>
-              <a:rPr lang="zh-TW" altLang="en-US" sz="5400" b="1" dirty="0" smtClean="0">
-                <a:latin typeface="微軟正黑體" pitchFamily="34" charset="-120"/>
-                <a:ea typeface="微軟正黑體" pitchFamily="34" charset="-120"/>
-              </a:rPr>
-              <a:t>堅</a:t>
-            </a:r>
-            <a:r>
-              <a:rPr lang="zh-TW" altLang="en-US" sz="5400" b="1" dirty="0">
-                <a:latin typeface="微軟正黑體" pitchFamily="34" charset="-120"/>
-                <a:ea typeface="微軟正黑體" pitchFamily="34" charset="-120"/>
-              </a:rPr>
-              <a:t>固磐</a:t>
-            </a:r>
-            <a:r>
-              <a:rPr lang="zh-TW" altLang="en-US" sz="5400" b="1" dirty="0" smtClean="0">
-                <a:latin typeface="微軟正黑體" pitchFamily="34" charset="-120"/>
-                <a:ea typeface="微軟正黑體" pitchFamily="34" charset="-120"/>
-              </a:rPr>
-              <a:t>石</a:t>
-            </a:r>
-            <a:r>
-              <a:rPr lang="en-US" altLang="zh-TW" sz="5400" b="1" dirty="0">
-                <a:latin typeface="微軟正黑體" pitchFamily="34" charset="-120"/>
-                <a:ea typeface="微軟正黑體" pitchFamily="34" charset="-120"/>
-              </a:rPr>
-              <a:t> </a:t>
-            </a:r>
-            <a:r>
-              <a:rPr lang="en-US" altLang="zh-TW" sz="5400" b="1" dirty="0" smtClean="0">
-                <a:latin typeface="微軟正黑體" pitchFamily="34" charset="-120"/>
-                <a:ea typeface="微軟正黑體" pitchFamily="34" charset="-120"/>
-              </a:rPr>
-              <a:t> </a:t>
-            </a:r>
-            <a:r>
-              <a:rPr lang="zh-TW" altLang="en-US" sz="5400" b="1" dirty="0" smtClean="0">
-                <a:latin typeface="微軟正黑體" pitchFamily="34" charset="-120"/>
-                <a:ea typeface="微軟正黑體" pitchFamily="34" charset="-120"/>
-              </a:rPr>
-              <a:t>我</a:t>
-            </a:r>
-            <a:r>
-              <a:rPr lang="zh-TW" altLang="en-US" sz="5400" b="1" dirty="0">
-                <a:latin typeface="微軟正黑體" pitchFamily="34" charset="-120"/>
-                <a:ea typeface="微軟正黑體" pitchFamily="34" charset="-120"/>
-              </a:rPr>
-              <a:t>信</a:t>
-            </a:r>
-            <a:r>
-              <a:rPr lang="zh-TW" altLang="en-US" sz="5400" b="1" dirty="0" smtClean="0">
-                <a:latin typeface="微軟正黑體" pitchFamily="34" charset="-120"/>
-                <a:ea typeface="微軟正黑體" pitchFamily="34" charset="-120"/>
-              </a:rPr>
-              <a:t>靠</a:t>
-            </a:r>
-            <a:r>
-              <a:rPr lang="zh-CN" altLang="en-US" sz="5400" b="1" dirty="0">
+              <a:t>主</a:t>
+            </a:r>
+            <a:r>
+              <a:rPr lang="zh-CN" altLang="en-US" sz="6400" b="1" dirty="0">
+                <a:solidFill>
+                  <a:srgbClr val="000066"/>
+                </a:solidFill>
                 <a:latin typeface="微軟正黑體" pitchFamily="34" charset="-120"/>
                 <a:ea typeface="微軟正黑體" pitchFamily="34" charset="-120"/>
               </a:rPr>
               <a:t>袮</a:t>
             </a:r>
             <a:r>
-              <a:rPr lang="zh-TW" altLang="en-US" sz="5400" b="1" dirty="0" smtClean="0">
+              <a:rPr lang="zh-TW" altLang="en-US" sz="6400" b="1" dirty="0">
+                <a:solidFill>
+                  <a:srgbClr val="000066"/>
+                </a:solidFill>
                 <a:latin typeface="微軟正黑體" pitchFamily="34" charset="-120"/>
                 <a:ea typeface="微軟正黑體" pitchFamily="34" charset="-120"/>
               </a:rPr>
-              <a:t>必</a:t>
-            </a:r>
-            <a:r>
-              <a:rPr lang="zh-TW" altLang="en-US" sz="5400" b="1" dirty="0">
+              <a:t>是避難所</a:t>
+            </a:r>
+            <a:endParaRPr lang="en-US" altLang="zh-TW" sz="6400" b="1" dirty="0">
+              <a:solidFill>
+                <a:srgbClr val="000066"/>
+              </a:solidFill>
+              <a:latin typeface="微軟正黑體" pitchFamily="34" charset="-120"/>
+              <a:ea typeface="微軟正黑體" pitchFamily="34" charset="-120"/>
+            </a:endParaRPr>
+          </a:p>
+          <a:p>
+            <a:pPr algn="ctr">
+              <a:buNone/>
+            </a:pPr>
+            <a:r>
+              <a:rPr lang="zh-TW" altLang="en-US" sz="6400" b="1" dirty="0">
+                <a:solidFill>
+                  <a:srgbClr val="000066"/>
+                </a:solidFill>
                 <a:latin typeface="微軟正黑體" pitchFamily="34" charset="-120"/>
                 <a:ea typeface="微軟正黑體" pitchFamily="34" charset="-120"/>
               </a:rPr>
-              <a:t>不動</a:t>
-            </a:r>
-            <a:r>
-              <a:rPr lang="zh-TW" altLang="en-US" sz="5400" b="1" dirty="0" smtClean="0">
-                <a:latin typeface="微軟正黑體" pitchFamily="34" charset="-120"/>
-                <a:ea typeface="微軟正黑體" pitchFamily="34" charset="-120"/>
-              </a:rPr>
-              <a:t>搖</a:t>
-            </a:r>
-            <a:endParaRPr lang="en-US" altLang="zh-TW" sz="5400" b="1" dirty="0" smtClean="0">
-              <a:latin typeface="微軟正黑體" pitchFamily="34" charset="-120"/>
-              <a:ea typeface="微軟正黑體" pitchFamily="34" charset="-120"/>
-            </a:endParaRPr>
-          </a:p>
-          <a:p>
-            <a:pPr algn="ctr">
-              <a:buNone/>
-            </a:pPr>
-            <a:r>
-              <a:rPr lang="zh-TW" altLang="en-US" sz="5400" b="1" dirty="0">
-                <a:latin typeface="微軟正黑體" pitchFamily="34" charset="-120"/>
-                <a:ea typeface="微軟正黑體" pitchFamily="34" charset="-120"/>
-              </a:rPr>
-              <a:t>主</a:t>
-            </a:r>
-            <a:r>
-              <a:rPr lang="zh-CN" altLang="en-US" sz="5400" b="1" dirty="0">
+              <a:t>我的盼望只在乎</a:t>
+            </a:r>
+            <a:r>
+              <a:rPr lang="zh-CN" altLang="en-US" sz="6400" b="1" dirty="0">
+                <a:solidFill>
+                  <a:srgbClr val="000066"/>
+                </a:solidFill>
                 <a:latin typeface="微軟正黑體" pitchFamily="34" charset="-120"/>
                 <a:ea typeface="微軟正黑體" pitchFamily="34" charset="-120"/>
               </a:rPr>
               <a:t>袮</a:t>
             </a:r>
-            <a:r>
-              <a:rPr lang="zh-TW" altLang="en-US" sz="5400" b="1" dirty="0">
-                <a:latin typeface="微軟正黑體" pitchFamily="34" charset="-120"/>
-                <a:ea typeface="微軟正黑體" pitchFamily="34" charset="-120"/>
-              </a:rPr>
-              <a:t>是我力</a:t>
-            </a:r>
-            <a:r>
-              <a:rPr lang="zh-TW" altLang="en-US" sz="5400" b="1" dirty="0" smtClean="0">
-                <a:latin typeface="微軟正黑體" pitchFamily="34" charset="-120"/>
-                <a:ea typeface="微軟正黑體" pitchFamily="34" charset="-120"/>
-              </a:rPr>
-              <a:t>量</a:t>
-            </a:r>
-            <a:r>
-              <a:rPr lang="en-US" altLang="zh-TW" sz="5400" b="1" dirty="0" smtClean="0">
-                <a:latin typeface="微軟正黑體" pitchFamily="34" charset="-120"/>
-                <a:ea typeface="微軟正黑體" pitchFamily="34" charset="-120"/>
-              </a:rPr>
-              <a:t>  </a:t>
-            </a:r>
-            <a:r>
-              <a:rPr lang="zh-TW" altLang="en-US" sz="5400" b="1" dirty="0" smtClean="0">
-                <a:latin typeface="微軟正黑體" pitchFamily="34" charset="-120"/>
-                <a:ea typeface="微軟正黑體" pitchFamily="34" charset="-120"/>
-              </a:rPr>
-              <a:t>主</a:t>
-            </a:r>
-            <a:r>
-              <a:rPr lang="zh-CN" altLang="en-US" sz="5400" b="1" dirty="0">
-                <a:latin typeface="微軟正黑體" pitchFamily="34" charset="-120"/>
-                <a:ea typeface="微軟正黑體" pitchFamily="34" charset="-120"/>
-              </a:rPr>
-              <a:t>袮</a:t>
-            </a:r>
-            <a:r>
-              <a:rPr lang="zh-TW" altLang="en-US" sz="5400" b="1" dirty="0">
-                <a:latin typeface="微軟正黑體" pitchFamily="34" charset="-120"/>
-                <a:ea typeface="微軟正黑體" pitchFamily="34" charset="-120"/>
-              </a:rPr>
-              <a:t>是避難所</a:t>
-            </a:r>
-            <a:endParaRPr lang="en-US" altLang="zh-TW" sz="5400" b="1" dirty="0">
+            <a:endParaRPr lang="zh-TW" altLang="en-US" sz="6400" b="1" dirty="0">
+              <a:solidFill>
+                <a:srgbClr val="000066"/>
+              </a:solidFill>
               <a:latin typeface="微軟正黑體" pitchFamily="34" charset="-120"/>
               <a:ea typeface="微軟正黑體" pitchFamily="34" charset="-120"/>
             </a:endParaRPr>
           </a:p>
-          <a:p>
-            <a:pPr algn="ctr">
-              <a:buNone/>
-            </a:pPr>
-            <a:r>
-              <a:rPr lang="zh-TW" altLang="en-US" sz="5400" b="1" dirty="0">
-                <a:latin typeface="微軟正黑體" pitchFamily="34" charset="-120"/>
-                <a:ea typeface="微軟正黑體" pitchFamily="34" charset="-120"/>
-              </a:rPr>
-              <a:t>我的盼望只在乎</a:t>
-            </a:r>
-            <a:r>
-              <a:rPr lang="zh-CN" altLang="en-US" sz="5400" b="1" dirty="0">
-                <a:latin typeface="微軟正黑體" pitchFamily="34" charset="-120"/>
-                <a:ea typeface="微軟正黑體" pitchFamily="34" charset="-120"/>
-              </a:rPr>
-              <a:t>袮</a:t>
-            </a:r>
-            <a:endParaRPr lang="zh-TW" altLang="en-US" sz="5400" b="1" dirty="0">
-              <a:latin typeface="微軟正黑體" pitchFamily="34" charset="-120"/>
-              <a:ea typeface="微軟正黑體" pitchFamily="34" charset="-120"/>
-            </a:endParaRPr>
-          </a:p>
-          <a:p>
-            <a:pPr algn="ctr">
-              <a:buNone/>
-            </a:pPr>
-            <a:endParaRPr lang="en-US" altLang="zh-TW" sz="5400" b="1" dirty="0">
-              <a:latin typeface="微軟正黑體" pitchFamily="34" charset="-120"/>
-              <a:ea typeface="微軟正黑體" pitchFamily="34" charset="-120"/>
-            </a:endParaRPr>
-          </a:p>
         </p:txBody>
       </p:sp>
     </p:spTree>
+    <p:extLst>
+      <p:ext uri="{BB962C8B-B14F-4D97-AF65-F5344CB8AC3E}">
+        <p14:creationId xmlns:p14="http://schemas.microsoft.com/office/powerpoint/2010/main" val="3898532427"/>
+      </p:ext>
+    </p:extLst>
   </p:cSld>
   <p:clrMapOvr>
     <a:masterClrMapping/>

--- a/主你是我力量.pptx
+++ b/主你是我力量.pptx
@@ -308,7 +308,7 @@
           <a:p>
             <a:fld id="{38FCA8AB-F74D-4403-8245-3473F9D77712}" type="datetimeFigureOut">
               <a:rPr lang="zh-TW" altLang="en-US" smtClean="0"/>
-              <a:t>2021/7/20</a:t>
+              <a:t>2022/7/8</a:t>
             </a:fld>
             <a:endParaRPr lang="zh-TW" altLang="en-US"/>
           </a:p>
@@ -478,7 +478,7 @@
           <a:p>
             <a:fld id="{38FCA8AB-F74D-4403-8245-3473F9D77712}" type="datetimeFigureOut">
               <a:rPr lang="zh-TW" altLang="en-US" smtClean="0"/>
-              <a:t>2021/7/20</a:t>
+              <a:t>2022/7/8</a:t>
             </a:fld>
             <a:endParaRPr lang="zh-TW" altLang="en-US"/>
           </a:p>
@@ -658,7 +658,7 @@
           <a:p>
             <a:fld id="{38FCA8AB-F74D-4403-8245-3473F9D77712}" type="datetimeFigureOut">
               <a:rPr lang="zh-TW" altLang="en-US" smtClean="0"/>
-              <a:t>2021/7/20</a:t>
+              <a:t>2022/7/8</a:t>
             </a:fld>
             <a:endParaRPr lang="zh-TW" altLang="en-US"/>
           </a:p>
@@ -828,7 +828,7 @@
           <a:p>
             <a:fld id="{38FCA8AB-F74D-4403-8245-3473F9D77712}" type="datetimeFigureOut">
               <a:rPr lang="zh-TW" altLang="en-US" smtClean="0"/>
-              <a:t>2021/7/20</a:t>
+              <a:t>2022/7/8</a:t>
             </a:fld>
             <a:endParaRPr lang="zh-TW" altLang="en-US"/>
           </a:p>
@@ -1074,7 +1074,7 @@
           <a:p>
             <a:fld id="{38FCA8AB-F74D-4403-8245-3473F9D77712}" type="datetimeFigureOut">
               <a:rPr lang="zh-TW" altLang="en-US" smtClean="0"/>
-              <a:t>2021/7/20</a:t>
+              <a:t>2022/7/8</a:t>
             </a:fld>
             <a:endParaRPr lang="zh-TW" altLang="en-US"/>
           </a:p>
@@ -1362,7 +1362,7 @@
           <a:p>
             <a:fld id="{38FCA8AB-F74D-4403-8245-3473F9D77712}" type="datetimeFigureOut">
               <a:rPr lang="zh-TW" altLang="en-US" smtClean="0"/>
-              <a:t>2021/7/20</a:t>
+              <a:t>2022/7/8</a:t>
             </a:fld>
             <a:endParaRPr lang="zh-TW" altLang="en-US"/>
           </a:p>
@@ -1784,7 +1784,7 @@
           <a:p>
             <a:fld id="{38FCA8AB-F74D-4403-8245-3473F9D77712}" type="datetimeFigureOut">
               <a:rPr lang="zh-TW" altLang="en-US" smtClean="0"/>
-              <a:t>2021/7/20</a:t>
+              <a:t>2022/7/8</a:t>
             </a:fld>
             <a:endParaRPr lang="zh-TW" altLang="en-US"/>
           </a:p>
@@ -1902,7 +1902,7 @@
           <a:p>
             <a:fld id="{38FCA8AB-F74D-4403-8245-3473F9D77712}" type="datetimeFigureOut">
               <a:rPr lang="zh-TW" altLang="en-US" smtClean="0"/>
-              <a:t>2021/7/20</a:t>
+              <a:t>2022/7/8</a:t>
             </a:fld>
             <a:endParaRPr lang="zh-TW" altLang="en-US"/>
           </a:p>
@@ -1997,7 +1997,7 @@
           <a:p>
             <a:fld id="{38FCA8AB-F74D-4403-8245-3473F9D77712}" type="datetimeFigureOut">
               <a:rPr lang="zh-TW" altLang="en-US" smtClean="0"/>
-              <a:t>2021/7/20</a:t>
+              <a:t>2022/7/8</a:t>
             </a:fld>
             <a:endParaRPr lang="zh-TW" altLang="en-US"/>
           </a:p>
@@ -2274,7 +2274,7 @@
           <a:p>
             <a:fld id="{38FCA8AB-F74D-4403-8245-3473F9D77712}" type="datetimeFigureOut">
               <a:rPr lang="zh-TW" altLang="en-US" smtClean="0"/>
-              <a:t>2021/7/20</a:t>
+              <a:t>2022/7/8</a:t>
             </a:fld>
             <a:endParaRPr lang="zh-TW" altLang="en-US"/>
           </a:p>
@@ -2531,7 +2531,7 @@
           <a:p>
             <a:fld id="{38FCA8AB-F74D-4403-8245-3473F9D77712}" type="datetimeFigureOut">
               <a:rPr lang="zh-TW" altLang="en-US" smtClean="0"/>
-              <a:t>2021/7/20</a:t>
+              <a:t>2022/7/8</a:t>
             </a:fld>
             <a:endParaRPr lang="zh-TW" altLang="en-US"/>
           </a:p>
@@ -2749,7 +2749,7 @@
           <a:p>
             <a:fld id="{38FCA8AB-F74D-4403-8245-3473F9D77712}" type="datetimeFigureOut">
               <a:rPr lang="zh-TW" altLang="en-US" smtClean="0"/>
-              <a:t>2021/7/20</a:t>
+              <a:t>2022/7/8</a:t>
             </a:fld>
             <a:endParaRPr lang="zh-TW" altLang="en-US"/>
           </a:p>
@@ -3300,6 +3300,68 @@
           </a:p>
         </p:txBody>
       </p:sp>
+      <p:sp>
+        <p:nvSpPr>
+          <p:cNvPr id="3" name="TextBox 2"/>
+          <p:cNvSpPr txBox="1"/>
+          <p:nvPr/>
+        </p:nvSpPr>
+        <p:spPr>
+          <a:xfrm>
+            <a:off x="0" y="5229200"/>
+            <a:ext cx="12192000" cy="769441"/>
+          </a:xfrm>
+          <a:prstGeom prst="rect">
+            <a:avLst/>
+          </a:prstGeom>
+          <a:noFill/>
+        </p:spPr>
+        <p:txBody>
+          <a:bodyPr wrap="square" rtlCol="0">
+            <a:spAutoFit/>
+          </a:bodyPr>
+          <a:lstStyle/>
+          <a:p>
+            <a:pPr algn="ctr"/>
+            <a:r>
+              <a:rPr lang="en-US" sz="4400" b="1" dirty="0" smtClean="0">
+                <a:solidFill>
+                  <a:srgbClr val="000066"/>
+                </a:solidFill>
+                <a:latin typeface="Microsoft JhengHei" panose="020B0604030504040204" pitchFamily="34" charset="-120"/>
+                <a:ea typeface="Microsoft JhengHei" panose="020B0604030504040204" pitchFamily="34" charset="-120"/>
+              </a:rPr>
+              <a:t>( </a:t>
+            </a:r>
+            <a:r>
+              <a:rPr lang="zh-CN" altLang="en-US" sz="4400" b="1" dirty="0" smtClean="0">
+                <a:solidFill>
+                  <a:srgbClr val="000066"/>
+                </a:solidFill>
+                <a:latin typeface="Microsoft JhengHei" panose="020B0604030504040204" pitchFamily="34" charset="-120"/>
+                <a:ea typeface="Microsoft JhengHei" panose="020B0604030504040204" pitchFamily="34" charset="-120"/>
+              </a:rPr>
+              <a:t>正</a:t>
+            </a:r>
+            <a:r>
+              <a:rPr lang="en-US" sz="4400" b="1" dirty="0" smtClean="0">
+                <a:solidFill>
+                  <a:srgbClr val="000066"/>
+                </a:solidFill>
+                <a:latin typeface="Microsoft JhengHei" panose="020B0604030504040204" pitchFamily="34" charset="-120"/>
+                <a:ea typeface="Microsoft JhengHei" panose="020B0604030504040204" pitchFamily="34" charset="-120"/>
+              </a:rPr>
+              <a:t> )</a:t>
+            </a:r>
+            <a:endParaRPr lang="vi-VN" sz="4400" b="1" dirty="0">
+              <a:solidFill>
+                <a:srgbClr val="000066"/>
+              </a:solidFill>
+              <a:ea typeface="Microsoft JhengHei" panose="020B0604030504040204" pitchFamily="34" charset="-120"/>
+            </a:endParaRPr>
+          </a:p>
+        </p:txBody>
+      </p:sp>
     </p:spTree>
     <p:extLst>
       <p:ext uri="{BB962C8B-B14F-4D97-AF65-F5344CB8AC3E}">
@@ -3397,12 +3459,67 @@
               </a:rPr>
               <a:t>必圍繞我到永遠</a:t>
             </a:r>
-            <a:endParaRPr lang="zh-TW" altLang="en-US" sz="6400" b="1" dirty="0">
+          </a:p>
+        </p:txBody>
+      </p:sp>
+      <p:sp>
+        <p:nvSpPr>
+          <p:cNvPr id="3" name="TextBox 2"/>
+          <p:cNvSpPr txBox="1"/>
+          <p:nvPr/>
+        </p:nvSpPr>
+        <p:spPr>
+          <a:xfrm>
+            <a:off x="0" y="5229200"/>
+            <a:ext cx="12192000" cy="769441"/>
+          </a:xfrm>
+          <a:prstGeom prst="rect">
+            <a:avLst/>
+          </a:prstGeom>
+          <a:noFill/>
+        </p:spPr>
+        <p:txBody>
+          <a:bodyPr wrap="square" rtlCol="0">
+            <a:spAutoFit/>
+          </a:bodyPr>
+          <a:lstStyle/>
+          <a:p>
+            <a:pPr algn="ctr"/>
+            <a:r>
+              <a:rPr lang="en-US" sz="4400" b="1" dirty="0" smtClean="0">
+                <a:solidFill>
+                  <a:srgbClr val="000066"/>
+                </a:solidFill>
+                <a:latin typeface="Microsoft JhengHei" panose="020B0604030504040204" pitchFamily="34" charset="-120"/>
+                <a:ea typeface="Microsoft JhengHei" panose="020B0604030504040204" pitchFamily="34" charset="-120"/>
+              </a:rPr>
+              <a:t>( </a:t>
+            </a:r>
+            <a:r>
+              <a:rPr lang="zh-CN" altLang="en-US" sz="4400" b="1" dirty="0" smtClean="0">
+                <a:solidFill>
+                  <a:srgbClr val="000066"/>
+                </a:solidFill>
+                <a:latin typeface="Microsoft JhengHei" panose="020B0604030504040204" pitchFamily="34" charset="-120"/>
+                <a:ea typeface="Microsoft JhengHei" panose="020B0604030504040204" pitchFamily="34" charset="-120"/>
+              </a:rPr>
+              <a:t>正</a:t>
+            </a:r>
+            <a:r>
+              <a:rPr lang="en-US" sz="4400" b="1" dirty="0" smtClean="0">
+                <a:solidFill>
+                  <a:srgbClr val="000066"/>
+                </a:solidFill>
+                <a:latin typeface="Microsoft JhengHei" panose="020B0604030504040204" pitchFamily="34" charset="-120"/>
+                <a:ea typeface="Microsoft JhengHei" panose="020B0604030504040204" pitchFamily="34" charset="-120"/>
+              </a:rPr>
+              <a:t> )</a:t>
+            </a:r>
+            <a:endParaRPr lang="vi-VN" sz="4400" b="1" dirty="0">
               <a:solidFill>
                 <a:srgbClr val="000066"/>
               </a:solidFill>
-              <a:latin typeface="微軟正黑體" pitchFamily="34" charset="-120"/>
-              <a:ea typeface="微軟正黑體" pitchFamily="34" charset="-120"/>
+              <a:ea typeface="Microsoft JhengHei" panose="020B0604030504040204" pitchFamily="34" charset="-120"/>
             </a:endParaRPr>
           </a:p>
         </p:txBody>
@@ -3594,12 +3711,77 @@
               </a:rPr>
               <a:t>必不動搖</a:t>
             </a:r>
-            <a:endParaRPr lang="zh-TW" altLang="en-US" sz="6400" b="1" dirty="0">
+          </a:p>
+        </p:txBody>
+      </p:sp>
+      <p:sp>
+        <p:nvSpPr>
+          <p:cNvPr id="3" name="TextBox 2"/>
+          <p:cNvSpPr txBox="1"/>
+          <p:nvPr/>
+        </p:nvSpPr>
+        <p:spPr>
+          <a:xfrm>
+            <a:off x="0" y="5229200"/>
+            <a:ext cx="12192000" cy="769441"/>
+          </a:xfrm>
+          <a:prstGeom prst="rect">
+            <a:avLst/>
+          </a:prstGeom>
+          <a:noFill/>
+        </p:spPr>
+        <p:txBody>
+          <a:bodyPr wrap="square" rtlCol="0">
+            <a:spAutoFit/>
+          </a:bodyPr>
+          <a:lstStyle/>
+          <a:p>
+            <a:pPr algn="ctr"/>
+            <a:r>
+              <a:rPr lang="en-US" sz="4400" b="1" dirty="0" smtClean="0">
+                <a:solidFill>
+                  <a:srgbClr val="000066"/>
+                </a:solidFill>
+                <a:latin typeface="Microsoft JhengHei" panose="020B0604030504040204" pitchFamily="34" charset="-120"/>
+                <a:ea typeface="Microsoft JhengHei" panose="020B0604030504040204" pitchFamily="34" charset="-120"/>
+              </a:rPr>
+              <a:t>( </a:t>
+            </a:r>
+            <a:r>
+              <a:rPr lang="zh-CN" altLang="en-US" sz="4400" b="1" dirty="0" smtClean="0">
+                <a:solidFill>
+                  <a:srgbClr val="000066"/>
+                </a:solidFill>
+                <a:latin typeface="Microsoft JhengHei" panose="020B0604030504040204" pitchFamily="34" charset="-120"/>
+                <a:ea typeface="Microsoft JhengHei" panose="020B0604030504040204" pitchFamily="34" charset="-120"/>
+              </a:rPr>
+              <a:t>副</a:t>
+            </a:r>
+            <a:r>
+              <a:rPr lang="en-US" sz="4400" b="1" dirty="0" smtClean="0">
+                <a:solidFill>
+                  <a:srgbClr val="000066"/>
+                </a:solidFill>
+                <a:latin typeface="Microsoft JhengHei" panose="020B0604030504040204" pitchFamily="34" charset="-120"/>
+                <a:ea typeface="Microsoft JhengHei" panose="020B0604030504040204" pitchFamily="34" charset="-120"/>
+              </a:rPr>
+              <a:t> </a:t>
+            </a:r>
+            <a:r>
+              <a:rPr lang="en-US" sz="4400" b="1" dirty="0" smtClean="0">
+                <a:solidFill>
+                  <a:srgbClr val="000066"/>
+                </a:solidFill>
+                <a:latin typeface="Microsoft JhengHei" panose="020B0604030504040204" pitchFamily="34" charset="-120"/>
+                <a:ea typeface="Microsoft JhengHei" panose="020B0604030504040204" pitchFamily="34" charset="-120"/>
+              </a:rPr>
+              <a:t>)</a:t>
+            </a:r>
+            <a:endParaRPr lang="vi-VN" sz="4400" b="1" dirty="0">
               <a:solidFill>
                 <a:srgbClr val="000066"/>
               </a:solidFill>
-              <a:latin typeface="微軟正黑體" pitchFamily="34" charset="-120"/>
-              <a:ea typeface="微軟正黑體" pitchFamily="34" charset="-120"/>
+              <a:ea typeface="Microsoft JhengHei" panose="020B0604030504040204" pitchFamily="34" charset="-120"/>
             </a:endParaRPr>
           </a:p>
         </p:txBody>
@@ -3767,6 +3949,78 @@
               </a:solidFill>
               <a:latin typeface="微軟正黑體" pitchFamily="34" charset="-120"/>
               <a:ea typeface="微軟正黑體" pitchFamily="34" charset="-120"/>
+            </a:endParaRPr>
+          </a:p>
+        </p:txBody>
+      </p:sp>
+      <p:sp>
+        <p:nvSpPr>
+          <p:cNvPr id="3" name="TextBox 2"/>
+          <p:cNvSpPr txBox="1"/>
+          <p:nvPr/>
+        </p:nvSpPr>
+        <p:spPr>
+          <a:xfrm>
+            <a:off x="0" y="5229200"/>
+            <a:ext cx="12192000" cy="769441"/>
+          </a:xfrm>
+          <a:prstGeom prst="rect">
+            <a:avLst/>
+          </a:prstGeom>
+          <a:noFill/>
+        </p:spPr>
+        <p:txBody>
+          <a:bodyPr wrap="square" rtlCol="0">
+            <a:spAutoFit/>
+          </a:bodyPr>
+          <a:lstStyle/>
+          <a:p>
+            <a:pPr algn="ctr"/>
+            <a:r>
+              <a:rPr lang="en-US" sz="4400" b="1" dirty="0" smtClean="0">
+                <a:solidFill>
+                  <a:srgbClr val="000066"/>
+                </a:solidFill>
+                <a:latin typeface="Microsoft JhengHei" panose="020B0604030504040204" pitchFamily="34" charset="-120"/>
+                <a:ea typeface="Microsoft JhengHei" panose="020B0604030504040204" pitchFamily="34" charset="-120"/>
+              </a:rPr>
+              <a:t>( </a:t>
+            </a:r>
+            <a:r>
+              <a:rPr lang="zh-CN" altLang="en-US" sz="4400" b="1" dirty="0" smtClean="0">
+                <a:solidFill>
+                  <a:srgbClr val="000066"/>
+                </a:solidFill>
+                <a:latin typeface="Microsoft JhengHei" panose="020B0604030504040204" pitchFamily="34" charset="-120"/>
+                <a:ea typeface="Microsoft JhengHei" panose="020B0604030504040204" pitchFamily="34" charset="-120"/>
+              </a:rPr>
+              <a:t>副</a:t>
+            </a:r>
+            <a:r>
+              <a:rPr lang="en-US" sz="4400" b="1" dirty="0" smtClean="0">
+                <a:solidFill>
+                  <a:srgbClr val="000066"/>
+                </a:solidFill>
+                <a:latin typeface="Microsoft JhengHei" panose="020B0604030504040204" pitchFamily="34" charset="-120"/>
+                <a:ea typeface="Microsoft JhengHei" panose="020B0604030504040204" pitchFamily="34" charset="-120"/>
+              </a:rPr>
+              <a:t> </a:t>
+            </a:r>
+            <a:r>
+              <a:rPr lang="en-US" sz="4400" b="1" dirty="0" smtClean="0">
+                <a:solidFill>
+                  <a:srgbClr val="000066"/>
+                </a:solidFill>
+                <a:latin typeface="Microsoft JhengHei" panose="020B0604030504040204" pitchFamily="34" charset="-120"/>
+                <a:ea typeface="Microsoft JhengHei" panose="020B0604030504040204" pitchFamily="34" charset="-120"/>
+              </a:rPr>
+              <a:t>)</a:t>
+            </a:r>
+            <a:endParaRPr lang="vi-VN" sz="4400" b="1" dirty="0">
+              <a:solidFill>
+                <a:srgbClr val="000066"/>
+              </a:solidFill>
+              <a:ea typeface="Microsoft JhengHei" panose="020B0604030504040204" pitchFamily="34" charset="-120"/>
             </a:endParaRPr>
           </a:p>
         </p:txBody>

--- a/主你是我力量.pptx
+++ b/主你是我力量.pptx
@@ -165,7 +165,7 @@
           <a:lstStyle/>
           <a:p>
             <a:r>
-              <a:rPr lang="en-US" altLang="zh-TW" smtClean="0"/>
+              <a:rPr lang="en-US" altLang="zh-TW"/>
               <a:t>Click to edit Master title style</a:t>
             </a:r>
             <a:endParaRPr lang="zh-TW" altLang="en-US"/>
@@ -284,7 +284,7 @@
           </a:lstStyle>
           <a:p>
             <a:r>
-              <a:rPr lang="en-US" altLang="zh-TW" smtClean="0"/>
+              <a:rPr lang="en-US" altLang="zh-TW"/>
               <a:t>Click to edit Master subtitle style</a:t>
             </a:r>
             <a:endParaRPr lang="zh-TW" altLang="en-US"/>
@@ -308,7 +308,7 @@
           <a:p>
             <a:fld id="{38FCA8AB-F74D-4403-8245-3473F9D77712}" type="datetimeFigureOut">
               <a:rPr lang="zh-TW" altLang="en-US" smtClean="0"/>
-              <a:t>2022/7/8</a:t>
+              <a:t>2023/12/5</a:t>
             </a:fld>
             <a:endParaRPr lang="zh-TW" altLang="en-US"/>
           </a:p>
@@ -402,7 +402,7 @@
           <a:lstStyle/>
           <a:p>
             <a:r>
-              <a:rPr lang="en-US" altLang="zh-TW" smtClean="0"/>
+              <a:rPr lang="en-US" altLang="zh-TW"/>
               <a:t>Click to edit Master title style</a:t>
             </a:r>
             <a:endParaRPr lang="zh-TW" altLang="en-US"/>
@@ -426,35 +426,35 @@
           <a:p>
             <a:pPr lvl="0"/>
             <a:r>
-              <a:rPr lang="en-US" altLang="zh-TW" smtClean="0"/>
+              <a:rPr lang="en-US" altLang="zh-TW"/>
               <a:t>Edit Master text styles</a:t>
             </a:r>
           </a:p>
           <a:p>
             <a:pPr lvl="1"/>
             <a:r>
-              <a:rPr lang="en-US" altLang="zh-TW" smtClean="0"/>
+              <a:rPr lang="en-US" altLang="zh-TW"/>
               <a:t>Second level</a:t>
             </a:r>
           </a:p>
           <a:p>
             <a:pPr lvl="2"/>
             <a:r>
-              <a:rPr lang="en-US" altLang="zh-TW" smtClean="0"/>
+              <a:rPr lang="en-US" altLang="zh-TW"/>
               <a:t>Third level</a:t>
             </a:r>
           </a:p>
           <a:p>
             <a:pPr lvl="3"/>
             <a:r>
-              <a:rPr lang="en-US" altLang="zh-TW" smtClean="0"/>
+              <a:rPr lang="en-US" altLang="zh-TW"/>
               <a:t>Fourth level</a:t>
             </a:r>
           </a:p>
           <a:p>
             <a:pPr lvl="4"/>
             <a:r>
-              <a:rPr lang="en-US" altLang="zh-TW" smtClean="0"/>
+              <a:rPr lang="en-US" altLang="zh-TW"/>
               <a:t>Fifth level</a:t>
             </a:r>
             <a:endParaRPr lang="zh-TW" altLang="en-US"/>
@@ -478,7 +478,7 @@
           <a:p>
             <a:fld id="{38FCA8AB-F74D-4403-8245-3473F9D77712}" type="datetimeFigureOut">
               <a:rPr lang="zh-TW" altLang="en-US" smtClean="0"/>
-              <a:t>2022/7/8</a:t>
+              <a:t>2023/12/5</a:t>
             </a:fld>
             <a:endParaRPr lang="zh-TW" altLang="en-US"/>
           </a:p>
@@ -577,7 +577,7 @@
           <a:lstStyle/>
           <a:p>
             <a:r>
-              <a:rPr lang="en-US" altLang="zh-TW" smtClean="0"/>
+              <a:rPr lang="en-US" altLang="zh-TW"/>
               <a:t>Click to edit Master title style</a:t>
             </a:r>
             <a:endParaRPr lang="zh-TW" altLang="en-US"/>
@@ -606,35 +606,35 @@
           <a:p>
             <a:pPr lvl="0"/>
             <a:r>
-              <a:rPr lang="en-US" altLang="zh-TW" smtClean="0"/>
+              <a:rPr lang="en-US" altLang="zh-TW"/>
               <a:t>Edit Master text styles</a:t>
             </a:r>
           </a:p>
           <a:p>
             <a:pPr lvl="1"/>
             <a:r>
-              <a:rPr lang="en-US" altLang="zh-TW" smtClean="0"/>
+              <a:rPr lang="en-US" altLang="zh-TW"/>
               <a:t>Second level</a:t>
             </a:r>
           </a:p>
           <a:p>
             <a:pPr lvl="2"/>
             <a:r>
-              <a:rPr lang="en-US" altLang="zh-TW" smtClean="0"/>
+              <a:rPr lang="en-US" altLang="zh-TW"/>
               <a:t>Third level</a:t>
             </a:r>
           </a:p>
           <a:p>
             <a:pPr lvl="3"/>
             <a:r>
-              <a:rPr lang="en-US" altLang="zh-TW" smtClean="0"/>
+              <a:rPr lang="en-US" altLang="zh-TW"/>
               <a:t>Fourth level</a:t>
             </a:r>
           </a:p>
           <a:p>
             <a:pPr lvl="4"/>
             <a:r>
-              <a:rPr lang="en-US" altLang="zh-TW" smtClean="0"/>
+              <a:rPr lang="en-US" altLang="zh-TW"/>
               <a:t>Fifth level</a:t>
             </a:r>
             <a:endParaRPr lang="zh-TW" altLang="en-US"/>
@@ -658,7 +658,7 @@
           <a:p>
             <a:fld id="{38FCA8AB-F74D-4403-8245-3473F9D77712}" type="datetimeFigureOut">
               <a:rPr lang="zh-TW" altLang="en-US" smtClean="0"/>
-              <a:t>2022/7/8</a:t>
+              <a:t>2023/12/5</a:t>
             </a:fld>
             <a:endParaRPr lang="zh-TW" altLang="en-US"/>
           </a:p>
@@ -752,7 +752,7 @@
           <a:lstStyle/>
           <a:p>
             <a:r>
-              <a:rPr lang="en-US" altLang="zh-TW" smtClean="0"/>
+              <a:rPr lang="en-US" altLang="zh-TW"/>
               <a:t>Click to edit Master title style</a:t>
             </a:r>
             <a:endParaRPr lang="zh-TW" altLang="en-US"/>
@@ -776,35 +776,35 @@
           <a:p>
             <a:pPr lvl="0"/>
             <a:r>
-              <a:rPr lang="en-US" altLang="zh-TW" smtClean="0"/>
+              <a:rPr lang="en-US" altLang="zh-TW"/>
               <a:t>Edit Master text styles</a:t>
             </a:r>
           </a:p>
           <a:p>
             <a:pPr lvl="1"/>
             <a:r>
-              <a:rPr lang="en-US" altLang="zh-TW" smtClean="0"/>
+              <a:rPr lang="en-US" altLang="zh-TW"/>
               <a:t>Second level</a:t>
             </a:r>
           </a:p>
           <a:p>
             <a:pPr lvl="2"/>
             <a:r>
-              <a:rPr lang="en-US" altLang="zh-TW" smtClean="0"/>
+              <a:rPr lang="en-US" altLang="zh-TW"/>
               <a:t>Third level</a:t>
             </a:r>
           </a:p>
           <a:p>
             <a:pPr lvl="3"/>
             <a:r>
-              <a:rPr lang="en-US" altLang="zh-TW" smtClean="0"/>
+              <a:rPr lang="en-US" altLang="zh-TW"/>
               <a:t>Fourth level</a:t>
             </a:r>
           </a:p>
           <a:p>
             <a:pPr lvl="4"/>
             <a:r>
-              <a:rPr lang="en-US" altLang="zh-TW" smtClean="0"/>
+              <a:rPr lang="en-US" altLang="zh-TW"/>
               <a:t>Fifth level</a:t>
             </a:r>
             <a:endParaRPr lang="zh-TW" altLang="en-US"/>
@@ -828,7 +828,7 @@
           <a:p>
             <a:fld id="{38FCA8AB-F74D-4403-8245-3473F9D77712}" type="datetimeFigureOut">
               <a:rPr lang="zh-TW" altLang="en-US" smtClean="0"/>
-              <a:t>2022/7/8</a:t>
+              <a:t>2023/12/5</a:t>
             </a:fld>
             <a:endParaRPr lang="zh-TW" altLang="en-US"/>
           </a:p>
@@ -931,7 +931,7 @@
           </a:lstStyle>
           <a:p>
             <a:r>
-              <a:rPr lang="en-US" altLang="zh-TW" smtClean="0"/>
+              <a:rPr lang="en-US" altLang="zh-TW"/>
               <a:t>Click to edit Master title style</a:t>
             </a:r>
             <a:endParaRPr lang="zh-TW" altLang="en-US"/>
@@ -1051,7 +1051,7 @@
           <a:p>
             <a:pPr lvl="0"/>
             <a:r>
-              <a:rPr lang="en-US" altLang="zh-TW" smtClean="0"/>
+              <a:rPr lang="en-US" altLang="zh-TW"/>
               <a:t>Edit Master text styles</a:t>
             </a:r>
           </a:p>
@@ -1074,7 +1074,7 @@
           <a:p>
             <a:fld id="{38FCA8AB-F74D-4403-8245-3473F9D77712}" type="datetimeFigureOut">
               <a:rPr lang="zh-TW" altLang="en-US" smtClean="0"/>
-              <a:t>2022/7/8</a:t>
+              <a:t>2023/12/5</a:t>
             </a:fld>
             <a:endParaRPr lang="zh-TW" altLang="en-US"/>
           </a:p>
@@ -1168,7 +1168,7 @@
           <a:lstStyle/>
           <a:p>
             <a:r>
-              <a:rPr lang="en-US" altLang="zh-TW" smtClean="0"/>
+              <a:rPr lang="en-US" altLang="zh-TW"/>
               <a:t>Click to edit Master title style</a:t>
             </a:r>
             <a:endParaRPr lang="zh-TW" altLang="en-US"/>
@@ -1225,35 +1225,35 @@
           <a:p>
             <a:pPr lvl="0"/>
             <a:r>
-              <a:rPr lang="en-US" altLang="zh-TW" smtClean="0"/>
+              <a:rPr lang="en-US" altLang="zh-TW"/>
               <a:t>Edit Master text styles</a:t>
             </a:r>
           </a:p>
           <a:p>
             <a:pPr lvl="1"/>
             <a:r>
-              <a:rPr lang="en-US" altLang="zh-TW" smtClean="0"/>
+              <a:rPr lang="en-US" altLang="zh-TW"/>
               <a:t>Second level</a:t>
             </a:r>
           </a:p>
           <a:p>
             <a:pPr lvl="2"/>
             <a:r>
-              <a:rPr lang="en-US" altLang="zh-TW" smtClean="0"/>
+              <a:rPr lang="en-US" altLang="zh-TW"/>
               <a:t>Third level</a:t>
             </a:r>
           </a:p>
           <a:p>
             <a:pPr lvl="3"/>
             <a:r>
-              <a:rPr lang="en-US" altLang="zh-TW" smtClean="0"/>
+              <a:rPr lang="en-US" altLang="zh-TW"/>
               <a:t>Fourth level</a:t>
             </a:r>
           </a:p>
           <a:p>
             <a:pPr lvl="4"/>
             <a:r>
-              <a:rPr lang="en-US" altLang="zh-TW" smtClean="0"/>
+              <a:rPr lang="en-US" altLang="zh-TW"/>
               <a:t>Fifth level</a:t>
             </a:r>
             <a:endParaRPr lang="zh-TW" altLang="en-US"/>
@@ -1310,35 +1310,35 @@
           <a:p>
             <a:pPr lvl="0"/>
             <a:r>
-              <a:rPr lang="en-US" altLang="zh-TW" smtClean="0"/>
+              <a:rPr lang="en-US" altLang="zh-TW"/>
               <a:t>Edit Master text styles</a:t>
             </a:r>
           </a:p>
           <a:p>
             <a:pPr lvl="1"/>
             <a:r>
-              <a:rPr lang="en-US" altLang="zh-TW" smtClean="0"/>
+              <a:rPr lang="en-US" altLang="zh-TW"/>
               <a:t>Second level</a:t>
             </a:r>
           </a:p>
           <a:p>
             <a:pPr lvl="2"/>
             <a:r>
-              <a:rPr lang="en-US" altLang="zh-TW" smtClean="0"/>
+              <a:rPr lang="en-US" altLang="zh-TW"/>
               <a:t>Third level</a:t>
             </a:r>
           </a:p>
           <a:p>
             <a:pPr lvl="3"/>
             <a:r>
-              <a:rPr lang="en-US" altLang="zh-TW" smtClean="0"/>
+              <a:rPr lang="en-US" altLang="zh-TW"/>
               <a:t>Fourth level</a:t>
             </a:r>
           </a:p>
           <a:p>
             <a:pPr lvl="4"/>
             <a:r>
-              <a:rPr lang="en-US" altLang="zh-TW" smtClean="0"/>
+              <a:rPr lang="en-US" altLang="zh-TW"/>
               <a:t>Fifth level</a:t>
             </a:r>
             <a:endParaRPr lang="zh-TW" altLang="en-US"/>
@@ -1362,7 +1362,7 @@
           <a:p>
             <a:fld id="{38FCA8AB-F74D-4403-8245-3473F9D77712}" type="datetimeFigureOut">
               <a:rPr lang="zh-TW" altLang="en-US" smtClean="0"/>
-              <a:t>2022/7/8</a:t>
+              <a:t>2023/12/5</a:t>
             </a:fld>
             <a:endParaRPr lang="zh-TW" altLang="en-US"/>
           </a:p>
@@ -1460,7 +1460,7 @@
           </a:lstStyle>
           <a:p>
             <a:r>
-              <a:rPr lang="en-US" altLang="zh-TW" smtClean="0"/>
+              <a:rPr lang="en-US" altLang="zh-TW"/>
               <a:t>Click to edit Master title style</a:t>
             </a:r>
             <a:endParaRPr lang="zh-TW" altLang="en-US"/>
@@ -1526,7 +1526,7 @@
           <a:p>
             <a:pPr lvl="0"/>
             <a:r>
-              <a:rPr lang="en-US" altLang="zh-TW" smtClean="0"/>
+              <a:rPr lang="en-US" altLang="zh-TW"/>
               <a:t>Edit Master text styles</a:t>
             </a:r>
           </a:p>
@@ -1582,35 +1582,35 @@
           <a:p>
             <a:pPr lvl="0"/>
             <a:r>
-              <a:rPr lang="en-US" altLang="zh-TW" smtClean="0"/>
+              <a:rPr lang="en-US" altLang="zh-TW"/>
               <a:t>Edit Master text styles</a:t>
             </a:r>
           </a:p>
           <a:p>
             <a:pPr lvl="1"/>
             <a:r>
-              <a:rPr lang="en-US" altLang="zh-TW" smtClean="0"/>
+              <a:rPr lang="en-US" altLang="zh-TW"/>
               <a:t>Second level</a:t>
             </a:r>
           </a:p>
           <a:p>
             <a:pPr lvl="2"/>
             <a:r>
-              <a:rPr lang="en-US" altLang="zh-TW" smtClean="0"/>
+              <a:rPr lang="en-US" altLang="zh-TW"/>
               <a:t>Third level</a:t>
             </a:r>
           </a:p>
           <a:p>
             <a:pPr lvl="3"/>
             <a:r>
-              <a:rPr lang="en-US" altLang="zh-TW" smtClean="0"/>
+              <a:rPr lang="en-US" altLang="zh-TW"/>
               <a:t>Fourth level</a:t>
             </a:r>
           </a:p>
           <a:p>
             <a:pPr lvl="4"/>
             <a:r>
-              <a:rPr lang="en-US" altLang="zh-TW" smtClean="0"/>
+              <a:rPr lang="en-US" altLang="zh-TW"/>
               <a:t>Fifth level</a:t>
             </a:r>
             <a:endParaRPr lang="zh-TW" altLang="en-US"/>
@@ -1676,7 +1676,7 @@
           <a:p>
             <a:pPr lvl="0"/>
             <a:r>
-              <a:rPr lang="en-US" altLang="zh-TW" smtClean="0"/>
+              <a:rPr lang="en-US" altLang="zh-TW"/>
               <a:t>Edit Master text styles</a:t>
             </a:r>
           </a:p>
@@ -1732,35 +1732,35 @@
           <a:p>
             <a:pPr lvl="0"/>
             <a:r>
-              <a:rPr lang="en-US" altLang="zh-TW" smtClean="0"/>
+              <a:rPr lang="en-US" altLang="zh-TW"/>
               <a:t>Edit Master text styles</a:t>
             </a:r>
           </a:p>
           <a:p>
             <a:pPr lvl="1"/>
             <a:r>
-              <a:rPr lang="en-US" altLang="zh-TW" smtClean="0"/>
+              <a:rPr lang="en-US" altLang="zh-TW"/>
               <a:t>Second level</a:t>
             </a:r>
           </a:p>
           <a:p>
             <a:pPr lvl="2"/>
             <a:r>
-              <a:rPr lang="en-US" altLang="zh-TW" smtClean="0"/>
+              <a:rPr lang="en-US" altLang="zh-TW"/>
               <a:t>Third level</a:t>
             </a:r>
           </a:p>
           <a:p>
             <a:pPr lvl="3"/>
             <a:r>
-              <a:rPr lang="en-US" altLang="zh-TW" smtClean="0"/>
+              <a:rPr lang="en-US" altLang="zh-TW"/>
               <a:t>Fourth level</a:t>
             </a:r>
           </a:p>
           <a:p>
             <a:pPr lvl="4"/>
             <a:r>
-              <a:rPr lang="en-US" altLang="zh-TW" smtClean="0"/>
+              <a:rPr lang="en-US" altLang="zh-TW"/>
               <a:t>Fifth level</a:t>
             </a:r>
             <a:endParaRPr lang="zh-TW" altLang="en-US"/>
@@ -1784,7 +1784,7 @@
           <a:p>
             <a:fld id="{38FCA8AB-F74D-4403-8245-3473F9D77712}" type="datetimeFigureOut">
               <a:rPr lang="zh-TW" altLang="en-US" smtClean="0"/>
-              <a:t>2022/7/8</a:t>
+              <a:t>2023/12/5</a:t>
             </a:fld>
             <a:endParaRPr lang="zh-TW" altLang="en-US"/>
           </a:p>
@@ -1878,7 +1878,7 @@
           <a:lstStyle/>
           <a:p>
             <a:r>
-              <a:rPr lang="en-US" altLang="zh-TW" smtClean="0"/>
+              <a:rPr lang="en-US" altLang="zh-TW"/>
               <a:t>Click to edit Master title style</a:t>
             </a:r>
             <a:endParaRPr lang="zh-TW" altLang="en-US"/>
@@ -1902,7 +1902,7 @@
           <a:p>
             <a:fld id="{38FCA8AB-F74D-4403-8245-3473F9D77712}" type="datetimeFigureOut">
               <a:rPr lang="zh-TW" altLang="en-US" smtClean="0"/>
-              <a:t>2022/7/8</a:t>
+              <a:t>2023/12/5</a:t>
             </a:fld>
             <a:endParaRPr lang="zh-TW" altLang="en-US"/>
           </a:p>
@@ -1997,7 +1997,7 @@
           <a:p>
             <a:fld id="{38FCA8AB-F74D-4403-8245-3473F9D77712}" type="datetimeFigureOut">
               <a:rPr lang="zh-TW" altLang="en-US" smtClean="0"/>
-              <a:t>2022/7/8</a:t>
+              <a:t>2023/12/5</a:t>
             </a:fld>
             <a:endParaRPr lang="zh-TW" altLang="en-US"/>
           </a:p>
@@ -2100,7 +2100,7 @@
           </a:lstStyle>
           <a:p>
             <a:r>
-              <a:rPr lang="en-US" altLang="zh-TW" smtClean="0"/>
+              <a:rPr lang="en-US" altLang="zh-TW"/>
               <a:t>Click to edit Master title style</a:t>
             </a:r>
             <a:endParaRPr lang="zh-TW" altLang="en-US"/>
@@ -2157,35 +2157,35 @@
           <a:p>
             <a:pPr lvl="0"/>
             <a:r>
-              <a:rPr lang="en-US" altLang="zh-TW" smtClean="0"/>
+              <a:rPr lang="en-US" altLang="zh-TW"/>
               <a:t>Edit Master text styles</a:t>
             </a:r>
           </a:p>
           <a:p>
             <a:pPr lvl="1"/>
             <a:r>
-              <a:rPr lang="en-US" altLang="zh-TW" smtClean="0"/>
+              <a:rPr lang="en-US" altLang="zh-TW"/>
               <a:t>Second level</a:t>
             </a:r>
           </a:p>
           <a:p>
             <a:pPr lvl="2"/>
             <a:r>
-              <a:rPr lang="en-US" altLang="zh-TW" smtClean="0"/>
+              <a:rPr lang="en-US" altLang="zh-TW"/>
               <a:t>Third level</a:t>
             </a:r>
           </a:p>
           <a:p>
             <a:pPr lvl="3"/>
             <a:r>
-              <a:rPr lang="en-US" altLang="zh-TW" smtClean="0"/>
+              <a:rPr lang="en-US" altLang="zh-TW"/>
               <a:t>Fourth level</a:t>
             </a:r>
           </a:p>
           <a:p>
             <a:pPr lvl="4"/>
             <a:r>
-              <a:rPr lang="en-US" altLang="zh-TW" smtClean="0"/>
+              <a:rPr lang="en-US" altLang="zh-TW"/>
               <a:t>Fifth level</a:t>
             </a:r>
             <a:endParaRPr lang="zh-TW" altLang="en-US"/>
@@ -2251,7 +2251,7 @@
           <a:p>
             <a:pPr lvl="0"/>
             <a:r>
-              <a:rPr lang="en-US" altLang="zh-TW" smtClean="0"/>
+              <a:rPr lang="en-US" altLang="zh-TW"/>
               <a:t>Edit Master text styles</a:t>
             </a:r>
           </a:p>
@@ -2274,7 +2274,7 @@
           <a:p>
             <a:fld id="{38FCA8AB-F74D-4403-8245-3473F9D77712}" type="datetimeFigureOut">
               <a:rPr lang="zh-TW" altLang="en-US" smtClean="0"/>
-              <a:t>2022/7/8</a:t>
+              <a:t>2023/12/5</a:t>
             </a:fld>
             <a:endParaRPr lang="zh-TW" altLang="en-US"/>
           </a:p>
@@ -2377,7 +2377,7 @@
           </a:lstStyle>
           <a:p>
             <a:r>
-              <a:rPr lang="en-US" altLang="zh-TW" smtClean="0"/>
+              <a:rPr lang="en-US" altLang="zh-TW"/>
               <a:t>Click to edit Master title style</a:t>
             </a:r>
             <a:endParaRPr lang="zh-TW" altLang="en-US"/>
@@ -2442,7 +2442,7 @@
           </a:lstStyle>
           <a:p>
             <a:r>
-              <a:rPr lang="en-US" altLang="zh-TW" smtClean="0"/>
+              <a:rPr lang="en-US" altLang="zh-TW"/>
               <a:t>Click icon to add picture</a:t>
             </a:r>
             <a:endParaRPr lang="zh-TW" altLang="en-US"/>
@@ -2508,7 +2508,7 @@
           <a:p>
             <a:pPr lvl="0"/>
             <a:r>
-              <a:rPr lang="en-US" altLang="zh-TW" smtClean="0"/>
+              <a:rPr lang="en-US" altLang="zh-TW"/>
               <a:t>Edit Master text styles</a:t>
             </a:r>
           </a:p>
@@ -2531,7 +2531,7 @@
           <a:p>
             <a:fld id="{38FCA8AB-F74D-4403-8245-3473F9D77712}" type="datetimeFigureOut">
               <a:rPr lang="zh-TW" altLang="en-US" smtClean="0"/>
-              <a:t>2022/7/8</a:t>
+              <a:t>2023/12/5</a:t>
             </a:fld>
             <a:endParaRPr lang="zh-TW" altLang="en-US"/>
           </a:p>
@@ -2645,10 +2645,9 @@
           <a:lstStyle/>
           <a:p>
             <a:r>
-              <a:rPr lang="zh-TW" altLang="en-US" smtClean="0"/>
+              <a:rPr lang="zh-TW" altLang="en-US"/>
               <a:t>按一下以編輯母片標題樣式</a:t>
             </a:r>
-            <a:endParaRPr lang="zh-TW" altLang="en-US"/>
           </a:p>
         </p:txBody>
       </p:sp>
@@ -2679,38 +2678,37 @@
           <a:p>
             <a:pPr lvl="0"/>
             <a:r>
-              <a:rPr lang="zh-TW" altLang="en-US" smtClean="0"/>
+              <a:rPr lang="zh-TW" altLang="en-US"/>
               <a:t>按一下以編輯母片文字樣式</a:t>
             </a:r>
           </a:p>
           <a:p>
             <a:pPr lvl="1"/>
             <a:r>
-              <a:rPr lang="zh-TW" altLang="en-US" smtClean="0"/>
+              <a:rPr lang="zh-TW" altLang="en-US"/>
               <a:t>第二層</a:t>
             </a:r>
           </a:p>
           <a:p>
             <a:pPr lvl="2"/>
             <a:r>
-              <a:rPr lang="zh-TW" altLang="en-US" smtClean="0"/>
+              <a:rPr lang="zh-TW" altLang="en-US"/>
               <a:t>第三層</a:t>
             </a:r>
           </a:p>
           <a:p>
             <a:pPr lvl="3"/>
             <a:r>
-              <a:rPr lang="zh-TW" altLang="en-US" smtClean="0"/>
+              <a:rPr lang="zh-TW" altLang="en-US"/>
               <a:t>第四層</a:t>
             </a:r>
           </a:p>
           <a:p>
             <a:pPr lvl="4"/>
             <a:r>
-              <a:rPr lang="zh-TW" altLang="en-US" smtClean="0"/>
+              <a:rPr lang="zh-TW" altLang="en-US"/>
               <a:t>第五層</a:t>
             </a:r>
-            <a:endParaRPr lang="zh-TW" altLang="en-US"/>
           </a:p>
         </p:txBody>
       </p:sp>
@@ -2749,7 +2747,7 @@
           <a:p>
             <a:fld id="{38FCA8AB-F74D-4403-8245-3473F9D77712}" type="datetimeFigureOut">
               <a:rPr lang="zh-TW" altLang="en-US" smtClean="0"/>
-              <a:t>2022/7/8</a:t>
+              <a:t>2023/12/5</a:t>
             </a:fld>
             <a:endParaRPr lang="zh-TW" altLang="en-US"/>
           </a:p>
@@ -3178,7 +3176,7 @@
                 <a:latin typeface="微軟正黑體" pitchFamily="34" charset="-120"/>
                 <a:ea typeface="微軟正黑體" pitchFamily="34" charset="-120"/>
               </a:rPr>
-              <a:t>袮</a:t>
+              <a:t>祢</a:t>
             </a:r>
             <a:r>
               <a:rPr lang="zh-TW" altLang="en-US" sz="7200" b="1" i="1" dirty="0">
@@ -3285,7 +3283,7 @@
                 <a:latin typeface="微軟正黑體" pitchFamily="34" charset="-120"/>
                 <a:ea typeface="微軟正黑體" pitchFamily="34" charset="-120"/>
               </a:rPr>
-              <a:t>袮</a:t>
+              <a:t>祢</a:t>
             </a:r>
             <a:r>
               <a:rPr lang="zh-TW" altLang="en-US" sz="6400" b="1" dirty="0">
@@ -3309,7 +3307,7 @@
         <p:spPr>
           <a:xfrm>
             <a:off x="0" y="5229200"/>
-            <a:ext cx="12192000" cy="769441"/>
+            <a:ext cx="12192000" cy="584775"/>
           </a:xfrm>
           <a:prstGeom prst="rect">
             <a:avLst/>
@@ -3324,7 +3322,7 @@
           <a:p>
             <a:pPr algn="ctr"/>
             <a:r>
-              <a:rPr lang="en-US" sz="4400" b="1" dirty="0" smtClean="0">
+              <a:rPr lang="en-US" sz="3200" b="1" dirty="0">
                 <a:solidFill>
                   <a:srgbClr val="000066"/>
                 </a:solidFill>
@@ -3334,17 +3332,17 @@
               <a:t>( </a:t>
             </a:r>
             <a:r>
-              <a:rPr lang="zh-CN" altLang="en-US" sz="4400" b="1" dirty="0" smtClean="0">
+              <a:rPr lang="zh-CN" altLang="en-US" sz="3200" b="1" dirty="0">
                 <a:solidFill>
                   <a:srgbClr val="000066"/>
                 </a:solidFill>
                 <a:latin typeface="Microsoft JhengHei" panose="020B0604030504040204" pitchFamily="34" charset="-120"/>
                 <a:ea typeface="Microsoft JhengHei" panose="020B0604030504040204" pitchFamily="34" charset="-120"/>
               </a:rPr>
-              <a:t>正</a:t>
-            </a:r>
-            <a:r>
-              <a:rPr lang="en-US" sz="4400" b="1" dirty="0" smtClean="0">
+              <a:t>正歌</a:t>
+            </a:r>
+            <a:r>
+              <a:rPr lang="en-US" sz="3200" b="1" dirty="0">
                 <a:solidFill>
                   <a:srgbClr val="000066"/>
                 </a:solidFill>
@@ -3353,7 +3351,7 @@
               </a:rPr>
               <a:t> )</a:t>
             </a:r>
-            <a:endParaRPr lang="vi-VN" sz="4400" b="1" dirty="0">
+            <a:endParaRPr lang="vi-VN" sz="3200" b="1" dirty="0">
               <a:solidFill>
                 <a:srgbClr val="000066"/>
               </a:solidFill>
@@ -3447,7 +3445,7 @@
                 <a:latin typeface="微軟正黑體" pitchFamily="34" charset="-120"/>
                 <a:ea typeface="微軟正黑體" pitchFamily="34" charset="-120"/>
               </a:rPr>
-              <a:t>袮</a:t>
+              <a:t>祢</a:t>
             </a:r>
             <a:r>
               <a:rPr lang="zh-TW" altLang="en-US" sz="6400" b="1" dirty="0">
@@ -3471,7 +3469,7 @@
         <p:spPr>
           <a:xfrm>
             <a:off x="0" y="5229200"/>
-            <a:ext cx="12192000" cy="769441"/>
+            <a:ext cx="12192000" cy="584775"/>
           </a:xfrm>
           <a:prstGeom prst="rect">
             <a:avLst/>
@@ -3486,7 +3484,7 @@
           <a:p>
             <a:pPr algn="ctr"/>
             <a:r>
-              <a:rPr lang="en-US" sz="4400" b="1" dirty="0" smtClean="0">
+              <a:rPr lang="en-US" sz="3200" b="1" dirty="0">
                 <a:solidFill>
                   <a:srgbClr val="000066"/>
                 </a:solidFill>
@@ -3496,17 +3494,17 @@
               <a:t>( </a:t>
             </a:r>
             <a:r>
-              <a:rPr lang="zh-CN" altLang="en-US" sz="4400" b="1" dirty="0" smtClean="0">
+              <a:rPr lang="zh-CN" altLang="en-US" sz="3200" b="1" dirty="0">
                 <a:solidFill>
                   <a:srgbClr val="000066"/>
                 </a:solidFill>
                 <a:latin typeface="Microsoft JhengHei" panose="020B0604030504040204" pitchFamily="34" charset="-120"/>
                 <a:ea typeface="Microsoft JhengHei" panose="020B0604030504040204" pitchFamily="34" charset="-120"/>
               </a:rPr>
-              <a:t>正</a:t>
-            </a:r>
-            <a:r>
-              <a:rPr lang="en-US" sz="4400" b="1" dirty="0" smtClean="0">
+              <a:t>正歌</a:t>
+            </a:r>
+            <a:r>
+              <a:rPr lang="en-US" sz="3200" b="1" dirty="0">
                 <a:solidFill>
                   <a:srgbClr val="000066"/>
                 </a:solidFill>
@@ -3515,7 +3513,7 @@
               </a:rPr>
               <a:t> )</a:t>
             </a:r>
-            <a:endParaRPr lang="vi-VN" sz="4400" b="1" dirty="0">
+            <a:endParaRPr lang="vi-VN" sz="3200" b="1" dirty="0">
               <a:solidFill>
                 <a:srgbClr val="000066"/>
               </a:solidFill>
@@ -3597,7 +3595,7 @@
                 <a:latin typeface="微軟正黑體" pitchFamily="34" charset="-120"/>
                 <a:ea typeface="微軟正黑體" pitchFamily="34" charset="-120"/>
               </a:rPr>
-              <a:t>袮</a:t>
+              <a:t>祢</a:t>
             </a:r>
             <a:r>
               <a:rPr lang="zh-TW" altLang="en-US" sz="6400" b="1" dirty="0">
@@ -3637,7 +3635,7 @@
                 <a:latin typeface="微軟正黑體" pitchFamily="34" charset="-120"/>
                 <a:ea typeface="微軟正黑體" pitchFamily="34" charset="-120"/>
               </a:rPr>
-              <a:t>袮</a:t>
+              <a:t>祢</a:t>
             </a:r>
             <a:r>
               <a:rPr lang="zh-TW" altLang="en-US" sz="6400" b="1" dirty="0">
@@ -3699,7 +3697,7 @@
                 <a:latin typeface="微軟正黑體" pitchFamily="34" charset="-120"/>
                 <a:ea typeface="微軟正黑體" pitchFamily="34" charset="-120"/>
               </a:rPr>
-              <a:t>袮</a:t>
+              <a:t>祢</a:t>
             </a:r>
             <a:r>
               <a:rPr lang="zh-TW" altLang="en-US" sz="6400" b="1" dirty="0">
@@ -3723,7 +3721,7 @@
         <p:spPr>
           <a:xfrm>
             <a:off x="0" y="5229200"/>
-            <a:ext cx="12192000" cy="769441"/>
+            <a:ext cx="12192000" cy="584775"/>
           </a:xfrm>
           <a:prstGeom prst="rect">
             <a:avLst/>
@@ -3738,7 +3736,7 @@
           <a:p>
             <a:pPr algn="ctr"/>
             <a:r>
-              <a:rPr lang="en-US" sz="4400" b="1" dirty="0" smtClean="0">
+              <a:rPr lang="en-US" sz="3200" b="1" dirty="0">
                 <a:solidFill>
                   <a:srgbClr val="000066"/>
                 </a:solidFill>
@@ -3748,27 +3746,17 @@
               <a:t>( </a:t>
             </a:r>
             <a:r>
-              <a:rPr lang="zh-CN" altLang="en-US" sz="4400" b="1" dirty="0" smtClean="0">
+              <a:rPr lang="zh-CN" altLang="en-US" sz="3200" b="1" dirty="0">
                 <a:solidFill>
                   <a:srgbClr val="000066"/>
                 </a:solidFill>
                 <a:latin typeface="Microsoft JhengHei" panose="020B0604030504040204" pitchFamily="34" charset="-120"/>
                 <a:ea typeface="Microsoft JhengHei" panose="020B0604030504040204" pitchFamily="34" charset="-120"/>
               </a:rPr>
-              <a:t>副</a:t>
-            </a:r>
-            <a:r>
-              <a:rPr lang="en-US" sz="4400" b="1" dirty="0" smtClean="0">
-                <a:solidFill>
-                  <a:srgbClr val="000066"/>
-                </a:solidFill>
-                <a:latin typeface="Microsoft JhengHei" panose="020B0604030504040204" pitchFamily="34" charset="-120"/>
-                <a:ea typeface="Microsoft JhengHei" panose="020B0604030504040204" pitchFamily="34" charset="-120"/>
-              </a:rPr>
-              <a:t> </a:t>
-            </a:r>
-            <a:r>
-              <a:rPr lang="en-US" sz="4400" b="1" dirty="0" smtClean="0">
+              <a:t>副歌 </a:t>
+            </a:r>
+            <a:r>
+              <a:rPr lang="en-US" sz="3200" b="1" dirty="0">
                 <a:solidFill>
                   <a:srgbClr val="000066"/>
                 </a:solidFill>
@@ -3777,7 +3765,7 @@
               </a:rPr>
               <a:t>)</a:t>
             </a:r>
-            <a:endParaRPr lang="vi-VN" sz="4400" b="1" dirty="0">
+            <a:endParaRPr lang="vi-VN" sz="3200" b="1" dirty="0">
               <a:solidFill>
                 <a:srgbClr val="000066"/>
               </a:solidFill>
@@ -3859,7 +3847,7 @@
                 <a:latin typeface="微軟正黑體" pitchFamily="34" charset="-120"/>
                 <a:ea typeface="微軟正黑體" pitchFamily="34" charset="-120"/>
               </a:rPr>
-              <a:t>袮</a:t>
+              <a:t>祢</a:t>
             </a:r>
             <a:r>
               <a:rPr lang="zh-TW" altLang="en-US" sz="6400" b="1" dirty="0">
@@ -3899,7 +3887,7 @@
                 <a:latin typeface="微軟正黑體" pitchFamily="34" charset="-120"/>
                 <a:ea typeface="微軟正黑體" pitchFamily="34" charset="-120"/>
               </a:rPr>
-              <a:t>袮</a:t>
+              <a:t>祢</a:t>
             </a:r>
             <a:r>
               <a:rPr lang="zh-TW" altLang="en-US" sz="6400" b="1" dirty="0">
@@ -3941,7 +3929,7 @@
                 <a:latin typeface="微軟正黑體" pitchFamily="34" charset="-120"/>
                 <a:ea typeface="微軟正黑體" pitchFamily="34" charset="-120"/>
               </a:rPr>
-              <a:t>袮</a:t>
+              <a:t>祢</a:t>
             </a:r>
             <a:endParaRPr lang="zh-TW" altLang="en-US" sz="6400" b="1" dirty="0">
               <a:solidFill>
@@ -3962,7 +3950,7 @@
         <p:spPr>
           <a:xfrm>
             <a:off x="0" y="5229200"/>
-            <a:ext cx="12192000" cy="769441"/>
+            <a:ext cx="12192000" cy="584775"/>
           </a:xfrm>
           <a:prstGeom prst="rect">
             <a:avLst/>
@@ -3977,7 +3965,7 @@
           <a:p>
             <a:pPr algn="ctr"/>
             <a:r>
-              <a:rPr lang="en-US" sz="4400" b="1" dirty="0" smtClean="0">
+              <a:rPr lang="en-US" sz="3200" b="1" dirty="0">
                 <a:solidFill>
                   <a:srgbClr val="000066"/>
                 </a:solidFill>
@@ -3987,27 +3975,17 @@
               <a:t>( </a:t>
             </a:r>
             <a:r>
-              <a:rPr lang="zh-CN" altLang="en-US" sz="4400" b="1" dirty="0" smtClean="0">
+              <a:rPr lang="zh-CN" altLang="en-US" sz="3200" b="1">
                 <a:solidFill>
                   <a:srgbClr val="000066"/>
                 </a:solidFill>
                 <a:latin typeface="Microsoft JhengHei" panose="020B0604030504040204" pitchFamily="34" charset="-120"/>
                 <a:ea typeface="Microsoft JhengHei" panose="020B0604030504040204" pitchFamily="34" charset="-120"/>
               </a:rPr>
-              <a:t>副</a:t>
-            </a:r>
-            <a:r>
-              <a:rPr lang="en-US" sz="4400" b="1" dirty="0" smtClean="0">
-                <a:solidFill>
-                  <a:srgbClr val="000066"/>
-                </a:solidFill>
-                <a:latin typeface="Microsoft JhengHei" panose="020B0604030504040204" pitchFamily="34" charset="-120"/>
-                <a:ea typeface="Microsoft JhengHei" panose="020B0604030504040204" pitchFamily="34" charset="-120"/>
-              </a:rPr>
-              <a:t> </a:t>
-            </a:r>
-            <a:r>
-              <a:rPr lang="en-US" sz="4400" b="1" dirty="0" smtClean="0">
+              <a:t>副歌 </a:t>
+            </a:r>
+            <a:r>
+              <a:rPr lang="en-US" sz="3200" b="1">
                 <a:solidFill>
                   <a:srgbClr val="000066"/>
                 </a:solidFill>
@@ -4016,7 +3994,7 @@
               </a:rPr>
               <a:t>)</a:t>
             </a:r>
-            <a:endParaRPr lang="vi-VN" sz="4400" b="1" dirty="0">
+            <a:endParaRPr lang="vi-VN" sz="3200" b="1" dirty="0">
               <a:solidFill>
                 <a:srgbClr val="000066"/>
               </a:solidFill>
